--- a/presentation.pptx
+++ b/presentation.pptx
@@ -5,7 +5,7 @@
     <p:sldMasterId id="2147483648" r:id="rId1"/>
   </p:sldMasterIdLst>
   <p:notesMasterIdLst>
-    <p:notesMasterId r:id="rId9"/>
+    <p:notesMasterId r:id="rId20"/>
   </p:notesMasterIdLst>
   <p:sldIdLst>
     <p:sldId id="256" r:id="rId2"/>
@@ -14,7 +14,18 @@
     <p:sldId id="261" r:id="rId5"/>
     <p:sldId id="262" r:id="rId6"/>
     <p:sldId id="258" r:id="rId7"/>
-    <p:sldId id="260" r:id="rId8"/>
+    <p:sldId id="263" r:id="rId8"/>
+    <p:sldId id="265" r:id="rId9"/>
+    <p:sldId id="266" r:id="rId10"/>
+    <p:sldId id="267" r:id="rId11"/>
+    <p:sldId id="268" r:id="rId12"/>
+    <p:sldId id="269" r:id="rId13"/>
+    <p:sldId id="270" r:id="rId14"/>
+    <p:sldId id="272" r:id="rId15"/>
+    <p:sldId id="273" r:id="rId16"/>
+    <p:sldId id="278" r:id="rId17"/>
+    <p:sldId id="279" r:id="rId18"/>
+    <p:sldId id="271" r:id="rId19"/>
   </p:sldIdLst>
   <p:sldSz cx="12192000" cy="6858000"/>
   <p:notesSz cx="6858000" cy="9144000"/>
@@ -113,6 +124,11 @@
       </a:defRPr>
     </a:lvl9pPr>
   </p:defaultTextStyle>
+  <p:extLst>
+    <p:ext uri="{EFAFB233-063F-42B5-8137-9DF3F51BA10A}">
+      <p15:sldGuideLst xmlns:p15="http://schemas.microsoft.com/office/powerpoint/2012/main"/>
+    </p:ext>
+  </p:extLst>
 </p:presentation>
 </file>
 
@@ -198,7 +214,7 @@
           <a:p>
             <a:fld id="{6D1D93BA-FB3A-4260-BD6C-0D47017096AA}" type="datetimeFigureOut">
               <a:rPr lang="it-IT" smtClean="0"/>
-              <a:t>15/04/2022</a:t>
+              <a:t>23/04/2022</a:t>
             </a:fld>
             <a:endParaRPr lang="it-IT"/>
           </a:p>
@@ -509,50 +525,7 @@
           <a:bodyPr/>
           <a:lstStyle/>
           <a:p>
-            <a:r>
-              <a:rPr lang="it-IT" dirty="0"/>
-              <a:t>We </a:t>
-            </a:r>
-            <a:r>
-              <a:rPr lang="it-IT" dirty="0" err="1"/>
-              <a:t>focused</a:t>
-            </a:r>
-            <a:r>
-              <a:rPr lang="it-IT" dirty="0"/>
-              <a:t> our research on the </a:t>
-            </a:r>
-            <a:r>
-              <a:rPr lang="it-IT" dirty="0" err="1"/>
-              <a:t>alignment</a:t>
-            </a:r>
-            <a:r>
-              <a:rPr lang="it-IT" dirty="0"/>
-              <a:t> step, </a:t>
-            </a:r>
-            <a:r>
-              <a:rPr lang="it-IT" dirty="0" err="1"/>
-              <a:t>comparing</a:t>
-            </a:r>
-            <a:r>
-              <a:rPr lang="it-IT" dirty="0"/>
-              <a:t> </a:t>
-            </a:r>
-            <a:r>
-              <a:rPr lang="it-IT" dirty="0" err="1"/>
-              <a:t>different</a:t>
-            </a:r>
-            <a:r>
-              <a:rPr lang="it-IT" dirty="0"/>
-              <a:t> </a:t>
-            </a:r>
-            <a:r>
-              <a:rPr lang="it-IT" dirty="0" err="1"/>
-              <a:t>methods</a:t>
-            </a:r>
-            <a:r>
-              <a:rPr lang="it-IT" dirty="0"/>
-              <a:t>.</a:t>
-            </a:r>
+            <a:endParaRPr lang="it-IT" dirty="0"/>
           </a:p>
         </p:txBody>
       </p:sp>
@@ -573,7 +546,7 @@
           <a:p>
             <a:fld id="{283EC0F3-E0E5-4E76-8F2F-D13EE8C9EA8B}" type="slidenum">
               <a:rPr lang="it-IT" smtClean="0"/>
-              <a:t>6</a:t>
+              <a:t>5</a:t>
             </a:fld>
             <a:endParaRPr lang="it-IT"/>
           </a:p>
@@ -582,7 +555,7 @@
     </p:spTree>
     <p:extLst>
       <p:ext uri="{BB962C8B-B14F-4D97-AF65-F5344CB8AC3E}">
-        <p14:creationId xmlns:p14="http://schemas.microsoft.com/office/powerpoint/2010/main" val="3351685591"/>
+        <p14:creationId xmlns:p14="http://schemas.microsoft.com/office/powerpoint/2010/main" val="3792863695"/>
       </p:ext>
     </p:extLst>
   </p:cSld>
@@ -637,8 +610,28 @@
           <a:lstStyle/>
           <a:p>
             <a:r>
+              <a:rPr lang="it-IT" dirty="0"/>
+              <a:t>We </a:t>
+            </a:r>
+            <a:r>
               <a:rPr lang="it-IT" dirty="0" err="1"/>
-              <a:t>Spanning</a:t>
+              <a:t>focused</a:t>
+            </a:r>
+            <a:r>
+              <a:rPr lang="it-IT" dirty="0"/>
+              <a:t> our research on the </a:t>
+            </a:r>
+            <a:r>
+              <a:rPr lang="it-IT" dirty="0" err="1"/>
+              <a:t>alignment</a:t>
+            </a:r>
+            <a:r>
+              <a:rPr lang="it-IT" dirty="0"/>
+              <a:t> step, </a:t>
+            </a:r>
+            <a:r>
+              <a:rPr lang="it-IT" dirty="0" err="1"/>
+              <a:t>comparing</a:t>
             </a:r>
             <a:r>
               <a:rPr lang="it-IT" dirty="0"/>
@@ -646,7 +639,7 @@
             </a:r>
             <a:r>
               <a:rPr lang="it-IT" dirty="0" err="1"/>
-              <a:t>Tree</a:t>
+              <a:t>different</a:t>
             </a:r>
             <a:r>
               <a:rPr lang="it-IT" dirty="0"/>
@@ -654,20 +647,96 @@
             </a:r>
             <a:r>
               <a:rPr lang="it-IT" dirty="0" err="1"/>
-              <a:t>used</a:t>
+              <a:t>methods</a:t>
             </a:r>
             <a:r>
               <a:rPr lang="it-IT" dirty="0"/>
-              <a:t> to </a:t>
-            </a:r>
-            <a:r>
-              <a:rPr lang="it-IT" dirty="0" err="1"/>
-              <a:t>define</a:t>
-            </a:r>
-            <a:r>
-              <a:rPr lang="it-IT" dirty="0"/>
-              <a:t> the order</a:t>
-            </a:r>
+              <a:t>.</a:t>
+            </a:r>
+          </a:p>
+        </p:txBody>
+      </p:sp>
+      <p:sp>
+        <p:nvSpPr>
+          <p:cNvPr id="4" name="Segnaposto numero diapositiva 3"/>
+          <p:cNvSpPr>
+            <a:spLocks noGrp="1"/>
+          </p:cNvSpPr>
+          <p:nvPr>
+            <p:ph type="sldNum" sz="quarter" idx="5"/>
+          </p:nvPr>
+        </p:nvSpPr>
+        <p:spPr/>
+        <p:txBody>
+          <a:bodyPr/>
+          <a:lstStyle/>
+          <a:p>
+            <a:fld id="{283EC0F3-E0E5-4E76-8F2F-D13EE8C9EA8B}" type="slidenum">
+              <a:rPr lang="it-IT" smtClean="0"/>
+              <a:t>6</a:t>
+            </a:fld>
+            <a:endParaRPr lang="it-IT"/>
+          </a:p>
+        </p:txBody>
+      </p:sp>
+    </p:spTree>
+    <p:extLst>
+      <p:ext uri="{BB962C8B-B14F-4D97-AF65-F5344CB8AC3E}">
+        <p14:creationId xmlns:p14="http://schemas.microsoft.com/office/powerpoint/2010/main" val="3351685591"/>
+      </p:ext>
+    </p:extLst>
+  </p:cSld>
+  <p:clrMapOvr>
+    <a:masterClrMapping/>
+  </p:clrMapOvr>
+</p:notes>
+</file>
+
+<file path=ppt/notesSlides/notesSlide3.xml><?xml version="1.0" encoding="utf-8"?>
+<p:notes xmlns:a="http://schemas.openxmlformats.org/drawingml/2006/main" xmlns:r="http://schemas.openxmlformats.org/officeDocument/2006/relationships" xmlns:p="http://schemas.openxmlformats.org/presentationml/2006/main">
+  <p:cSld>
+    <p:spTree>
+      <p:nvGrpSpPr>
+        <p:cNvPr id="1" name=""/>
+        <p:cNvGrpSpPr/>
+        <p:nvPr/>
+      </p:nvGrpSpPr>
+      <p:grpSpPr>
+        <a:xfrm>
+          <a:off x="0" y="0"/>
+          <a:ext cx="0" cy="0"/>
+          <a:chOff x="0" y="0"/>
+          <a:chExt cx="0" cy="0"/>
+        </a:xfrm>
+      </p:grpSpPr>
+      <p:sp>
+        <p:nvSpPr>
+          <p:cNvPr id="2" name="Segnaposto immagine diapositiva 1"/>
+          <p:cNvSpPr>
+            <a:spLocks noGrp="1" noRot="1" noChangeAspect="1"/>
+          </p:cNvSpPr>
+          <p:nvPr>
+            <p:ph type="sldImg"/>
+          </p:nvPr>
+        </p:nvSpPr>
+        <p:spPr/>
+      </p:sp>
+      <p:sp>
+        <p:nvSpPr>
+          <p:cNvPr id="3" name="Segnaposto note 2"/>
+          <p:cNvSpPr>
+            <a:spLocks noGrp="1"/>
+          </p:cNvSpPr>
+          <p:nvPr>
+            <p:ph type="body" idx="1"/>
+          </p:nvPr>
+        </p:nvSpPr>
+        <p:spPr/>
+        <p:txBody>
+          <a:bodyPr/>
+          <a:lstStyle/>
+          <a:p>
+            <a:endParaRPr lang="it-IT" dirty="0"/>
           </a:p>
         </p:txBody>
       </p:sp>
@@ -697,7 +766,483 @@
     </p:spTree>
     <p:extLst>
       <p:ext uri="{BB962C8B-B14F-4D97-AF65-F5344CB8AC3E}">
-        <p14:creationId xmlns:p14="http://schemas.microsoft.com/office/powerpoint/2010/main" val="2595756809"/>
+        <p14:creationId xmlns:p14="http://schemas.microsoft.com/office/powerpoint/2010/main" val="1863127072"/>
+      </p:ext>
+    </p:extLst>
+  </p:cSld>
+  <p:clrMapOvr>
+    <a:masterClrMapping/>
+  </p:clrMapOvr>
+</p:notes>
+</file>
+
+<file path=ppt/notesSlides/notesSlide4.xml><?xml version="1.0" encoding="utf-8"?>
+<p:notes xmlns:a="http://schemas.openxmlformats.org/drawingml/2006/main" xmlns:r="http://schemas.openxmlformats.org/officeDocument/2006/relationships" xmlns:p="http://schemas.openxmlformats.org/presentationml/2006/main">
+  <p:cSld>
+    <p:spTree>
+      <p:nvGrpSpPr>
+        <p:cNvPr id="1" name=""/>
+        <p:cNvGrpSpPr/>
+        <p:nvPr/>
+      </p:nvGrpSpPr>
+      <p:grpSpPr>
+        <a:xfrm>
+          <a:off x="0" y="0"/>
+          <a:ext cx="0" cy="0"/>
+          <a:chOff x="0" y="0"/>
+          <a:chExt cx="0" cy="0"/>
+        </a:xfrm>
+      </p:grpSpPr>
+      <p:sp>
+        <p:nvSpPr>
+          <p:cNvPr id="2" name="Segnaposto immagine diapositiva 1"/>
+          <p:cNvSpPr>
+            <a:spLocks noGrp="1" noRot="1" noChangeAspect="1"/>
+          </p:cNvSpPr>
+          <p:nvPr>
+            <p:ph type="sldImg"/>
+          </p:nvPr>
+        </p:nvSpPr>
+        <p:spPr/>
+      </p:sp>
+      <p:sp>
+        <p:nvSpPr>
+          <p:cNvPr id="3" name="Segnaposto note 2"/>
+          <p:cNvSpPr>
+            <a:spLocks noGrp="1"/>
+          </p:cNvSpPr>
+          <p:nvPr>
+            <p:ph type="body" idx="1"/>
+          </p:nvPr>
+        </p:nvSpPr>
+        <p:spPr/>
+        <p:txBody>
+          <a:bodyPr/>
+          <a:lstStyle/>
+          <a:p>
+            <a:r>
+              <a:rPr lang="it-IT" dirty="0" err="1"/>
+              <a:t>Explain</a:t>
+            </a:r>
+            <a:r>
+              <a:rPr lang="it-IT" dirty="0"/>
+              <a:t> what </a:t>
+            </a:r>
+            <a:r>
+              <a:rPr lang="it-IT" dirty="0" err="1"/>
+              <a:t>is</a:t>
+            </a:r>
+            <a:r>
+              <a:rPr lang="it-IT" dirty="0"/>
+              <a:t> </a:t>
+            </a:r>
+            <a:r>
+              <a:rPr lang="it-IT" dirty="0" err="1"/>
+              <a:t>synchronization</a:t>
+            </a:r>
+            <a:endParaRPr lang="it-IT" dirty="0"/>
+          </a:p>
+        </p:txBody>
+      </p:sp>
+      <p:sp>
+        <p:nvSpPr>
+          <p:cNvPr id="4" name="Segnaposto numero diapositiva 3"/>
+          <p:cNvSpPr>
+            <a:spLocks noGrp="1"/>
+          </p:cNvSpPr>
+          <p:nvPr>
+            <p:ph type="sldNum" sz="quarter" idx="5"/>
+          </p:nvPr>
+        </p:nvSpPr>
+        <p:spPr/>
+        <p:txBody>
+          <a:bodyPr/>
+          <a:lstStyle/>
+          <a:p>
+            <a:fld id="{283EC0F3-E0E5-4E76-8F2F-D13EE8C9EA8B}" type="slidenum">
+              <a:rPr lang="it-IT" smtClean="0"/>
+              <a:t>8</a:t>
+            </a:fld>
+            <a:endParaRPr lang="it-IT"/>
+          </a:p>
+        </p:txBody>
+      </p:sp>
+    </p:spTree>
+    <p:extLst>
+      <p:ext uri="{BB962C8B-B14F-4D97-AF65-F5344CB8AC3E}">
+        <p14:creationId xmlns:p14="http://schemas.microsoft.com/office/powerpoint/2010/main" val="288116214"/>
+      </p:ext>
+    </p:extLst>
+  </p:cSld>
+  <p:clrMapOvr>
+    <a:masterClrMapping/>
+  </p:clrMapOvr>
+</p:notes>
+</file>
+
+<file path=ppt/notesSlides/notesSlide5.xml><?xml version="1.0" encoding="utf-8"?>
+<p:notes xmlns:a="http://schemas.openxmlformats.org/drawingml/2006/main" xmlns:r="http://schemas.openxmlformats.org/officeDocument/2006/relationships" xmlns:p="http://schemas.openxmlformats.org/presentationml/2006/main">
+  <p:cSld>
+    <p:spTree>
+      <p:nvGrpSpPr>
+        <p:cNvPr id="1" name=""/>
+        <p:cNvGrpSpPr/>
+        <p:nvPr/>
+      </p:nvGrpSpPr>
+      <p:grpSpPr>
+        <a:xfrm>
+          <a:off x="0" y="0"/>
+          <a:ext cx="0" cy="0"/>
+          <a:chOff x="0" y="0"/>
+          <a:chExt cx="0" cy="0"/>
+        </a:xfrm>
+      </p:grpSpPr>
+      <p:sp>
+        <p:nvSpPr>
+          <p:cNvPr id="2" name="Segnaposto immagine diapositiva 1"/>
+          <p:cNvSpPr>
+            <a:spLocks noGrp="1" noRot="1" noChangeAspect="1"/>
+          </p:cNvSpPr>
+          <p:nvPr>
+            <p:ph type="sldImg"/>
+          </p:nvPr>
+        </p:nvSpPr>
+        <p:spPr/>
+      </p:sp>
+      <p:sp>
+        <p:nvSpPr>
+          <p:cNvPr id="3" name="Segnaposto note 2"/>
+          <p:cNvSpPr>
+            <a:spLocks noGrp="1"/>
+          </p:cNvSpPr>
+          <p:nvPr>
+            <p:ph type="body" idx="1"/>
+          </p:nvPr>
+        </p:nvSpPr>
+        <p:spPr/>
+        <p:txBody>
+          <a:bodyPr/>
+          <a:lstStyle/>
+          <a:p>
+            <a:endParaRPr lang="it-IT" dirty="0"/>
+          </a:p>
+        </p:txBody>
+      </p:sp>
+      <p:sp>
+        <p:nvSpPr>
+          <p:cNvPr id="4" name="Segnaposto numero diapositiva 3"/>
+          <p:cNvSpPr>
+            <a:spLocks noGrp="1"/>
+          </p:cNvSpPr>
+          <p:nvPr>
+            <p:ph type="sldNum" sz="quarter" idx="5"/>
+          </p:nvPr>
+        </p:nvSpPr>
+        <p:spPr/>
+        <p:txBody>
+          <a:bodyPr/>
+          <a:lstStyle/>
+          <a:p>
+            <a:fld id="{283EC0F3-E0E5-4E76-8F2F-D13EE8C9EA8B}" type="slidenum">
+              <a:rPr lang="it-IT" smtClean="0"/>
+              <a:t>9</a:t>
+            </a:fld>
+            <a:endParaRPr lang="it-IT"/>
+          </a:p>
+        </p:txBody>
+      </p:sp>
+    </p:spTree>
+    <p:extLst>
+      <p:ext uri="{BB962C8B-B14F-4D97-AF65-F5344CB8AC3E}">
+        <p14:creationId xmlns:p14="http://schemas.microsoft.com/office/powerpoint/2010/main" val="3768915065"/>
+      </p:ext>
+    </p:extLst>
+  </p:cSld>
+  <p:clrMapOvr>
+    <a:masterClrMapping/>
+  </p:clrMapOvr>
+</p:notes>
+</file>
+
+<file path=ppt/notesSlides/notesSlide6.xml><?xml version="1.0" encoding="utf-8"?>
+<p:notes xmlns:a="http://schemas.openxmlformats.org/drawingml/2006/main" xmlns:r="http://schemas.openxmlformats.org/officeDocument/2006/relationships" xmlns:p="http://schemas.openxmlformats.org/presentationml/2006/main">
+  <p:cSld>
+    <p:spTree>
+      <p:nvGrpSpPr>
+        <p:cNvPr id="1" name=""/>
+        <p:cNvGrpSpPr/>
+        <p:nvPr/>
+      </p:nvGrpSpPr>
+      <p:grpSpPr>
+        <a:xfrm>
+          <a:off x="0" y="0"/>
+          <a:ext cx="0" cy="0"/>
+          <a:chOff x="0" y="0"/>
+          <a:chExt cx="0" cy="0"/>
+        </a:xfrm>
+      </p:grpSpPr>
+      <p:sp>
+        <p:nvSpPr>
+          <p:cNvPr id="2" name="Segnaposto immagine diapositiva 1"/>
+          <p:cNvSpPr>
+            <a:spLocks noGrp="1" noRot="1" noChangeAspect="1"/>
+          </p:cNvSpPr>
+          <p:nvPr>
+            <p:ph type="sldImg"/>
+          </p:nvPr>
+        </p:nvSpPr>
+        <p:spPr/>
+      </p:sp>
+      <p:sp>
+        <p:nvSpPr>
+          <p:cNvPr id="3" name="Segnaposto note 2"/>
+          <p:cNvSpPr>
+            <a:spLocks noGrp="1"/>
+          </p:cNvSpPr>
+          <p:nvPr>
+            <p:ph type="body" idx="1"/>
+          </p:nvPr>
+        </p:nvSpPr>
+        <p:spPr/>
+        <p:txBody>
+          <a:bodyPr/>
+          <a:lstStyle/>
+          <a:p>
+            <a:r>
+              <a:rPr lang="it-IT" dirty="0" err="1"/>
+              <a:t>Same</a:t>
+            </a:r>
+            <a:r>
+              <a:rPr lang="it-IT" dirty="0"/>
+              <a:t> as Simple-</a:t>
+            </a:r>
+            <a:r>
+              <a:rPr lang="it-IT" dirty="0" err="1"/>
+              <a:t>Graph</a:t>
+            </a:r>
+            <a:r>
+              <a:rPr lang="it-IT" dirty="0"/>
+              <a:t> but </a:t>
+            </a:r>
+            <a:r>
+              <a:rPr lang="it-IT" dirty="0" err="1"/>
+              <a:t>applied</a:t>
+            </a:r>
+            <a:r>
+              <a:rPr lang="it-IT" dirty="0"/>
+              <a:t> to the </a:t>
+            </a:r>
+            <a:r>
+              <a:rPr lang="it-IT" dirty="0" err="1"/>
+              <a:t>expanded</a:t>
+            </a:r>
+            <a:r>
+              <a:rPr lang="it-IT" dirty="0"/>
+              <a:t> </a:t>
+            </a:r>
+            <a:r>
+              <a:rPr lang="it-IT" dirty="0" err="1"/>
+              <a:t>graph</a:t>
+            </a:r>
+            <a:endParaRPr lang="it-IT" dirty="0"/>
+          </a:p>
+        </p:txBody>
+      </p:sp>
+      <p:sp>
+        <p:nvSpPr>
+          <p:cNvPr id="4" name="Segnaposto numero diapositiva 3"/>
+          <p:cNvSpPr>
+            <a:spLocks noGrp="1"/>
+          </p:cNvSpPr>
+          <p:nvPr>
+            <p:ph type="sldNum" sz="quarter" idx="5"/>
+          </p:nvPr>
+        </p:nvSpPr>
+        <p:spPr/>
+        <p:txBody>
+          <a:bodyPr/>
+          <a:lstStyle/>
+          <a:p>
+            <a:fld id="{283EC0F3-E0E5-4E76-8F2F-D13EE8C9EA8B}" type="slidenum">
+              <a:rPr lang="it-IT" smtClean="0"/>
+              <a:t>10</a:t>
+            </a:fld>
+            <a:endParaRPr lang="it-IT"/>
+          </a:p>
+        </p:txBody>
+      </p:sp>
+    </p:spTree>
+    <p:extLst>
+      <p:ext uri="{BB962C8B-B14F-4D97-AF65-F5344CB8AC3E}">
+        <p14:creationId xmlns:p14="http://schemas.microsoft.com/office/powerpoint/2010/main" val="1964321327"/>
+      </p:ext>
+    </p:extLst>
+  </p:cSld>
+  <p:clrMapOvr>
+    <a:masterClrMapping/>
+  </p:clrMapOvr>
+</p:notes>
+</file>
+
+<file path=ppt/notesSlides/notesSlide7.xml><?xml version="1.0" encoding="utf-8"?>
+<p:notes xmlns:a="http://schemas.openxmlformats.org/drawingml/2006/main" xmlns:r="http://schemas.openxmlformats.org/officeDocument/2006/relationships" xmlns:p="http://schemas.openxmlformats.org/presentationml/2006/main">
+  <p:cSld>
+    <p:spTree>
+      <p:nvGrpSpPr>
+        <p:cNvPr id="1" name=""/>
+        <p:cNvGrpSpPr/>
+        <p:nvPr/>
+      </p:nvGrpSpPr>
+      <p:grpSpPr>
+        <a:xfrm>
+          <a:off x="0" y="0"/>
+          <a:ext cx="0" cy="0"/>
+          <a:chOff x="0" y="0"/>
+          <a:chExt cx="0" cy="0"/>
+        </a:xfrm>
+      </p:grpSpPr>
+      <p:sp>
+        <p:nvSpPr>
+          <p:cNvPr id="2" name="Segnaposto immagine diapositiva 1"/>
+          <p:cNvSpPr>
+            <a:spLocks noGrp="1" noRot="1" noChangeAspect="1"/>
+          </p:cNvSpPr>
+          <p:nvPr>
+            <p:ph type="sldImg"/>
+          </p:nvPr>
+        </p:nvSpPr>
+        <p:spPr/>
+      </p:sp>
+      <p:sp>
+        <p:nvSpPr>
+          <p:cNvPr id="3" name="Segnaposto note 2"/>
+          <p:cNvSpPr>
+            <a:spLocks noGrp="1"/>
+          </p:cNvSpPr>
+          <p:nvPr>
+            <p:ph type="body" idx="1"/>
+          </p:nvPr>
+        </p:nvSpPr>
+        <p:spPr/>
+        <p:txBody>
+          <a:bodyPr/>
+          <a:lstStyle/>
+          <a:p>
+            <a:endParaRPr lang="it-IT" dirty="0"/>
+          </a:p>
+        </p:txBody>
+      </p:sp>
+      <p:sp>
+        <p:nvSpPr>
+          <p:cNvPr id="4" name="Segnaposto numero diapositiva 3"/>
+          <p:cNvSpPr>
+            <a:spLocks noGrp="1"/>
+          </p:cNvSpPr>
+          <p:nvPr>
+            <p:ph type="sldNum" sz="quarter" idx="5"/>
+          </p:nvPr>
+        </p:nvSpPr>
+        <p:spPr/>
+        <p:txBody>
+          <a:bodyPr/>
+          <a:lstStyle/>
+          <a:p>
+            <a:fld id="{283EC0F3-E0E5-4E76-8F2F-D13EE8C9EA8B}" type="slidenum">
+              <a:rPr lang="it-IT" smtClean="0"/>
+              <a:t>11</a:t>
+            </a:fld>
+            <a:endParaRPr lang="it-IT"/>
+          </a:p>
+        </p:txBody>
+      </p:sp>
+    </p:spTree>
+    <p:extLst>
+      <p:ext uri="{BB962C8B-B14F-4D97-AF65-F5344CB8AC3E}">
+        <p14:creationId xmlns:p14="http://schemas.microsoft.com/office/powerpoint/2010/main" val="1924907961"/>
+      </p:ext>
+    </p:extLst>
+  </p:cSld>
+  <p:clrMapOvr>
+    <a:masterClrMapping/>
+  </p:clrMapOvr>
+</p:notes>
+</file>
+
+<file path=ppt/notesSlides/notesSlide8.xml><?xml version="1.0" encoding="utf-8"?>
+<p:notes xmlns:a="http://schemas.openxmlformats.org/drawingml/2006/main" xmlns:r="http://schemas.openxmlformats.org/officeDocument/2006/relationships" xmlns:p="http://schemas.openxmlformats.org/presentationml/2006/main">
+  <p:cSld>
+    <p:spTree>
+      <p:nvGrpSpPr>
+        <p:cNvPr id="1" name=""/>
+        <p:cNvGrpSpPr/>
+        <p:nvPr/>
+      </p:nvGrpSpPr>
+      <p:grpSpPr>
+        <a:xfrm>
+          <a:off x="0" y="0"/>
+          <a:ext cx="0" cy="0"/>
+          <a:chOff x="0" y="0"/>
+          <a:chExt cx="0" cy="0"/>
+        </a:xfrm>
+      </p:grpSpPr>
+      <p:sp>
+        <p:nvSpPr>
+          <p:cNvPr id="2" name="Segnaposto immagine diapositiva 1"/>
+          <p:cNvSpPr>
+            <a:spLocks noGrp="1" noRot="1" noChangeAspect="1"/>
+          </p:cNvSpPr>
+          <p:nvPr>
+            <p:ph type="sldImg"/>
+          </p:nvPr>
+        </p:nvSpPr>
+        <p:spPr/>
+      </p:sp>
+      <p:sp>
+        <p:nvSpPr>
+          <p:cNvPr id="3" name="Segnaposto note 2"/>
+          <p:cNvSpPr>
+            <a:spLocks noGrp="1"/>
+          </p:cNvSpPr>
+          <p:nvPr>
+            <p:ph type="body" idx="1"/>
+          </p:nvPr>
+        </p:nvSpPr>
+        <p:spPr/>
+        <p:txBody>
+          <a:bodyPr/>
+          <a:lstStyle/>
+          <a:p>
+            <a:endParaRPr lang="it-IT" dirty="0"/>
+          </a:p>
+        </p:txBody>
+      </p:sp>
+      <p:sp>
+        <p:nvSpPr>
+          <p:cNvPr id="4" name="Segnaposto numero diapositiva 3"/>
+          <p:cNvSpPr>
+            <a:spLocks noGrp="1"/>
+          </p:cNvSpPr>
+          <p:nvPr>
+            <p:ph type="sldNum" sz="quarter" idx="5"/>
+          </p:nvPr>
+        </p:nvSpPr>
+        <p:spPr/>
+        <p:txBody>
+          <a:bodyPr/>
+          <a:lstStyle/>
+          <a:p>
+            <a:fld id="{283EC0F3-E0E5-4E76-8F2F-D13EE8C9EA8B}" type="slidenum">
+              <a:rPr lang="it-IT" smtClean="0"/>
+              <a:t>12</a:t>
+            </a:fld>
+            <a:endParaRPr lang="it-IT"/>
+          </a:p>
+        </p:txBody>
+      </p:sp>
+    </p:spTree>
+    <p:extLst>
+      <p:ext uri="{BB962C8B-B14F-4D97-AF65-F5344CB8AC3E}">
+        <p14:creationId xmlns:p14="http://schemas.microsoft.com/office/powerpoint/2010/main" val="4171785467"/>
       </p:ext>
     </p:extLst>
   </p:cSld>
@@ -852,9 +1397,9 @@
           <a:bodyPr/>
           <a:lstStyle/>
           <a:p>
-            <a:fld id="{B59BCE1B-08DA-44EC-BB96-60F14E769FF5}" type="datetimeFigureOut">
+            <a:fld id="{E4ED1020-5160-4F99-8E2C-DF878B0E0515}" type="datetime1">
               <a:rPr lang="it-IT" smtClean="0"/>
-              <a:t>15/04/2022</a:t>
+              <a:t>23/04/2022</a:t>
             </a:fld>
             <a:endParaRPr lang="it-IT"/>
           </a:p>
@@ -1050,9 +1595,9 @@
           <a:bodyPr/>
           <a:lstStyle/>
           <a:p>
-            <a:fld id="{B59BCE1B-08DA-44EC-BB96-60F14E769FF5}" type="datetimeFigureOut">
+            <a:fld id="{12953D67-C9F6-4542-B611-88F080127D23}" type="datetime1">
               <a:rPr lang="it-IT" smtClean="0"/>
-              <a:t>15/04/2022</a:t>
+              <a:t>23/04/2022</a:t>
             </a:fld>
             <a:endParaRPr lang="it-IT"/>
           </a:p>
@@ -1258,9 +1803,9 @@
           <a:bodyPr/>
           <a:lstStyle/>
           <a:p>
-            <a:fld id="{B59BCE1B-08DA-44EC-BB96-60F14E769FF5}" type="datetimeFigureOut">
+            <a:fld id="{ACFDD527-EC96-4504-B55F-C87870B62B1D}" type="datetime1">
               <a:rPr lang="it-IT" smtClean="0"/>
-              <a:t>15/04/2022</a:t>
+              <a:t>23/04/2022</a:t>
             </a:fld>
             <a:endParaRPr lang="it-IT"/>
           </a:p>
@@ -1456,9 +2001,9 @@
           <a:bodyPr/>
           <a:lstStyle/>
           <a:p>
-            <a:fld id="{B59BCE1B-08DA-44EC-BB96-60F14E769FF5}" type="datetimeFigureOut">
+            <a:fld id="{A1605A87-12EC-413B-9573-AAA3362B56D5}" type="datetime1">
               <a:rPr lang="it-IT" smtClean="0"/>
-              <a:t>15/04/2022</a:t>
+              <a:t>23/04/2022</a:t>
             </a:fld>
             <a:endParaRPr lang="it-IT"/>
           </a:p>
@@ -1731,9 +2276,9 @@
           <a:bodyPr/>
           <a:lstStyle/>
           <a:p>
-            <a:fld id="{B59BCE1B-08DA-44EC-BB96-60F14E769FF5}" type="datetimeFigureOut">
+            <a:fld id="{31D3C737-9829-40EB-9D7A-9A015EE4A629}" type="datetime1">
               <a:rPr lang="it-IT" smtClean="0"/>
-              <a:t>15/04/2022</a:t>
+              <a:t>23/04/2022</a:t>
             </a:fld>
             <a:endParaRPr lang="it-IT"/>
           </a:p>
@@ -1996,9 +2541,9 @@
           <a:bodyPr/>
           <a:lstStyle/>
           <a:p>
-            <a:fld id="{B59BCE1B-08DA-44EC-BB96-60F14E769FF5}" type="datetimeFigureOut">
+            <a:fld id="{E45CF0F3-A25C-4318-ABAF-A9DD2F4EDF9D}" type="datetime1">
               <a:rPr lang="it-IT" smtClean="0"/>
-              <a:t>15/04/2022</a:t>
+              <a:t>23/04/2022</a:t>
             </a:fld>
             <a:endParaRPr lang="it-IT"/>
           </a:p>
@@ -2408,9 +2953,9 @@
           <a:bodyPr/>
           <a:lstStyle/>
           <a:p>
-            <a:fld id="{B59BCE1B-08DA-44EC-BB96-60F14E769FF5}" type="datetimeFigureOut">
+            <a:fld id="{A42CB436-C4DE-482E-953D-B0E1B5520DBD}" type="datetime1">
               <a:rPr lang="it-IT" smtClean="0"/>
-              <a:t>15/04/2022</a:t>
+              <a:t>23/04/2022</a:t>
             </a:fld>
             <a:endParaRPr lang="it-IT"/>
           </a:p>
@@ -2549,9 +3094,9 @@
           <a:bodyPr/>
           <a:lstStyle/>
           <a:p>
-            <a:fld id="{B59BCE1B-08DA-44EC-BB96-60F14E769FF5}" type="datetimeFigureOut">
+            <a:fld id="{66717E81-9389-4047-8AC9-EEAA90D46F6E}" type="datetime1">
               <a:rPr lang="it-IT" smtClean="0"/>
-              <a:t>15/04/2022</a:t>
+              <a:t>23/04/2022</a:t>
             </a:fld>
             <a:endParaRPr lang="it-IT"/>
           </a:p>
@@ -2662,9 +3207,9 @@
           <a:bodyPr/>
           <a:lstStyle/>
           <a:p>
-            <a:fld id="{B59BCE1B-08DA-44EC-BB96-60F14E769FF5}" type="datetimeFigureOut">
+            <a:fld id="{AA7729BA-0917-4498-9183-526E18C0AE17}" type="datetime1">
               <a:rPr lang="it-IT" smtClean="0"/>
-              <a:t>15/04/2022</a:t>
+              <a:t>23/04/2022</a:t>
             </a:fld>
             <a:endParaRPr lang="it-IT"/>
           </a:p>
@@ -2973,9 +3518,9 @@
           <a:bodyPr/>
           <a:lstStyle/>
           <a:p>
-            <a:fld id="{B59BCE1B-08DA-44EC-BB96-60F14E769FF5}" type="datetimeFigureOut">
+            <a:fld id="{2F97E547-E407-45D4-B8F1-8BC00C4A2E0C}" type="datetime1">
               <a:rPr lang="it-IT" smtClean="0"/>
-              <a:t>15/04/2022</a:t>
+              <a:t>23/04/2022</a:t>
             </a:fld>
             <a:endParaRPr lang="it-IT"/>
           </a:p>
@@ -3261,9 +3806,9 @@
           <a:bodyPr/>
           <a:lstStyle/>
           <a:p>
-            <a:fld id="{B59BCE1B-08DA-44EC-BB96-60F14E769FF5}" type="datetimeFigureOut">
+            <a:fld id="{7C68FF8C-210D-4875-AFC7-5C5C3E3AD32C}" type="datetime1">
               <a:rPr lang="it-IT" smtClean="0"/>
-              <a:t>15/04/2022</a:t>
+              <a:t>23/04/2022</a:t>
             </a:fld>
             <a:endParaRPr lang="it-IT"/>
           </a:p>
@@ -3502,9 +4047,9 @@
             </a:lvl1pPr>
           </a:lstStyle>
           <a:p>
-            <a:fld id="{B59BCE1B-08DA-44EC-BB96-60F14E769FF5}" type="datetimeFigureOut">
+            <a:fld id="{C524A30E-DDDF-4E0F-92AA-45A43B5D0BAC}" type="datetime1">
               <a:rPr lang="it-IT" smtClean="0"/>
-              <a:t>15/04/2022</a:t>
+              <a:t>23/04/2022</a:t>
             </a:fld>
             <a:endParaRPr lang="it-IT"/>
           </a:p>
@@ -3621,6 +4166,7 @@
     <p:sldLayoutId id="2147483658" r:id="rId10"/>
     <p:sldLayoutId id="2147483659" r:id="rId11"/>
   </p:sldLayoutIdLst>
+  <p:hf hdr="0" ftr="0" dt="0"/>
   <p:txStyles>
     <p:titleStyle>
       <a:lvl1pPr algn="l" defTabSz="914400" rtl="0" eaLnBrk="1" latinLnBrk="0" hangingPunct="1">
@@ -4018,10 +4564,2827 @@
           </a:p>
         </p:txBody>
       </p:sp>
+      <p:sp>
+        <p:nvSpPr>
+          <p:cNvPr id="4" name="Segnaposto numero diapositiva 3">
+            <a:extLst>
+              <a:ext uri="{FF2B5EF4-FFF2-40B4-BE49-F238E27FC236}">
+                <a16:creationId xmlns:a16="http://schemas.microsoft.com/office/drawing/2014/main" id="{E38C65C3-C17A-456F-8381-6A92572FF477}"/>
+              </a:ext>
+            </a:extLst>
+          </p:cNvPr>
+          <p:cNvSpPr>
+            <a:spLocks noGrp="1"/>
+          </p:cNvSpPr>
+          <p:nvPr>
+            <p:ph type="sldNum" sz="quarter" idx="12"/>
+          </p:nvPr>
+        </p:nvSpPr>
+        <p:spPr/>
+        <p:txBody>
+          <a:bodyPr/>
+          <a:lstStyle/>
+          <a:p>
+            <a:fld id="{20167E32-692D-406A-B56C-4D271B4CF259}" type="slidenum">
+              <a:rPr lang="it-IT" smtClean="0"/>
+              <a:t>1</a:t>
+            </a:fld>
+            <a:endParaRPr lang="it-IT"/>
+          </a:p>
+        </p:txBody>
+      </p:sp>
     </p:spTree>
     <p:extLst>
       <p:ext uri="{BB962C8B-B14F-4D97-AF65-F5344CB8AC3E}">
         <p14:creationId xmlns:p14="http://schemas.microsoft.com/office/powerpoint/2010/main" val="1297160821"/>
+      </p:ext>
+    </p:extLst>
+  </p:cSld>
+  <p:clrMapOvr>
+    <a:masterClrMapping/>
+  </p:clrMapOvr>
+</p:sld>
+</file>
+
+<file path=ppt/slides/slide10.xml><?xml version="1.0" encoding="utf-8"?>
+<p:sld xmlns:a="http://schemas.openxmlformats.org/drawingml/2006/main" xmlns:r="http://schemas.openxmlformats.org/officeDocument/2006/relationships" xmlns:p="http://schemas.openxmlformats.org/presentationml/2006/main">
+  <p:cSld>
+    <p:spTree>
+      <p:nvGrpSpPr>
+        <p:cNvPr id="1" name=""/>
+        <p:cNvGrpSpPr/>
+        <p:nvPr/>
+      </p:nvGrpSpPr>
+      <p:grpSpPr>
+        <a:xfrm>
+          <a:off x="0" y="0"/>
+          <a:ext cx="0" cy="0"/>
+          <a:chOff x="0" y="0"/>
+          <a:chExt cx="0" cy="0"/>
+        </a:xfrm>
+      </p:grpSpPr>
+      <p:sp>
+        <p:nvSpPr>
+          <p:cNvPr id="2" name="Titolo 1">
+            <a:extLst>
+              <a:ext uri="{FF2B5EF4-FFF2-40B4-BE49-F238E27FC236}">
+                <a16:creationId xmlns:a16="http://schemas.microsoft.com/office/drawing/2014/main" id="{2B61D207-AF3E-4A9A-8C13-DC6A244EE70E}"/>
+              </a:ext>
+            </a:extLst>
+          </p:cNvPr>
+          <p:cNvSpPr>
+            <a:spLocks noGrp="1"/>
+          </p:cNvSpPr>
+          <p:nvPr>
+            <p:ph type="title"/>
+          </p:nvPr>
+        </p:nvSpPr>
+        <p:spPr>
+          <a:xfrm>
+            <a:off x="838200" y="337442"/>
+            <a:ext cx="10515600" cy="1325563"/>
+          </a:xfrm>
+        </p:spPr>
+        <p:txBody>
+          <a:bodyPr/>
+          <a:lstStyle/>
+          <a:p>
+            <a:r>
+              <a:rPr lang="it-IT" dirty="0"/>
+              <a:t>Multi-</a:t>
+            </a:r>
+            <a:r>
+              <a:rPr lang="it-IT" dirty="0" err="1"/>
+              <a:t>Graph</a:t>
+            </a:r>
+            <a:endParaRPr lang="it-IT" dirty="0"/>
+          </a:p>
+        </p:txBody>
+      </p:sp>
+      <p:sp>
+        <p:nvSpPr>
+          <p:cNvPr id="4" name="Segnaposto numero diapositiva 3">
+            <a:extLst>
+              <a:ext uri="{FF2B5EF4-FFF2-40B4-BE49-F238E27FC236}">
+                <a16:creationId xmlns:a16="http://schemas.microsoft.com/office/drawing/2014/main" id="{B8E3E1DF-C397-4B7E-84E1-94B1BD1AE63E}"/>
+              </a:ext>
+            </a:extLst>
+          </p:cNvPr>
+          <p:cNvSpPr>
+            <a:spLocks noGrp="1"/>
+          </p:cNvSpPr>
+          <p:nvPr>
+            <p:ph type="sldNum" sz="quarter" idx="12"/>
+          </p:nvPr>
+        </p:nvSpPr>
+        <p:spPr/>
+        <p:txBody>
+          <a:bodyPr/>
+          <a:lstStyle/>
+          <a:p>
+            <a:fld id="{20167E32-692D-406A-B56C-4D271B4CF259}" type="slidenum">
+              <a:rPr lang="it-IT" smtClean="0"/>
+              <a:t>10</a:t>
+            </a:fld>
+            <a:endParaRPr lang="it-IT"/>
+          </a:p>
+        </p:txBody>
+      </p:sp>
+      <p:sp>
+        <p:nvSpPr>
+          <p:cNvPr id="3" name="Segnaposto contenuto 2">
+            <a:extLst>
+              <a:ext uri="{FF2B5EF4-FFF2-40B4-BE49-F238E27FC236}">
+                <a16:creationId xmlns:a16="http://schemas.microsoft.com/office/drawing/2014/main" id="{10F7524F-20D0-428A-8651-15BA27FC6E6E}"/>
+              </a:ext>
+            </a:extLst>
+          </p:cNvPr>
+          <p:cNvSpPr>
+            <a:spLocks noGrp="1"/>
+          </p:cNvSpPr>
+          <p:nvPr>
+            <p:ph idx="1"/>
+          </p:nvPr>
+        </p:nvSpPr>
+        <p:spPr>
+          <a:xfrm>
+            <a:off x="838200" y="1503681"/>
+            <a:ext cx="10515600" cy="2174240"/>
+          </a:xfrm>
+        </p:spPr>
+        <p:txBody>
+          <a:bodyPr>
+            <a:normAutofit/>
+          </a:bodyPr>
+          <a:lstStyle/>
+          <a:p>
+            <a:pPr marL="0" indent="0">
+              <a:buNone/>
+            </a:pPr>
+            <a:r>
+              <a:rPr lang="en-US" i="1" dirty="0"/>
+              <a:t>Mechanism</a:t>
+            </a:r>
+          </a:p>
+          <a:p>
+            <a:pPr marL="0" indent="0">
+              <a:buNone/>
+            </a:pPr>
+            <a:r>
+              <a:rPr lang="en-US" dirty="0"/>
+              <a:t>Given a graph-representation of pair-wise </a:t>
+            </a:r>
+            <a:r>
+              <a:rPr lang="en-US" dirty="0" err="1"/>
+              <a:t>homographies</a:t>
+            </a:r>
+            <a:r>
+              <a:rPr lang="en-US" dirty="0"/>
+              <a:t> with multiple edges, and a reference image (I</a:t>
+            </a:r>
+            <a:r>
+              <a:rPr lang="en-US" baseline="-5000" dirty="0"/>
+              <a:t>r</a:t>
+            </a:r>
+            <a:r>
+              <a:rPr lang="en-US" dirty="0"/>
+              <a:t>), the idea is to solve a multi-graph synchronization problem where the nodes of the graph are the states, and the edges are the pair-wise </a:t>
+            </a:r>
+            <a:r>
+              <a:rPr lang="en-US" dirty="0" err="1"/>
+              <a:t>homographies</a:t>
+            </a:r>
+            <a:r>
+              <a:rPr lang="en-US" dirty="0"/>
+              <a:t>.</a:t>
+            </a:r>
+          </a:p>
+          <a:p>
+            <a:pPr marL="0" indent="0">
+              <a:buNone/>
+            </a:pPr>
+            <a:endParaRPr lang="en-US" baseline="-5000" dirty="0"/>
+          </a:p>
+        </p:txBody>
+      </p:sp>
+      <p:sp>
+        <p:nvSpPr>
+          <p:cNvPr id="5" name="CasellaDiTesto 4">
+            <a:extLst>
+              <a:ext uri="{FF2B5EF4-FFF2-40B4-BE49-F238E27FC236}">
+                <a16:creationId xmlns:a16="http://schemas.microsoft.com/office/drawing/2014/main" id="{88D13CA7-A650-4FBE-AE8B-5C81EAA04606}"/>
+              </a:ext>
+            </a:extLst>
+          </p:cNvPr>
+          <p:cNvSpPr txBox="1"/>
+          <p:nvPr/>
+        </p:nvSpPr>
+        <p:spPr>
+          <a:xfrm>
+            <a:off x="838200" y="3810000"/>
+            <a:ext cx="5257800" cy="2092881"/>
+          </a:xfrm>
+          <a:prstGeom prst="rect">
+            <a:avLst/>
+          </a:prstGeom>
+          <a:noFill/>
+        </p:spPr>
+        <p:txBody>
+          <a:bodyPr wrap="square" rtlCol="0">
+            <a:spAutoFit/>
+          </a:bodyPr>
+          <a:lstStyle/>
+          <a:p>
+            <a:r>
+              <a:rPr lang="en-US" sz="2800" i="1" dirty="0"/>
+              <a:t>Pro</a:t>
+            </a:r>
+          </a:p>
+          <a:p>
+            <a:pPr marL="457200" indent="-457200">
+              <a:buFont typeface="Arial" panose="020B0604020202020204" pitchFamily="34" charset="0"/>
+              <a:buChar char="•"/>
+            </a:pPr>
+            <a:r>
+              <a:rPr lang="en-US" sz="2800" i="1" dirty="0"/>
+              <a:t>Same as Simple-Graph</a:t>
+            </a:r>
+          </a:p>
+          <a:p>
+            <a:pPr marL="457200" indent="-457200">
+              <a:buFont typeface="Arial" panose="020B0604020202020204" pitchFamily="34" charset="0"/>
+              <a:buChar char="•"/>
+            </a:pPr>
+            <a:r>
+              <a:rPr lang="en-US" sz="2800" i="1" dirty="0"/>
+              <a:t>The more the multi-edges the better it works</a:t>
+            </a:r>
+          </a:p>
+          <a:p>
+            <a:endParaRPr lang="it-IT" dirty="0"/>
+          </a:p>
+        </p:txBody>
+      </p:sp>
+      <p:sp>
+        <p:nvSpPr>
+          <p:cNvPr id="6" name="CasellaDiTesto 5">
+            <a:extLst>
+              <a:ext uri="{FF2B5EF4-FFF2-40B4-BE49-F238E27FC236}">
+                <a16:creationId xmlns:a16="http://schemas.microsoft.com/office/drawing/2014/main" id="{FBD19D6B-60A3-40E4-8CFA-815143642D41}"/>
+              </a:ext>
+            </a:extLst>
+          </p:cNvPr>
+          <p:cNvSpPr txBox="1"/>
+          <p:nvPr/>
+        </p:nvSpPr>
+        <p:spPr>
+          <a:xfrm>
+            <a:off x="6096000" y="3810000"/>
+            <a:ext cx="5257800" cy="1815882"/>
+          </a:xfrm>
+          <a:prstGeom prst="rect">
+            <a:avLst/>
+          </a:prstGeom>
+          <a:noFill/>
+        </p:spPr>
+        <p:txBody>
+          <a:bodyPr wrap="square" rtlCol="0">
+            <a:spAutoFit/>
+          </a:bodyPr>
+          <a:lstStyle/>
+          <a:p>
+            <a:r>
+              <a:rPr lang="en-US" sz="2800" i="1" dirty="0"/>
+              <a:t>Cons</a:t>
+            </a:r>
+          </a:p>
+          <a:p>
+            <a:pPr marL="457200" indent="-457200">
+              <a:buFont typeface="Arial" panose="020B0604020202020204" pitchFamily="34" charset="0"/>
+              <a:buChar char="•"/>
+            </a:pPr>
+            <a:r>
+              <a:rPr lang="en-US" sz="2800" i="1" dirty="0"/>
+              <a:t>Synchronization over the expanded graph is computationally expensive</a:t>
+            </a:r>
+          </a:p>
+        </p:txBody>
+      </p:sp>
+    </p:spTree>
+    <p:extLst>
+      <p:ext uri="{BB962C8B-B14F-4D97-AF65-F5344CB8AC3E}">
+        <p14:creationId xmlns:p14="http://schemas.microsoft.com/office/powerpoint/2010/main" val="3255803227"/>
+      </p:ext>
+    </p:extLst>
+  </p:cSld>
+  <p:clrMapOvr>
+    <a:masterClrMapping/>
+  </p:clrMapOvr>
+</p:sld>
+</file>
+
+<file path=ppt/slides/slide11.xml><?xml version="1.0" encoding="utf-8"?>
+<p:sld xmlns:a="http://schemas.openxmlformats.org/drawingml/2006/main" xmlns:r="http://schemas.openxmlformats.org/officeDocument/2006/relationships" xmlns:p="http://schemas.openxmlformats.org/presentationml/2006/main">
+  <p:cSld>
+    <p:spTree>
+      <p:nvGrpSpPr>
+        <p:cNvPr id="1" name=""/>
+        <p:cNvGrpSpPr/>
+        <p:nvPr/>
+      </p:nvGrpSpPr>
+      <p:grpSpPr>
+        <a:xfrm>
+          <a:off x="0" y="0"/>
+          <a:ext cx="0" cy="0"/>
+          <a:chOff x="0" y="0"/>
+          <a:chExt cx="0" cy="0"/>
+        </a:xfrm>
+      </p:grpSpPr>
+      <p:sp>
+        <p:nvSpPr>
+          <p:cNvPr id="2" name="Titolo 1">
+            <a:extLst>
+              <a:ext uri="{FF2B5EF4-FFF2-40B4-BE49-F238E27FC236}">
+                <a16:creationId xmlns:a16="http://schemas.microsoft.com/office/drawing/2014/main" id="{2B61D207-AF3E-4A9A-8C13-DC6A244EE70E}"/>
+              </a:ext>
+            </a:extLst>
+          </p:cNvPr>
+          <p:cNvSpPr>
+            <a:spLocks noGrp="1"/>
+          </p:cNvSpPr>
+          <p:nvPr>
+            <p:ph type="title"/>
+          </p:nvPr>
+        </p:nvSpPr>
+        <p:spPr>
+          <a:xfrm>
+            <a:off x="838200" y="337442"/>
+            <a:ext cx="10515600" cy="1325563"/>
+          </a:xfrm>
+        </p:spPr>
+        <p:txBody>
+          <a:bodyPr/>
+          <a:lstStyle/>
+          <a:p>
+            <a:r>
+              <a:rPr lang="it-IT" dirty="0"/>
+              <a:t>Multi-Patch</a:t>
+            </a:r>
+          </a:p>
+        </p:txBody>
+      </p:sp>
+      <p:sp>
+        <p:nvSpPr>
+          <p:cNvPr id="4" name="Segnaposto numero diapositiva 3">
+            <a:extLst>
+              <a:ext uri="{FF2B5EF4-FFF2-40B4-BE49-F238E27FC236}">
+                <a16:creationId xmlns:a16="http://schemas.microsoft.com/office/drawing/2014/main" id="{B8E3E1DF-C397-4B7E-84E1-94B1BD1AE63E}"/>
+              </a:ext>
+            </a:extLst>
+          </p:cNvPr>
+          <p:cNvSpPr>
+            <a:spLocks noGrp="1"/>
+          </p:cNvSpPr>
+          <p:nvPr>
+            <p:ph type="sldNum" sz="quarter" idx="12"/>
+          </p:nvPr>
+        </p:nvSpPr>
+        <p:spPr/>
+        <p:txBody>
+          <a:bodyPr/>
+          <a:lstStyle/>
+          <a:p>
+            <a:fld id="{20167E32-692D-406A-B56C-4D271B4CF259}" type="slidenum">
+              <a:rPr lang="it-IT" smtClean="0"/>
+              <a:t>11</a:t>
+            </a:fld>
+            <a:endParaRPr lang="it-IT"/>
+          </a:p>
+        </p:txBody>
+      </p:sp>
+      <p:sp>
+        <p:nvSpPr>
+          <p:cNvPr id="3" name="Segnaposto contenuto 2">
+            <a:extLst>
+              <a:ext uri="{FF2B5EF4-FFF2-40B4-BE49-F238E27FC236}">
+                <a16:creationId xmlns:a16="http://schemas.microsoft.com/office/drawing/2014/main" id="{10F7524F-20D0-428A-8651-15BA27FC6E6E}"/>
+              </a:ext>
+            </a:extLst>
+          </p:cNvPr>
+          <p:cNvSpPr>
+            <a:spLocks noGrp="1"/>
+          </p:cNvSpPr>
+          <p:nvPr>
+            <p:ph idx="1"/>
+          </p:nvPr>
+        </p:nvSpPr>
+        <p:spPr>
+          <a:xfrm>
+            <a:off x="838200" y="1503681"/>
+            <a:ext cx="10515600" cy="2174240"/>
+          </a:xfrm>
+        </p:spPr>
+        <p:txBody>
+          <a:bodyPr>
+            <a:normAutofit fontScale="92500" lnSpcReduction="20000"/>
+          </a:bodyPr>
+          <a:lstStyle/>
+          <a:p>
+            <a:pPr marL="0" indent="0">
+              <a:buNone/>
+            </a:pPr>
+            <a:r>
+              <a:rPr lang="en-US" i="1" dirty="0"/>
+              <a:t>Mechanism</a:t>
+            </a:r>
+          </a:p>
+          <a:p>
+            <a:pPr marL="0" indent="0">
+              <a:buNone/>
+            </a:pPr>
+            <a:r>
+              <a:rPr lang="en-US" dirty="0"/>
+              <a:t>Given a graph-representation of pair-wise </a:t>
+            </a:r>
+            <a:r>
+              <a:rPr lang="en-US" dirty="0" err="1"/>
+              <a:t>homographies</a:t>
+            </a:r>
+            <a:r>
+              <a:rPr lang="en-US" dirty="0"/>
+              <a:t>, and a reference image (I</a:t>
+            </a:r>
+            <a:r>
+              <a:rPr lang="en-US" baseline="-5000" dirty="0"/>
+              <a:t>r</a:t>
+            </a:r>
+            <a:r>
+              <a:rPr lang="en-US" dirty="0"/>
+              <a:t>), the idea is to solve a </a:t>
+            </a:r>
+            <a:r>
+              <a:rPr lang="en-US" dirty="0" err="1"/>
+              <a:t>partioned</a:t>
+            </a:r>
+            <a:r>
+              <a:rPr lang="en-US" dirty="0"/>
+              <a:t> synchronization problem. The graph is first partitioned in several clusters and simple-graph synchronization is applied in each cluster independently. Then, each cluster is condensed into a node to build a multi-edge graph (patch graph) where the edges are the inter-cluster </a:t>
+            </a:r>
+            <a:r>
+              <a:rPr lang="en-US" dirty="0" err="1"/>
+              <a:t>homographies</a:t>
+            </a:r>
+            <a:r>
+              <a:rPr lang="en-US" dirty="0"/>
+              <a:t>. Finally, multi-graph synchronization is applied.</a:t>
+            </a:r>
+          </a:p>
+          <a:p>
+            <a:pPr marL="0" indent="0">
+              <a:buNone/>
+            </a:pPr>
+            <a:endParaRPr lang="en-US" baseline="-5000" dirty="0"/>
+          </a:p>
+        </p:txBody>
+      </p:sp>
+      <p:sp>
+        <p:nvSpPr>
+          <p:cNvPr id="5" name="CasellaDiTesto 4">
+            <a:extLst>
+              <a:ext uri="{FF2B5EF4-FFF2-40B4-BE49-F238E27FC236}">
+                <a16:creationId xmlns:a16="http://schemas.microsoft.com/office/drawing/2014/main" id="{88D13CA7-A650-4FBE-AE8B-5C81EAA04606}"/>
+              </a:ext>
+            </a:extLst>
+          </p:cNvPr>
+          <p:cNvSpPr txBox="1"/>
+          <p:nvPr/>
+        </p:nvSpPr>
+        <p:spPr>
+          <a:xfrm>
+            <a:off x="838200" y="3810000"/>
+            <a:ext cx="5257800" cy="1661993"/>
+          </a:xfrm>
+          <a:prstGeom prst="rect">
+            <a:avLst/>
+          </a:prstGeom>
+          <a:noFill/>
+        </p:spPr>
+        <p:txBody>
+          <a:bodyPr wrap="square" rtlCol="0">
+            <a:spAutoFit/>
+          </a:bodyPr>
+          <a:lstStyle/>
+          <a:p>
+            <a:r>
+              <a:rPr lang="en-US" sz="2800" i="1" dirty="0"/>
+              <a:t>Pro</a:t>
+            </a:r>
+          </a:p>
+          <a:p>
+            <a:pPr marL="457200" indent="-457200">
+              <a:buFont typeface="Arial" panose="020B0604020202020204" pitchFamily="34" charset="0"/>
+              <a:buChar char="•"/>
+            </a:pPr>
+            <a:r>
+              <a:rPr lang="en-US" sz="2800" i="1" dirty="0"/>
+              <a:t>Reduce complexity with lots of images</a:t>
+            </a:r>
+          </a:p>
+          <a:p>
+            <a:endParaRPr lang="it-IT" dirty="0"/>
+          </a:p>
+        </p:txBody>
+      </p:sp>
+      <p:sp>
+        <p:nvSpPr>
+          <p:cNvPr id="6" name="CasellaDiTesto 5">
+            <a:extLst>
+              <a:ext uri="{FF2B5EF4-FFF2-40B4-BE49-F238E27FC236}">
+                <a16:creationId xmlns:a16="http://schemas.microsoft.com/office/drawing/2014/main" id="{FBD19D6B-60A3-40E4-8CFA-815143642D41}"/>
+              </a:ext>
+            </a:extLst>
+          </p:cNvPr>
+          <p:cNvSpPr txBox="1"/>
+          <p:nvPr/>
+        </p:nvSpPr>
+        <p:spPr>
+          <a:xfrm>
+            <a:off x="6096000" y="3810000"/>
+            <a:ext cx="5257800" cy="1815882"/>
+          </a:xfrm>
+          <a:prstGeom prst="rect">
+            <a:avLst/>
+          </a:prstGeom>
+          <a:noFill/>
+        </p:spPr>
+        <p:txBody>
+          <a:bodyPr wrap="square" rtlCol="0">
+            <a:spAutoFit/>
+          </a:bodyPr>
+          <a:lstStyle/>
+          <a:p>
+            <a:r>
+              <a:rPr lang="en-US" sz="2800" i="1" dirty="0"/>
+              <a:t>Cons</a:t>
+            </a:r>
+          </a:p>
+          <a:p>
+            <a:pPr marL="457200" indent="-457200">
+              <a:buFont typeface="Arial" panose="020B0604020202020204" pitchFamily="34" charset="0"/>
+              <a:buChar char="•"/>
+            </a:pPr>
+            <a:r>
+              <a:rPr lang="en-US" sz="2800" i="1" dirty="0"/>
+              <a:t>Projecting the inter-cluster </a:t>
+            </a:r>
+            <a:r>
+              <a:rPr lang="en-US" sz="2800" i="1" dirty="0" err="1"/>
+              <a:t>homographies</a:t>
+            </a:r>
+            <a:r>
+              <a:rPr lang="en-US" sz="2800" i="1" dirty="0"/>
+              <a:t> can introduces numerical errors</a:t>
+            </a:r>
+          </a:p>
+        </p:txBody>
+      </p:sp>
+    </p:spTree>
+    <p:extLst>
+      <p:ext uri="{BB962C8B-B14F-4D97-AF65-F5344CB8AC3E}">
+        <p14:creationId xmlns:p14="http://schemas.microsoft.com/office/powerpoint/2010/main" val="4074375424"/>
+      </p:ext>
+    </p:extLst>
+  </p:cSld>
+  <p:clrMapOvr>
+    <a:masterClrMapping/>
+  </p:clrMapOvr>
+</p:sld>
+</file>
+
+<file path=ppt/slides/slide12.xml><?xml version="1.0" encoding="utf-8"?>
+<p:sld xmlns:a="http://schemas.openxmlformats.org/drawingml/2006/main" xmlns:r="http://schemas.openxmlformats.org/officeDocument/2006/relationships" xmlns:p="http://schemas.openxmlformats.org/presentationml/2006/main">
+  <p:cSld>
+    <p:spTree>
+      <p:nvGrpSpPr>
+        <p:cNvPr id="1" name=""/>
+        <p:cNvGrpSpPr/>
+        <p:nvPr/>
+      </p:nvGrpSpPr>
+      <p:grpSpPr>
+        <a:xfrm>
+          <a:off x="0" y="0"/>
+          <a:ext cx="0" cy="0"/>
+          <a:chOff x="0" y="0"/>
+          <a:chExt cx="0" cy="0"/>
+        </a:xfrm>
+      </p:grpSpPr>
+      <p:sp>
+        <p:nvSpPr>
+          <p:cNvPr id="2" name="Titolo 1">
+            <a:extLst>
+              <a:ext uri="{FF2B5EF4-FFF2-40B4-BE49-F238E27FC236}">
+                <a16:creationId xmlns:a16="http://schemas.microsoft.com/office/drawing/2014/main" id="{2B61D207-AF3E-4A9A-8C13-DC6A244EE70E}"/>
+              </a:ext>
+            </a:extLst>
+          </p:cNvPr>
+          <p:cNvSpPr>
+            <a:spLocks noGrp="1"/>
+          </p:cNvSpPr>
+          <p:nvPr>
+            <p:ph type="title"/>
+          </p:nvPr>
+        </p:nvSpPr>
+        <p:spPr>
+          <a:xfrm>
+            <a:off x="838200" y="337442"/>
+            <a:ext cx="10515600" cy="1325563"/>
+          </a:xfrm>
+        </p:spPr>
+        <p:txBody>
+          <a:bodyPr/>
+          <a:lstStyle/>
+          <a:p>
+            <a:r>
+              <a:rPr lang="it-IT" dirty="0"/>
+              <a:t>Edge-</a:t>
+            </a:r>
+            <a:r>
+              <a:rPr lang="it-IT" dirty="0" err="1"/>
+              <a:t>Averaging</a:t>
+            </a:r>
+            <a:r>
+              <a:rPr lang="it-IT" dirty="0"/>
+              <a:t> Patch</a:t>
+            </a:r>
+          </a:p>
+        </p:txBody>
+      </p:sp>
+      <p:sp>
+        <p:nvSpPr>
+          <p:cNvPr id="4" name="Segnaposto numero diapositiva 3">
+            <a:extLst>
+              <a:ext uri="{FF2B5EF4-FFF2-40B4-BE49-F238E27FC236}">
+                <a16:creationId xmlns:a16="http://schemas.microsoft.com/office/drawing/2014/main" id="{B8E3E1DF-C397-4B7E-84E1-94B1BD1AE63E}"/>
+              </a:ext>
+            </a:extLst>
+          </p:cNvPr>
+          <p:cNvSpPr>
+            <a:spLocks noGrp="1"/>
+          </p:cNvSpPr>
+          <p:nvPr>
+            <p:ph type="sldNum" sz="quarter" idx="12"/>
+          </p:nvPr>
+        </p:nvSpPr>
+        <p:spPr/>
+        <p:txBody>
+          <a:bodyPr/>
+          <a:lstStyle/>
+          <a:p>
+            <a:fld id="{20167E32-692D-406A-B56C-4D271B4CF259}" type="slidenum">
+              <a:rPr lang="it-IT" smtClean="0"/>
+              <a:t>12</a:t>
+            </a:fld>
+            <a:endParaRPr lang="it-IT"/>
+          </a:p>
+        </p:txBody>
+      </p:sp>
+      <p:sp>
+        <p:nvSpPr>
+          <p:cNvPr id="3" name="Segnaposto contenuto 2">
+            <a:extLst>
+              <a:ext uri="{FF2B5EF4-FFF2-40B4-BE49-F238E27FC236}">
+                <a16:creationId xmlns:a16="http://schemas.microsoft.com/office/drawing/2014/main" id="{10F7524F-20D0-428A-8651-15BA27FC6E6E}"/>
+              </a:ext>
+            </a:extLst>
+          </p:cNvPr>
+          <p:cNvSpPr>
+            <a:spLocks noGrp="1"/>
+          </p:cNvSpPr>
+          <p:nvPr>
+            <p:ph idx="1"/>
+          </p:nvPr>
+        </p:nvSpPr>
+        <p:spPr>
+          <a:xfrm>
+            <a:off x="838200" y="1503681"/>
+            <a:ext cx="10515600" cy="2174240"/>
+          </a:xfrm>
+        </p:spPr>
+        <p:txBody>
+          <a:bodyPr>
+            <a:normAutofit/>
+          </a:bodyPr>
+          <a:lstStyle/>
+          <a:p>
+            <a:pPr marL="0" indent="0">
+              <a:buNone/>
+            </a:pPr>
+            <a:r>
+              <a:rPr lang="en-US" i="1" dirty="0"/>
+              <a:t>Mechanism</a:t>
+            </a:r>
+          </a:p>
+          <a:p>
+            <a:pPr marL="0" indent="0">
+              <a:buNone/>
+            </a:pPr>
+            <a:r>
+              <a:rPr lang="en-US" dirty="0"/>
+              <a:t>Given a graph-representation of pair-wise </a:t>
+            </a:r>
+            <a:r>
+              <a:rPr lang="en-US" dirty="0" err="1"/>
+              <a:t>homographies</a:t>
+            </a:r>
+            <a:r>
+              <a:rPr lang="en-US" dirty="0"/>
+              <a:t>, and a reference image (I</a:t>
+            </a:r>
+            <a:r>
+              <a:rPr lang="en-US" baseline="-5000" dirty="0"/>
+              <a:t>r</a:t>
+            </a:r>
+            <a:r>
+              <a:rPr lang="en-US" dirty="0"/>
+              <a:t>), the idea is the same as Multi-Patch synchronization with the only difference that edge-averaging is applied instead of multi-graph synchronization on the patch graph.</a:t>
+            </a:r>
+          </a:p>
+          <a:p>
+            <a:pPr marL="0" indent="0">
+              <a:buNone/>
+            </a:pPr>
+            <a:endParaRPr lang="en-US" baseline="-5000" dirty="0"/>
+          </a:p>
+        </p:txBody>
+      </p:sp>
+      <p:sp>
+        <p:nvSpPr>
+          <p:cNvPr id="5" name="CasellaDiTesto 4">
+            <a:extLst>
+              <a:ext uri="{FF2B5EF4-FFF2-40B4-BE49-F238E27FC236}">
+                <a16:creationId xmlns:a16="http://schemas.microsoft.com/office/drawing/2014/main" id="{88D13CA7-A650-4FBE-AE8B-5C81EAA04606}"/>
+              </a:ext>
+            </a:extLst>
+          </p:cNvPr>
+          <p:cNvSpPr txBox="1"/>
+          <p:nvPr/>
+        </p:nvSpPr>
+        <p:spPr>
+          <a:xfrm>
+            <a:off x="838200" y="3810000"/>
+            <a:ext cx="5257800" cy="1231106"/>
+          </a:xfrm>
+          <a:prstGeom prst="rect">
+            <a:avLst/>
+          </a:prstGeom>
+          <a:noFill/>
+        </p:spPr>
+        <p:txBody>
+          <a:bodyPr wrap="square" rtlCol="0">
+            <a:spAutoFit/>
+          </a:bodyPr>
+          <a:lstStyle/>
+          <a:p>
+            <a:r>
+              <a:rPr lang="en-US" sz="2800" i="1" dirty="0"/>
+              <a:t>Pro</a:t>
+            </a:r>
+          </a:p>
+          <a:p>
+            <a:pPr marL="457200" indent="-457200">
+              <a:buFont typeface="Arial" panose="020B0604020202020204" pitchFamily="34" charset="0"/>
+              <a:buChar char="•"/>
+            </a:pPr>
+            <a:r>
+              <a:rPr lang="en-US" sz="2800" i="1" dirty="0"/>
+              <a:t>Same as Multi-Patch</a:t>
+            </a:r>
+          </a:p>
+          <a:p>
+            <a:endParaRPr lang="it-IT" dirty="0"/>
+          </a:p>
+        </p:txBody>
+      </p:sp>
+      <p:sp>
+        <p:nvSpPr>
+          <p:cNvPr id="6" name="CasellaDiTesto 5">
+            <a:extLst>
+              <a:ext uri="{FF2B5EF4-FFF2-40B4-BE49-F238E27FC236}">
+                <a16:creationId xmlns:a16="http://schemas.microsoft.com/office/drawing/2014/main" id="{FBD19D6B-60A3-40E4-8CFA-815143642D41}"/>
+              </a:ext>
+            </a:extLst>
+          </p:cNvPr>
+          <p:cNvSpPr txBox="1"/>
+          <p:nvPr/>
+        </p:nvSpPr>
+        <p:spPr>
+          <a:xfrm>
+            <a:off x="6096000" y="3810000"/>
+            <a:ext cx="5257800" cy="1384995"/>
+          </a:xfrm>
+          <a:prstGeom prst="rect">
+            <a:avLst/>
+          </a:prstGeom>
+          <a:noFill/>
+        </p:spPr>
+        <p:txBody>
+          <a:bodyPr wrap="square" rtlCol="0">
+            <a:spAutoFit/>
+          </a:bodyPr>
+          <a:lstStyle/>
+          <a:p>
+            <a:r>
+              <a:rPr lang="en-US" sz="2800" i="1" dirty="0"/>
+              <a:t>Cons</a:t>
+            </a:r>
+          </a:p>
+          <a:p>
+            <a:pPr marL="457200" indent="-457200">
+              <a:buFont typeface="Arial" panose="020B0604020202020204" pitchFamily="34" charset="0"/>
+              <a:buChar char="•"/>
+            </a:pPr>
+            <a:r>
+              <a:rPr lang="en-US" sz="2800" i="1" dirty="0"/>
+              <a:t>Same as Multi-Patch</a:t>
+            </a:r>
+          </a:p>
+          <a:p>
+            <a:pPr marL="457200" indent="-457200">
+              <a:buFont typeface="Arial" panose="020B0604020202020204" pitchFamily="34" charset="0"/>
+              <a:buChar char="•"/>
+            </a:pPr>
+            <a:r>
+              <a:rPr lang="en-US" sz="2800" i="1" dirty="0"/>
+              <a:t>No theoretical guarantees</a:t>
+            </a:r>
+          </a:p>
+        </p:txBody>
+      </p:sp>
+    </p:spTree>
+    <p:extLst>
+      <p:ext uri="{BB962C8B-B14F-4D97-AF65-F5344CB8AC3E}">
+        <p14:creationId xmlns:p14="http://schemas.microsoft.com/office/powerpoint/2010/main" val="4286053850"/>
+      </p:ext>
+    </p:extLst>
+  </p:cSld>
+  <p:clrMapOvr>
+    <a:masterClrMapping/>
+  </p:clrMapOvr>
+</p:sld>
+</file>
+
+<file path=ppt/slides/slide13.xml><?xml version="1.0" encoding="utf-8"?>
+<p:sld xmlns:a="http://schemas.openxmlformats.org/drawingml/2006/main" xmlns:r="http://schemas.openxmlformats.org/officeDocument/2006/relationships" xmlns:p="http://schemas.openxmlformats.org/presentationml/2006/main">
+  <p:cSld>
+    <p:spTree>
+      <p:nvGrpSpPr>
+        <p:cNvPr id="1" name=""/>
+        <p:cNvGrpSpPr/>
+        <p:nvPr/>
+      </p:nvGrpSpPr>
+      <p:grpSpPr>
+        <a:xfrm>
+          <a:off x="0" y="0"/>
+          <a:ext cx="0" cy="0"/>
+          <a:chOff x="0" y="0"/>
+          <a:chExt cx="0" cy="0"/>
+        </a:xfrm>
+      </p:grpSpPr>
+      <p:sp>
+        <p:nvSpPr>
+          <p:cNvPr id="2" name="Titolo 1">
+            <a:extLst>
+              <a:ext uri="{FF2B5EF4-FFF2-40B4-BE49-F238E27FC236}">
+                <a16:creationId xmlns:a16="http://schemas.microsoft.com/office/drawing/2014/main" id="{0378EA2C-3AB5-4282-B7AF-63B472AE9FFA}"/>
+              </a:ext>
+            </a:extLst>
+          </p:cNvPr>
+          <p:cNvSpPr>
+            <a:spLocks noGrp="1"/>
+          </p:cNvSpPr>
+          <p:nvPr>
+            <p:ph type="title"/>
+          </p:nvPr>
+        </p:nvSpPr>
+        <p:spPr/>
+        <p:txBody>
+          <a:bodyPr/>
+          <a:lstStyle/>
+          <a:p>
+            <a:r>
+              <a:rPr lang="it-IT" dirty="0" err="1"/>
+              <a:t>Composing</a:t>
+            </a:r>
+            <a:endParaRPr lang="it-IT" dirty="0"/>
+          </a:p>
+        </p:txBody>
+      </p:sp>
+      <p:sp>
+        <p:nvSpPr>
+          <p:cNvPr id="3" name="Segnaposto contenuto 2">
+            <a:extLst>
+              <a:ext uri="{FF2B5EF4-FFF2-40B4-BE49-F238E27FC236}">
+                <a16:creationId xmlns:a16="http://schemas.microsoft.com/office/drawing/2014/main" id="{2B773A5B-3088-4206-AF04-2A227691B4EA}"/>
+              </a:ext>
+            </a:extLst>
+          </p:cNvPr>
+          <p:cNvSpPr>
+            <a:spLocks noGrp="1"/>
+          </p:cNvSpPr>
+          <p:nvPr>
+            <p:ph idx="1"/>
+          </p:nvPr>
+        </p:nvSpPr>
+        <p:spPr/>
+        <p:txBody>
+          <a:bodyPr/>
+          <a:lstStyle/>
+          <a:p>
+            <a:pPr marL="0" indent="0">
+              <a:buNone/>
+            </a:pPr>
+            <a:r>
+              <a:rPr lang="it-IT" dirty="0" err="1"/>
+              <a:t>Having</a:t>
+            </a:r>
+            <a:r>
+              <a:rPr lang="it-IT" dirty="0"/>
+              <a:t> </a:t>
+            </a:r>
+            <a:r>
+              <a:rPr lang="it-IT" dirty="0" err="1"/>
+              <a:t>defined</a:t>
+            </a:r>
+            <a:r>
+              <a:rPr lang="it-IT" dirty="0"/>
+              <a:t> a </a:t>
+            </a:r>
+            <a:r>
+              <a:rPr lang="it-IT" dirty="0" err="1"/>
+              <a:t>reference</a:t>
+            </a:r>
+            <a:r>
+              <a:rPr lang="it-IT" dirty="0"/>
+              <a:t> image, all the </a:t>
+            </a:r>
+            <a:r>
+              <a:rPr lang="it-IT" dirty="0" err="1"/>
+              <a:t>other</a:t>
+            </a:r>
+            <a:r>
+              <a:rPr lang="it-IT" dirty="0"/>
+              <a:t> images are </a:t>
+            </a:r>
+            <a:r>
+              <a:rPr lang="it-IT" dirty="0" err="1"/>
+              <a:t>transformed</a:t>
+            </a:r>
+            <a:r>
+              <a:rPr lang="it-IT" dirty="0"/>
+              <a:t> in the </a:t>
+            </a:r>
+            <a:r>
+              <a:rPr lang="it-IT" dirty="0" err="1"/>
+              <a:t>reference</a:t>
+            </a:r>
+            <a:r>
+              <a:rPr lang="it-IT" dirty="0"/>
+              <a:t> frame </a:t>
+            </a:r>
+            <a:r>
+              <a:rPr lang="it-IT" dirty="0" err="1"/>
+              <a:t>according</a:t>
+            </a:r>
+            <a:r>
+              <a:rPr lang="it-IT" dirty="0"/>
+              <a:t> to the </a:t>
+            </a:r>
+            <a:r>
+              <a:rPr lang="it-IT" dirty="0" err="1"/>
+              <a:t>computed</a:t>
+            </a:r>
+            <a:r>
+              <a:rPr lang="it-IT" dirty="0"/>
+              <a:t> global </a:t>
+            </a:r>
+            <a:r>
+              <a:rPr lang="it-IT" dirty="0" err="1"/>
+              <a:t>homographies</a:t>
+            </a:r>
+            <a:r>
+              <a:rPr lang="it-IT" dirty="0"/>
+              <a:t> and </a:t>
+            </a:r>
+            <a:r>
+              <a:rPr lang="it-IT" dirty="0" err="1"/>
+              <a:t>fused</a:t>
+            </a:r>
+            <a:r>
+              <a:rPr lang="it-IT" dirty="0"/>
+              <a:t> </a:t>
+            </a:r>
+            <a:r>
+              <a:rPr lang="it-IT" dirty="0" err="1"/>
+              <a:t>into</a:t>
+            </a:r>
+            <a:r>
+              <a:rPr lang="it-IT" dirty="0"/>
+              <a:t> a single image </a:t>
+            </a:r>
+            <a:r>
+              <a:rPr lang="it-IT" dirty="0" err="1"/>
+              <a:t>using</a:t>
+            </a:r>
+            <a:r>
+              <a:rPr lang="it-IT" dirty="0"/>
+              <a:t> the maximum operator.</a:t>
+            </a:r>
+          </a:p>
+        </p:txBody>
+      </p:sp>
+      <p:sp>
+        <p:nvSpPr>
+          <p:cNvPr id="4" name="Segnaposto numero diapositiva 3">
+            <a:extLst>
+              <a:ext uri="{FF2B5EF4-FFF2-40B4-BE49-F238E27FC236}">
+                <a16:creationId xmlns:a16="http://schemas.microsoft.com/office/drawing/2014/main" id="{D7B69AB1-5563-493B-B078-05CC85D5C1EA}"/>
+              </a:ext>
+            </a:extLst>
+          </p:cNvPr>
+          <p:cNvSpPr>
+            <a:spLocks noGrp="1"/>
+          </p:cNvSpPr>
+          <p:nvPr>
+            <p:ph type="sldNum" sz="quarter" idx="12"/>
+          </p:nvPr>
+        </p:nvSpPr>
+        <p:spPr/>
+        <p:txBody>
+          <a:bodyPr/>
+          <a:lstStyle/>
+          <a:p>
+            <a:fld id="{20167E32-692D-406A-B56C-4D271B4CF259}" type="slidenum">
+              <a:rPr lang="it-IT" smtClean="0"/>
+              <a:t>13</a:t>
+            </a:fld>
+            <a:endParaRPr lang="it-IT"/>
+          </a:p>
+        </p:txBody>
+      </p:sp>
+    </p:spTree>
+    <p:extLst>
+      <p:ext uri="{BB962C8B-B14F-4D97-AF65-F5344CB8AC3E}">
+        <p14:creationId xmlns:p14="http://schemas.microsoft.com/office/powerpoint/2010/main" val="2522601158"/>
+      </p:ext>
+    </p:extLst>
+  </p:cSld>
+  <p:clrMapOvr>
+    <a:masterClrMapping/>
+  </p:clrMapOvr>
+</p:sld>
+</file>
+
+<file path=ppt/slides/slide14.xml><?xml version="1.0" encoding="utf-8"?>
+<p:sld xmlns:a="http://schemas.openxmlformats.org/drawingml/2006/main" xmlns:r="http://schemas.openxmlformats.org/officeDocument/2006/relationships" xmlns:p="http://schemas.openxmlformats.org/presentationml/2006/main">
+  <p:cSld>
+    <p:spTree>
+      <p:nvGrpSpPr>
+        <p:cNvPr id="1" name=""/>
+        <p:cNvGrpSpPr/>
+        <p:nvPr/>
+      </p:nvGrpSpPr>
+      <p:grpSpPr>
+        <a:xfrm>
+          <a:off x="0" y="0"/>
+          <a:ext cx="0" cy="0"/>
+          <a:chOff x="0" y="0"/>
+          <a:chExt cx="0" cy="0"/>
+        </a:xfrm>
+      </p:grpSpPr>
+      <p:sp>
+        <p:nvSpPr>
+          <p:cNvPr id="2" name="Titolo 1">
+            <a:extLst>
+              <a:ext uri="{FF2B5EF4-FFF2-40B4-BE49-F238E27FC236}">
+                <a16:creationId xmlns:a16="http://schemas.microsoft.com/office/drawing/2014/main" id="{97A1B872-10E3-463E-BE56-381DC18EB01C}"/>
+              </a:ext>
+            </a:extLst>
+          </p:cNvPr>
+          <p:cNvSpPr>
+            <a:spLocks noGrp="1"/>
+          </p:cNvSpPr>
+          <p:nvPr>
+            <p:ph type="title"/>
+          </p:nvPr>
+        </p:nvSpPr>
+        <p:spPr/>
+        <p:txBody>
+          <a:bodyPr/>
+          <a:lstStyle/>
+          <a:p>
+            <a:r>
+              <a:rPr lang="it-IT" dirty="0" err="1"/>
+              <a:t>Results</a:t>
+            </a:r>
+            <a:r>
+              <a:rPr lang="it-IT" dirty="0"/>
+              <a:t> </a:t>
+            </a:r>
+            <a:r>
+              <a:rPr lang="it-IT" dirty="0" err="1"/>
+              <a:t>evaluation</a:t>
+            </a:r>
+            <a:endParaRPr lang="it-IT" dirty="0"/>
+          </a:p>
+        </p:txBody>
+      </p:sp>
+      <p:sp>
+        <p:nvSpPr>
+          <p:cNvPr id="3" name="Segnaposto contenuto 2">
+            <a:extLst>
+              <a:ext uri="{FF2B5EF4-FFF2-40B4-BE49-F238E27FC236}">
+                <a16:creationId xmlns:a16="http://schemas.microsoft.com/office/drawing/2014/main" id="{D285A111-971C-4F6E-A8FA-6C6DFB315892}"/>
+              </a:ext>
+            </a:extLst>
+          </p:cNvPr>
+          <p:cNvSpPr>
+            <a:spLocks noGrp="1"/>
+          </p:cNvSpPr>
+          <p:nvPr>
+            <p:ph idx="1"/>
+          </p:nvPr>
+        </p:nvSpPr>
+        <p:spPr/>
+        <p:txBody>
+          <a:bodyPr/>
+          <a:lstStyle/>
+          <a:p>
+            <a:r>
+              <a:rPr lang="it-IT" dirty="0"/>
+              <a:t>Real data </a:t>
+            </a:r>
+            <a:r>
+              <a:rPr lang="it-IT" dirty="0" err="1"/>
+              <a:t>evaluation</a:t>
+            </a:r>
+            <a:endParaRPr lang="it-IT" dirty="0"/>
+          </a:p>
+          <a:p>
+            <a:pPr lvl="1"/>
+            <a:r>
+              <a:rPr lang="it-IT" dirty="0"/>
+              <a:t>Qualitative</a:t>
+            </a:r>
+          </a:p>
+          <a:p>
+            <a:pPr lvl="1"/>
+            <a:r>
+              <a:rPr lang="it-IT" dirty="0"/>
+              <a:t>Quantitative</a:t>
+            </a:r>
+          </a:p>
+          <a:p>
+            <a:r>
+              <a:rPr lang="it-IT" dirty="0" err="1"/>
+              <a:t>Synthetic</a:t>
+            </a:r>
+            <a:r>
+              <a:rPr lang="it-IT" dirty="0"/>
+              <a:t> data </a:t>
+            </a:r>
+            <a:r>
+              <a:rPr lang="it-IT" dirty="0" err="1"/>
+              <a:t>evaluation</a:t>
+            </a:r>
+            <a:endParaRPr lang="it-IT" dirty="0"/>
+          </a:p>
+          <a:p>
+            <a:pPr lvl="1"/>
+            <a:r>
+              <a:rPr lang="it-IT" dirty="0"/>
+              <a:t>Qualitative</a:t>
+            </a:r>
+          </a:p>
+          <a:p>
+            <a:pPr lvl="1"/>
+            <a:r>
+              <a:rPr lang="it-IT" dirty="0"/>
+              <a:t>Quantitative</a:t>
+            </a:r>
+          </a:p>
+        </p:txBody>
+      </p:sp>
+      <p:sp>
+        <p:nvSpPr>
+          <p:cNvPr id="4" name="Segnaposto numero diapositiva 3">
+            <a:extLst>
+              <a:ext uri="{FF2B5EF4-FFF2-40B4-BE49-F238E27FC236}">
+                <a16:creationId xmlns:a16="http://schemas.microsoft.com/office/drawing/2014/main" id="{8B913037-AD14-49A4-8435-1403FAC01BA6}"/>
+              </a:ext>
+            </a:extLst>
+          </p:cNvPr>
+          <p:cNvSpPr>
+            <a:spLocks noGrp="1"/>
+          </p:cNvSpPr>
+          <p:nvPr>
+            <p:ph type="sldNum" sz="quarter" idx="12"/>
+          </p:nvPr>
+        </p:nvSpPr>
+        <p:spPr/>
+        <p:txBody>
+          <a:bodyPr/>
+          <a:lstStyle/>
+          <a:p>
+            <a:fld id="{20167E32-692D-406A-B56C-4D271B4CF259}" type="slidenum">
+              <a:rPr lang="it-IT" smtClean="0"/>
+              <a:t>14</a:t>
+            </a:fld>
+            <a:endParaRPr lang="it-IT"/>
+          </a:p>
+        </p:txBody>
+      </p:sp>
+    </p:spTree>
+    <p:extLst>
+      <p:ext uri="{BB962C8B-B14F-4D97-AF65-F5344CB8AC3E}">
+        <p14:creationId xmlns:p14="http://schemas.microsoft.com/office/powerpoint/2010/main" val="20371810"/>
+      </p:ext>
+    </p:extLst>
+  </p:cSld>
+  <p:clrMapOvr>
+    <a:masterClrMapping/>
+  </p:clrMapOvr>
+</p:sld>
+</file>
+
+<file path=ppt/slides/slide15.xml><?xml version="1.0" encoding="utf-8"?>
+<p:sld xmlns:a="http://schemas.openxmlformats.org/drawingml/2006/main" xmlns:r="http://schemas.openxmlformats.org/officeDocument/2006/relationships" xmlns:p="http://schemas.openxmlformats.org/presentationml/2006/main">
+  <p:cSld>
+    <p:spTree>
+      <p:nvGrpSpPr>
+        <p:cNvPr id="1" name=""/>
+        <p:cNvGrpSpPr/>
+        <p:nvPr/>
+      </p:nvGrpSpPr>
+      <p:grpSpPr>
+        <a:xfrm>
+          <a:off x="0" y="0"/>
+          <a:ext cx="0" cy="0"/>
+          <a:chOff x="0" y="0"/>
+          <a:chExt cx="0" cy="0"/>
+        </a:xfrm>
+      </p:grpSpPr>
+      <p:sp>
+        <p:nvSpPr>
+          <p:cNvPr id="2" name="Titolo 1">
+            <a:extLst>
+              <a:ext uri="{FF2B5EF4-FFF2-40B4-BE49-F238E27FC236}">
+                <a16:creationId xmlns:a16="http://schemas.microsoft.com/office/drawing/2014/main" id="{97A1B872-10E3-463E-BE56-381DC18EB01C}"/>
+              </a:ext>
+            </a:extLst>
+          </p:cNvPr>
+          <p:cNvSpPr>
+            <a:spLocks noGrp="1"/>
+          </p:cNvSpPr>
+          <p:nvPr>
+            <p:ph type="title"/>
+          </p:nvPr>
+        </p:nvSpPr>
+        <p:spPr/>
+        <p:txBody>
+          <a:bodyPr/>
+          <a:lstStyle/>
+          <a:p>
+            <a:r>
+              <a:rPr lang="it-IT" dirty="0"/>
+              <a:t>Real data </a:t>
+            </a:r>
+            <a:r>
+              <a:rPr lang="it-IT" dirty="0" err="1"/>
+              <a:t>evaluation</a:t>
+            </a:r>
+            <a:endParaRPr lang="it-IT" dirty="0"/>
+          </a:p>
+        </p:txBody>
+      </p:sp>
+      <p:sp>
+        <p:nvSpPr>
+          <p:cNvPr id="3" name="Segnaposto contenuto 2">
+            <a:extLst>
+              <a:ext uri="{FF2B5EF4-FFF2-40B4-BE49-F238E27FC236}">
+                <a16:creationId xmlns:a16="http://schemas.microsoft.com/office/drawing/2014/main" id="{D285A111-971C-4F6E-A8FA-6C6DFB315892}"/>
+              </a:ext>
+            </a:extLst>
+          </p:cNvPr>
+          <p:cNvSpPr>
+            <a:spLocks noGrp="1"/>
+          </p:cNvSpPr>
+          <p:nvPr>
+            <p:ph idx="1"/>
+          </p:nvPr>
+        </p:nvSpPr>
+        <p:spPr/>
+        <p:txBody>
+          <a:bodyPr/>
+          <a:lstStyle/>
+          <a:p>
+            <a:pPr marL="0" indent="0">
+              <a:buNone/>
+            </a:pPr>
+            <a:r>
+              <a:rPr lang="it-IT" b="1" dirty="0"/>
+              <a:t>Qualitative</a:t>
+            </a:r>
+            <a:r>
+              <a:rPr lang="it-IT" dirty="0"/>
+              <a:t> </a:t>
+            </a:r>
+            <a:r>
+              <a:rPr lang="it-IT" b="1" dirty="0"/>
+              <a:t>– </a:t>
+            </a:r>
+            <a:r>
+              <a:rPr lang="it-IT" dirty="0"/>
+              <a:t>All the </a:t>
+            </a:r>
+            <a:r>
+              <a:rPr lang="it-IT" dirty="0" err="1"/>
+              <a:t>presented</a:t>
+            </a:r>
+            <a:r>
+              <a:rPr lang="it-IT" dirty="0"/>
+              <a:t> </a:t>
+            </a:r>
+            <a:r>
+              <a:rPr lang="it-IT" dirty="0" err="1"/>
+              <a:t>methods</a:t>
+            </a:r>
+            <a:r>
+              <a:rPr lang="it-IT" dirty="0"/>
+              <a:t> are </a:t>
+            </a:r>
+            <a:r>
+              <a:rPr lang="it-IT" dirty="0" err="1"/>
+              <a:t>evaluated</a:t>
+            </a:r>
+            <a:r>
+              <a:rPr lang="it-IT" dirty="0"/>
+              <a:t> </a:t>
+            </a:r>
+            <a:r>
+              <a:rPr lang="it-IT" dirty="0" err="1"/>
+              <a:t>visually</a:t>
+            </a:r>
+            <a:r>
+              <a:rPr lang="it-IT" dirty="0"/>
+              <a:t> </a:t>
+            </a:r>
+            <a:r>
+              <a:rPr lang="it-IT" dirty="0" err="1"/>
+              <a:t>observing</a:t>
+            </a:r>
+            <a:r>
+              <a:rPr lang="it-IT" dirty="0"/>
+              <a:t> the </a:t>
+            </a:r>
+            <a:r>
+              <a:rPr lang="it-IT" dirty="0" err="1"/>
+              <a:t>quality</a:t>
+            </a:r>
+            <a:r>
+              <a:rPr lang="it-IT" dirty="0"/>
+              <a:t> of the </a:t>
+            </a:r>
+            <a:r>
+              <a:rPr lang="it-IT" dirty="0" err="1"/>
+              <a:t>stitched</a:t>
+            </a:r>
+            <a:r>
+              <a:rPr lang="it-IT" dirty="0"/>
+              <a:t> image </a:t>
+            </a:r>
+            <a:r>
+              <a:rPr lang="it-IT" dirty="0" err="1"/>
+              <a:t>using</a:t>
+            </a:r>
+            <a:r>
+              <a:rPr lang="it-IT" dirty="0"/>
+              <a:t> some benchmark datasets. </a:t>
+            </a:r>
+          </a:p>
+          <a:p>
+            <a:pPr marL="0" indent="0">
+              <a:buNone/>
+            </a:pPr>
+            <a:endParaRPr lang="it-IT" dirty="0"/>
+          </a:p>
+          <a:p>
+            <a:pPr marL="0" indent="0">
+              <a:buNone/>
+            </a:pPr>
+            <a:r>
+              <a:rPr lang="it-IT" b="1" dirty="0"/>
+              <a:t>Quantitative</a:t>
+            </a:r>
+            <a:r>
+              <a:rPr lang="it-IT" dirty="0"/>
+              <a:t> </a:t>
+            </a:r>
+            <a:r>
+              <a:rPr lang="it-IT" b="1" dirty="0"/>
+              <a:t>– </a:t>
+            </a:r>
+            <a:r>
+              <a:rPr lang="it-IT" dirty="0"/>
+              <a:t>Given the </a:t>
+            </a:r>
+            <a:r>
+              <a:rPr lang="it-IT" dirty="0" err="1"/>
+              <a:t>absence</a:t>
+            </a:r>
+            <a:r>
+              <a:rPr lang="it-IT" dirty="0"/>
+              <a:t> of a ground truth it </a:t>
+            </a:r>
+            <a:r>
+              <a:rPr lang="it-IT" dirty="0" err="1"/>
+              <a:t>is</a:t>
+            </a:r>
+            <a:r>
+              <a:rPr lang="it-IT" dirty="0"/>
+              <a:t> not </a:t>
+            </a:r>
+            <a:r>
+              <a:rPr lang="it-IT" dirty="0" err="1"/>
+              <a:t>possible</a:t>
+            </a:r>
+            <a:r>
+              <a:rPr lang="it-IT" dirty="0"/>
+              <a:t> to </a:t>
+            </a:r>
+            <a:r>
+              <a:rPr lang="it-IT" dirty="0" err="1"/>
+              <a:t>evaluate</a:t>
+            </a:r>
+            <a:r>
+              <a:rPr lang="it-IT" dirty="0"/>
+              <a:t> the </a:t>
+            </a:r>
+            <a:r>
+              <a:rPr lang="it-IT" dirty="0" err="1"/>
+              <a:t>results</a:t>
+            </a:r>
+            <a:r>
+              <a:rPr lang="it-IT" dirty="0"/>
+              <a:t> </a:t>
+            </a:r>
+            <a:r>
+              <a:rPr lang="it-IT" dirty="0" err="1"/>
+              <a:t>quantitatively</a:t>
+            </a:r>
+            <a:r>
+              <a:rPr lang="it-IT" dirty="0"/>
+              <a:t>.</a:t>
+            </a:r>
+          </a:p>
+          <a:p>
+            <a:pPr marL="0" indent="0">
+              <a:buNone/>
+            </a:pPr>
+            <a:endParaRPr lang="it-IT" dirty="0"/>
+          </a:p>
+        </p:txBody>
+      </p:sp>
+      <p:sp>
+        <p:nvSpPr>
+          <p:cNvPr id="4" name="Segnaposto numero diapositiva 3">
+            <a:extLst>
+              <a:ext uri="{FF2B5EF4-FFF2-40B4-BE49-F238E27FC236}">
+                <a16:creationId xmlns:a16="http://schemas.microsoft.com/office/drawing/2014/main" id="{8B913037-AD14-49A4-8435-1403FAC01BA6}"/>
+              </a:ext>
+            </a:extLst>
+          </p:cNvPr>
+          <p:cNvSpPr>
+            <a:spLocks noGrp="1"/>
+          </p:cNvSpPr>
+          <p:nvPr>
+            <p:ph type="sldNum" sz="quarter" idx="12"/>
+          </p:nvPr>
+        </p:nvSpPr>
+        <p:spPr/>
+        <p:txBody>
+          <a:bodyPr/>
+          <a:lstStyle/>
+          <a:p>
+            <a:fld id="{20167E32-692D-406A-B56C-4D271B4CF259}" type="slidenum">
+              <a:rPr lang="it-IT" smtClean="0"/>
+              <a:t>15</a:t>
+            </a:fld>
+            <a:endParaRPr lang="it-IT"/>
+          </a:p>
+        </p:txBody>
+      </p:sp>
+    </p:spTree>
+    <p:extLst>
+      <p:ext uri="{BB962C8B-B14F-4D97-AF65-F5344CB8AC3E}">
+        <p14:creationId xmlns:p14="http://schemas.microsoft.com/office/powerpoint/2010/main" val="1037140904"/>
+      </p:ext>
+    </p:extLst>
+  </p:cSld>
+  <p:clrMapOvr>
+    <a:masterClrMapping/>
+  </p:clrMapOvr>
+</p:sld>
+</file>
+
+<file path=ppt/slides/slide16.xml><?xml version="1.0" encoding="utf-8"?>
+<p:sld xmlns:a="http://schemas.openxmlformats.org/drawingml/2006/main" xmlns:r="http://schemas.openxmlformats.org/officeDocument/2006/relationships" xmlns:p="http://schemas.openxmlformats.org/presentationml/2006/main">
+  <p:cSld>
+    <p:spTree>
+      <p:nvGrpSpPr>
+        <p:cNvPr id="1" name=""/>
+        <p:cNvGrpSpPr/>
+        <p:nvPr/>
+      </p:nvGrpSpPr>
+      <p:grpSpPr>
+        <a:xfrm>
+          <a:off x="0" y="0"/>
+          <a:ext cx="0" cy="0"/>
+          <a:chOff x="0" y="0"/>
+          <a:chExt cx="0" cy="0"/>
+        </a:xfrm>
+      </p:grpSpPr>
+      <p:sp>
+        <p:nvSpPr>
+          <p:cNvPr id="2" name="Titolo 1">
+            <a:extLst>
+              <a:ext uri="{FF2B5EF4-FFF2-40B4-BE49-F238E27FC236}">
+                <a16:creationId xmlns:a16="http://schemas.microsoft.com/office/drawing/2014/main" id="{97A1B872-10E3-463E-BE56-381DC18EB01C}"/>
+              </a:ext>
+            </a:extLst>
+          </p:cNvPr>
+          <p:cNvSpPr>
+            <a:spLocks noGrp="1"/>
+          </p:cNvSpPr>
+          <p:nvPr>
+            <p:ph type="title"/>
+          </p:nvPr>
+        </p:nvSpPr>
+        <p:spPr/>
+        <p:txBody>
+          <a:bodyPr/>
+          <a:lstStyle/>
+          <a:p>
+            <a:r>
+              <a:rPr lang="it-IT" dirty="0" err="1"/>
+              <a:t>Synthetic</a:t>
+            </a:r>
+            <a:r>
+              <a:rPr lang="it-IT" dirty="0"/>
+              <a:t> data </a:t>
+            </a:r>
+            <a:r>
+              <a:rPr lang="it-IT" dirty="0" err="1"/>
+              <a:t>evaluation</a:t>
+            </a:r>
+            <a:endParaRPr lang="it-IT" dirty="0"/>
+          </a:p>
+        </p:txBody>
+      </p:sp>
+      <mc:AlternateContent xmlns:mc="http://schemas.openxmlformats.org/markup-compatibility/2006">
+        <mc:Choice xmlns:a14="http://schemas.microsoft.com/office/drawing/2010/main" Requires="a14">
+          <p:sp>
+            <p:nvSpPr>
+              <p:cNvPr id="3" name="Segnaposto contenuto 2">
+                <a:extLst>
+                  <a:ext uri="{FF2B5EF4-FFF2-40B4-BE49-F238E27FC236}">
+                    <a16:creationId xmlns:a16="http://schemas.microsoft.com/office/drawing/2014/main" id="{D285A111-971C-4F6E-A8FA-6C6DFB315892}"/>
+                  </a:ext>
+                </a:extLst>
+              </p:cNvPr>
+              <p:cNvSpPr>
+                <a:spLocks noGrp="1"/>
+              </p:cNvSpPr>
+              <p:nvPr>
+                <p:ph idx="1"/>
+              </p:nvPr>
+            </p:nvSpPr>
+            <p:spPr/>
+            <p:txBody>
+              <a:bodyPr/>
+              <a:lstStyle/>
+              <a:p>
+                <a:pPr marL="0" indent="0">
+                  <a:buNone/>
+                </a:pPr>
+                <a:r>
+                  <a:rPr lang="it-IT" b="1" dirty="0"/>
+                  <a:t>Qualitative</a:t>
+                </a:r>
+                <a:r>
+                  <a:rPr lang="it-IT" dirty="0"/>
+                  <a:t> </a:t>
+                </a:r>
+                <a:r>
+                  <a:rPr lang="it-IT" b="1" dirty="0"/>
+                  <a:t>– </a:t>
+                </a:r>
+                <a:r>
+                  <a:rPr lang="it-IT" dirty="0"/>
+                  <a:t>All the </a:t>
+                </a:r>
+                <a:r>
+                  <a:rPr lang="it-IT" dirty="0" err="1"/>
+                  <a:t>presented</a:t>
+                </a:r>
+                <a:r>
+                  <a:rPr lang="it-IT" dirty="0"/>
+                  <a:t> </a:t>
+                </a:r>
+                <a:r>
+                  <a:rPr lang="it-IT" dirty="0" err="1"/>
+                  <a:t>methods</a:t>
+                </a:r>
+                <a:r>
+                  <a:rPr lang="it-IT" dirty="0"/>
+                  <a:t> are </a:t>
+                </a:r>
+                <a:r>
+                  <a:rPr lang="it-IT" dirty="0" err="1"/>
+                  <a:t>evaluated</a:t>
+                </a:r>
+                <a:r>
+                  <a:rPr lang="it-IT" dirty="0"/>
+                  <a:t> </a:t>
+                </a:r>
+                <a:r>
+                  <a:rPr lang="it-IT" dirty="0" err="1"/>
+                  <a:t>visually</a:t>
+                </a:r>
+                <a:r>
+                  <a:rPr lang="it-IT" dirty="0"/>
+                  <a:t> </a:t>
+                </a:r>
+                <a:r>
+                  <a:rPr lang="it-IT" dirty="0" err="1"/>
+                  <a:t>observing</a:t>
+                </a:r>
+                <a:r>
+                  <a:rPr lang="it-IT" dirty="0"/>
+                  <a:t> the </a:t>
+                </a:r>
+                <a:r>
+                  <a:rPr lang="it-IT" dirty="0" err="1"/>
+                  <a:t>quality</a:t>
+                </a:r>
+                <a:r>
+                  <a:rPr lang="it-IT" dirty="0"/>
+                  <a:t> of the </a:t>
+                </a:r>
+                <a:r>
+                  <a:rPr lang="it-IT" dirty="0" err="1"/>
+                  <a:t>stitched</a:t>
+                </a:r>
+                <a:r>
+                  <a:rPr lang="it-IT" dirty="0"/>
+                  <a:t> image </a:t>
+                </a:r>
+                <a:r>
+                  <a:rPr lang="it-IT" dirty="0" err="1"/>
+                  <a:t>using</a:t>
+                </a:r>
+                <a:r>
+                  <a:rPr lang="it-IT" dirty="0"/>
+                  <a:t> some benchmark datasets and </a:t>
+                </a:r>
+                <a:r>
+                  <a:rPr lang="it-IT" dirty="0" err="1"/>
+                  <a:t>different</a:t>
+                </a:r>
+                <a:r>
+                  <a:rPr lang="it-IT" dirty="0"/>
+                  <a:t> </a:t>
+                </a:r>
+                <a:r>
+                  <a:rPr lang="it-IT" dirty="0" err="1"/>
+                  <a:t>amounts</a:t>
+                </a:r>
+                <a:r>
+                  <a:rPr lang="it-IT" dirty="0"/>
+                  <a:t> of </a:t>
+                </a:r>
+                <a:r>
+                  <a:rPr lang="it-IT" dirty="0" err="1"/>
+                  <a:t>noise</a:t>
+                </a:r>
+                <a:r>
+                  <a:rPr lang="it-IT" dirty="0"/>
+                  <a:t>.</a:t>
+                </a:r>
+              </a:p>
+              <a:p>
+                <a:pPr marL="0" indent="0">
+                  <a:buNone/>
+                </a:pPr>
+                <a:endParaRPr lang="it-IT" dirty="0"/>
+              </a:p>
+              <a:p>
+                <a:pPr marL="0" indent="0">
+                  <a:buNone/>
+                </a:pPr>
+                <a:r>
+                  <a:rPr lang="it-IT" b="1" dirty="0"/>
+                  <a:t>Quantitative</a:t>
+                </a:r>
+                <a:r>
+                  <a:rPr lang="it-IT" dirty="0"/>
+                  <a:t> </a:t>
+                </a:r>
+                <a:r>
+                  <a:rPr lang="it-IT" b="1" dirty="0"/>
+                  <a:t>– </a:t>
+                </a:r>
+                <a:r>
+                  <a:rPr lang="it-IT" dirty="0"/>
+                  <a:t>In </a:t>
+                </a:r>
+                <a:r>
+                  <a:rPr lang="it-IT" dirty="0" err="1"/>
+                  <a:t>this</a:t>
+                </a:r>
+                <a:r>
+                  <a:rPr lang="it-IT" dirty="0"/>
+                  <a:t> case, the </a:t>
+                </a:r>
+                <a:r>
+                  <a:rPr lang="it-IT" dirty="0" err="1"/>
+                  <a:t>results</a:t>
+                </a:r>
+                <a:r>
+                  <a:rPr lang="it-IT" dirty="0"/>
+                  <a:t> </a:t>
+                </a:r>
+                <a:r>
+                  <a:rPr lang="it-IT" dirty="0" err="1"/>
+                  <a:t>produced</a:t>
+                </a:r>
+                <a:r>
+                  <a:rPr lang="it-IT" dirty="0"/>
+                  <a:t> by Simple-</a:t>
+                </a:r>
+                <a:r>
+                  <a:rPr lang="it-IT" dirty="0" err="1"/>
+                  <a:t>Graph</a:t>
+                </a:r>
+                <a:r>
+                  <a:rPr lang="it-IT" dirty="0"/>
+                  <a:t> </a:t>
+                </a:r>
+                <a:r>
+                  <a:rPr lang="it-IT" dirty="0" err="1"/>
+                  <a:t>stitching</a:t>
+                </a:r>
+                <a:r>
+                  <a:rPr lang="it-IT" dirty="0"/>
+                  <a:t> in a </a:t>
+                </a:r>
+                <a:r>
+                  <a:rPr lang="it-IT" dirty="0" err="1"/>
+                  <a:t>noise</a:t>
+                </a:r>
+                <a:r>
+                  <a:rPr lang="it-IT" dirty="0"/>
+                  <a:t>-free scenario are </a:t>
+                </a:r>
+                <a:r>
+                  <a:rPr lang="it-IT" dirty="0" err="1"/>
+                  <a:t>used</a:t>
+                </a:r>
+                <a:r>
+                  <a:rPr lang="it-IT" dirty="0"/>
+                  <a:t> as ground truth to </a:t>
+                </a:r>
+                <a:r>
+                  <a:rPr lang="it-IT" dirty="0" err="1"/>
+                  <a:t>evaluate</a:t>
+                </a:r>
+                <a:r>
+                  <a:rPr lang="it-IT" dirty="0"/>
+                  <a:t> the </a:t>
+                </a:r>
+                <a:r>
+                  <a:rPr lang="it-IT" dirty="0" err="1"/>
+                  <a:t>methods</a:t>
+                </a:r>
+                <a:r>
+                  <a:rPr lang="it-IT" dirty="0"/>
+                  <a:t> under </a:t>
+                </a:r>
+                <a:r>
+                  <a:rPr lang="it-IT" dirty="0" err="1"/>
+                  <a:t>different</a:t>
+                </a:r>
+                <a:r>
+                  <a:rPr lang="it-IT" dirty="0"/>
+                  <a:t> </a:t>
+                </a:r>
+                <a:r>
+                  <a:rPr lang="it-IT" dirty="0" err="1"/>
+                  <a:t>amounts</a:t>
+                </a:r>
+                <a:r>
+                  <a:rPr lang="it-IT" dirty="0"/>
+                  <a:t> of </a:t>
+                </a:r>
+                <a:r>
+                  <a:rPr lang="it-IT" dirty="0" err="1"/>
+                  <a:t>noise</a:t>
+                </a:r>
+                <a:r>
+                  <a:rPr lang="it-IT" dirty="0"/>
+                  <a:t>. The </a:t>
+                </a:r>
+                <a:r>
+                  <a:rPr lang="it-IT" dirty="0" err="1"/>
+                  <a:t>error</a:t>
+                </a:r>
+                <a:r>
+                  <a:rPr lang="it-IT" dirty="0"/>
+                  <a:t> </a:t>
+                </a:r>
+                <a:r>
+                  <a:rPr lang="it-IT" dirty="0" err="1"/>
+                  <a:t>is</a:t>
+                </a:r>
+                <a:r>
+                  <a:rPr lang="it-IT" dirty="0"/>
+                  <a:t> </a:t>
+                </a:r>
+                <a:r>
+                  <a:rPr lang="it-IT" dirty="0" err="1"/>
+                  <a:t>computed</a:t>
+                </a:r>
+                <a:r>
+                  <a:rPr lang="it-IT" dirty="0"/>
+                  <a:t> as: </a:t>
+                </a:r>
+              </a:p>
+              <a:p>
+                <a:pPr marL="0" indent="0">
+                  <a:buNone/>
+                </a:pPr>
+                <a14:m>
+                  <m:oMathPara xmlns:m="http://schemas.openxmlformats.org/officeDocument/2006/math">
+                    <m:oMathParaPr>
+                      <m:jc m:val="centerGroup"/>
+                    </m:oMathParaPr>
+                    <m:oMath xmlns:m="http://schemas.openxmlformats.org/officeDocument/2006/math">
+                      <m:sSub>
+                        <m:sSubPr>
+                          <m:ctrlPr>
+                            <a:rPr lang="it-IT" b="0" i="1" smtClean="0">
+                              <a:latin typeface="Cambria Math" panose="02040503050406030204" pitchFamily="18" charset="0"/>
+                            </a:rPr>
+                          </m:ctrlPr>
+                        </m:sSubPr>
+                        <m:e>
+                          <m:r>
+                            <a:rPr lang="it-IT" b="0" i="1" smtClean="0">
+                              <a:latin typeface="Cambria Math" panose="02040503050406030204" pitchFamily="18" charset="0"/>
+                            </a:rPr>
+                            <m:t>𝑒</m:t>
+                          </m:r>
+                        </m:e>
+                        <m:sub>
+                          <m:r>
+                            <a:rPr lang="it-IT" b="0" i="1" smtClean="0">
+                              <a:latin typeface="Cambria Math" panose="02040503050406030204" pitchFamily="18" charset="0"/>
+                            </a:rPr>
+                            <m:t>𝑖</m:t>
+                          </m:r>
+                        </m:sub>
+                      </m:sSub>
+                      <m:r>
+                        <a:rPr lang="it-IT" b="0" i="1" smtClean="0">
+                          <a:latin typeface="Cambria Math" panose="02040503050406030204" pitchFamily="18" charset="0"/>
+                        </a:rPr>
+                        <m:t>=</m:t>
+                      </m:r>
+                      <m:sSub>
+                        <m:sSubPr>
+                          <m:ctrlPr>
+                            <a:rPr lang="it-IT" b="0" i="1" smtClean="0">
+                              <a:latin typeface="Cambria Math" panose="02040503050406030204" pitchFamily="18" charset="0"/>
+                            </a:rPr>
+                          </m:ctrlPr>
+                        </m:sSubPr>
+                        <m:e>
+                          <m:r>
+                            <a:rPr lang="it-IT" b="0" i="1" smtClean="0">
+                              <a:latin typeface="Cambria Math" panose="02040503050406030204" pitchFamily="18" charset="0"/>
+                            </a:rPr>
+                            <m:t>||</m:t>
+                          </m:r>
+                          <m:sSub>
+                            <m:sSubPr>
+                              <m:ctrlPr>
+                                <a:rPr lang="it-IT" b="0" i="1" smtClean="0">
+                                  <a:latin typeface="Cambria Math" panose="02040503050406030204" pitchFamily="18" charset="0"/>
+                                </a:rPr>
+                              </m:ctrlPr>
+                            </m:sSubPr>
+                            <m:e>
+                              <m:r>
+                                <a:rPr lang="it-IT" b="0" i="1" smtClean="0">
+                                  <a:latin typeface="Cambria Math" panose="02040503050406030204" pitchFamily="18" charset="0"/>
+                                </a:rPr>
+                                <m:t>𝐼</m:t>
+                              </m:r>
+                            </m:e>
+                            <m:sub>
+                              <m:r>
+                                <a:rPr lang="it-IT" b="0" i="1" smtClean="0">
+                                  <a:latin typeface="Cambria Math" panose="02040503050406030204" pitchFamily="18" charset="0"/>
+                                </a:rPr>
+                                <m:t>3</m:t>
+                              </m:r>
+                            </m:sub>
+                          </m:sSub>
+                          <m:r>
+                            <a:rPr lang="it-IT" b="0" i="1" smtClean="0">
+                              <a:latin typeface="Cambria Math" panose="02040503050406030204" pitchFamily="18" charset="0"/>
+                            </a:rPr>
+                            <m:t> −</m:t>
+                          </m:r>
+                          <m:r>
+                            <a:rPr lang="it-IT" b="0" i="1" smtClean="0">
+                              <a:latin typeface="Cambria Math" panose="02040503050406030204" pitchFamily="18" charset="0"/>
+                            </a:rPr>
+                            <m:t>𝑥</m:t>
+                          </m:r>
+                          <m:r>
+                            <a:rPr lang="it-IT" b="0" i="1" smtClean="0">
+                              <a:latin typeface="Cambria Math" panose="02040503050406030204" pitchFamily="18" charset="0"/>
+                            </a:rPr>
+                            <m:t>(</m:t>
+                          </m:r>
+                          <m:r>
+                            <a:rPr lang="it-IT" b="0" i="1" smtClean="0">
+                              <a:latin typeface="Cambria Math" panose="02040503050406030204" pitchFamily="18" charset="0"/>
+                            </a:rPr>
+                            <m:t>𝑖</m:t>
+                          </m:r>
+                          <m:r>
+                            <a:rPr lang="it-IT" b="0" i="1" smtClean="0">
+                              <a:latin typeface="Cambria Math" panose="02040503050406030204" pitchFamily="18" charset="0"/>
+                            </a:rPr>
+                            <m:t>)</m:t>
+                          </m:r>
+                          <m:acc>
+                            <m:accPr>
+                              <m:chr m:val="̃"/>
+                              <m:ctrlPr>
+                                <a:rPr lang="it-IT" i="1">
+                                  <a:latin typeface="Cambria Math" panose="02040503050406030204" pitchFamily="18" charset="0"/>
+                                </a:rPr>
+                              </m:ctrlPr>
+                            </m:accPr>
+                            <m:e>
+                              <m:r>
+                                <a:rPr lang="it-IT" i="1">
+                                  <a:latin typeface="Cambria Math" panose="02040503050406030204" pitchFamily="18" charset="0"/>
+                                </a:rPr>
+                                <m:t>𝑥</m:t>
+                              </m:r>
+                            </m:e>
+                          </m:acc>
+                          <m:sSup>
+                            <m:sSupPr>
+                              <m:ctrlPr>
+                                <a:rPr lang="it-IT" i="1" smtClean="0">
+                                  <a:latin typeface="Cambria Math" panose="02040503050406030204" pitchFamily="18" charset="0"/>
+                                </a:rPr>
+                              </m:ctrlPr>
+                            </m:sSupPr>
+                            <m:e>
+                              <m:r>
+                                <a:rPr lang="it-IT" b="0" i="1" smtClean="0">
+                                  <a:latin typeface="Cambria Math" panose="02040503050406030204" pitchFamily="18" charset="0"/>
+                                </a:rPr>
+                                <m:t>(</m:t>
+                              </m:r>
+                              <m:r>
+                                <a:rPr lang="it-IT" b="0" i="1" smtClean="0">
+                                  <a:latin typeface="Cambria Math" panose="02040503050406030204" pitchFamily="18" charset="0"/>
+                                </a:rPr>
+                                <m:t>𝑖</m:t>
+                              </m:r>
+                              <m:r>
+                                <a:rPr lang="it-IT" b="0" i="1" smtClean="0">
+                                  <a:latin typeface="Cambria Math" panose="02040503050406030204" pitchFamily="18" charset="0"/>
+                                </a:rPr>
+                                <m:t>)</m:t>
+                              </m:r>
+                            </m:e>
+                            <m:sup>
+                              <m:r>
+                                <a:rPr lang="it-IT" b="0" i="1" smtClean="0">
+                                  <a:latin typeface="Cambria Math" panose="02040503050406030204" pitchFamily="18" charset="0"/>
+                                </a:rPr>
+                                <m:t>−1</m:t>
+                              </m:r>
+                            </m:sup>
+                          </m:sSup>
+                          <m:r>
+                            <a:rPr lang="it-IT" b="0" i="1" smtClean="0">
+                              <a:latin typeface="Cambria Math" panose="02040503050406030204" pitchFamily="18" charset="0"/>
+                            </a:rPr>
+                            <m:t>||</m:t>
+                          </m:r>
+                        </m:e>
+                        <m:sub>
+                          <m:r>
+                            <a:rPr lang="it-IT" b="0" i="1" smtClean="0">
+                              <a:latin typeface="Cambria Math" panose="02040503050406030204" pitchFamily="18" charset="0"/>
+                            </a:rPr>
+                            <m:t>𝐹</m:t>
+                          </m:r>
+                        </m:sub>
+                      </m:sSub>
+                    </m:oMath>
+                  </m:oMathPara>
+                </a14:m>
+                <a:endParaRPr lang="it-IT" dirty="0"/>
+              </a:p>
+              <a:p>
+                <a:pPr marL="0" indent="0">
+                  <a:buNone/>
+                </a:pPr>
+                <a:endParaRPr lang="it-IT" dirty="0"/>
+              </a:p>
+            </p:txBody>
+          </p:sp>
+        </mc:Choice>
+        <mc:Fallback>
+          <p:sp>
+            <p:nvSpPr>
+              <p:cNvPr id="3" name="Segnaposto contenuto 2">
+                <a:extLst>
+                  <a:ext uri="{FF2B5EF4-FFF2-40B4-BE49-F238E27FC236}">
+                    <a16:creationId xmlns:a16="http://schemas.microsoft.com/office/drawing/2014/main" id="{D285A111-971C-4F6E-A8FA-6C6DFB315892}"/>
+                  </a:ext>
+                </a:extLst>
+              </p:cNvPr>
+              <p:cNvSpPr>
+                <a:spLocks noGrp="1" noRot="1" noChangeAspect="1" noMove="1" noResize="1" noEditPoints="1" noAdjustHandles="1" noChangeArrowheads="1" noChangeShapeType="1" noTextEdit="1"/>
+              </p:cNvSpPr>
+              <p:nvPr>
+                <p:ph idx="1"/>
+              </p:nvPr>
+            </p:nvSpPr>
+            <p:spPr>
+              <a:blipFill>
+                <a:blip r:embed="rId2"/>
+                <a:stretch>
+                  <a:fillRect l="-1217" t="-2241"/>
+                </a:stretch>
+              </a:blipFill>
+            </p:spPr>
+            <p:txBody>
+              <a:bodyPr/>
+              <a:lstStyle/>
+              <a:p>
+                <a:r>
+                  <a:rPr lang="it-IT">
+                    <a:noFill/>
+                  </a:rPr>
+                  <a:t> </a:t>
+                </a:r>
+              </a:p>
+            </p:txBody>
+          </p:sp>
+        </mc:Fallback>
+      </mc:AlternateContent>
+      <p:sp>
+        <p:nvSpPr>
+          <p:cNvPr id="4" name="Segnaposto numero diapositiva 3">
+            <a:extLst>
+              <a:ext uri="{FF2B5EF4-FFF2-40B4-BE49-F238E27FC236}">
+                <a16:creationId xmlns:a16="http://schemas.microsoft.com/office/drawing/2014/main" id="{8B913037-AD14-49A4-8435-1403FAC01BA6}"/>
+              </a:ext>
+            </a:extLst>
+          </p:cNvPr>
+          <p:cNvSpPr>
+            <a:spLocks noGrp="1"/>
+          </p:cNvSpPr>
+          <p:nvPr>
+            <p:ph type="sldNum" sz="quarter" idx="12"/>
+          </p:nvPr>
+        </p:nvSpPr>
+        <p:spPr/>
+        <p:txBody>
+          <a:bodyPr/>
+          <a:lstStyle/>
+          <a:p>
+            <a:fld id="{20167E32-692D-406A-B56C-4D271B4CF259}" type="slidenum">
+              <a:rPr lang="it-IT" smtClean="0"/>
+              <a:t>16</a:t>
+            </a:fld>
+            <a:endParaRPr lang="it-IT"/>
+          </a:p>
+        </p:txBody>
+      </p:sp>
+    </p:spTree>
+    <p:extLst>
+      <p:ext uri="{BB962C8B-B14F-4D97-AF65-F5344CB8AC3E}">
+        <p14:creationId xmlns:p14="http://schemas.microsoft.com/office/powerpoint/2010/main" val="3768656110"/>
+      </p:ext>
+    </p:extLst>
+  </p:cSld>
+  <p:clrMapOvr>
+    <a:masterClrMapping/>
+  </p:clrMapOvr>
+</p:sld>
+</file>
+
+<file path=ppt/slides/slide17.xml><?xml version="1.0" encoding="utf-8"?>
+<p:sld xmlns:a="http://schemas.openxmlformats.org/drawingml/2006/main" xmlns:r="http://schemas.openxmlformats.org/officeDocument/2006/relationships" xmlns:p="http://schemas.openxmlformats.org/presentationml/2006/main">
+  <p:cSld>
+    <p:spTree>
+      <p:nvGrpSpPr>
+        <p:cNvPr id="1" name=""/>
+        <p:cNvGrpSpPr/>
+        <p:nvPr/>
+      </p:nvGrpSpPr>
+      <p:grpSpPr>
+        <a:xfrm>
+          <a:off x="0" y="0"/>
+          <a:ext cx="0" cy="0"/>
+          <a:chOff x="0" y="0"/>
+          <a:chExt cx="0" cy="0"/>
+        </a:xfrm>
+      </p:grpSpPr>
+      <p:sp>
+        <p:nvSpPr>
+          <p:cNvPr id="2" name="Titolo 1">
+            <a:extLst>
+              <a:ext uri="{FF2B5EF4-FFF2-40B4-BE49-F238E27FC236}">
+                <a16:creationId xmlns:a16="http://schemas.microsoft.com/office/drawing/2014/main" id="{495D96F7-2FE1-4378-9960-270DE10E428E}"/>
+              </a:ext>
+            </a:extLst>
+          </p:cNvPr>
+          <p:cNvSpPr>
+            <a:spLocks noGrp="1"/>
+          </p:cNvSpPr>
+          <p:nvPr>
+            <p:ph type="title"/>
+          </p:nvPr>
+        </p:nvSpPr>
+        <p:spPr/>
+        <p:txBody>
+          <a:bodyPr/>
+          <a:lstStyle/>
+          <a:p>
+            <a:r>
+              <a:rPr lang="it-IT" dirty="0" err="1"/>
+              <a:t>Outcomes</a:t>
+            </a:r>
+            <a:endParaRPr lang="it-IT" dirty="0"/>
+          </a:p>
+        </p:txBody>
+      </p:sp>
+      <p:graphicFrame>
+        <p:nvGraphicFramePr>
+          <p:cNvPr id="6" name="Tabella 6">
+            <a:extLst>
+              <a:ext uri="{FF2B5EF4-FFF2-40B4-BE49-F238E27FC236}">
+                <a16:creationId xmlns:a16="http://schemas.microsoft.com/office/drawing/2014/main" id="{93F50962-AA32-4932-8B30-6BCBBA795DB3}"/>
+              </a:ext>
+            </a:extLst>
+          </p:cNvPr>
+          <p:cNvGraphicFramePr>
+            <a:graphicFrameLocks noGrp="1"/>
+          </p:cNvGraphicFramePr>
+          <p:nvPr>
+            <p:ph idx="1"/>
+            <p:extLst>
+              <p:ext uri="{D42A27DB-BD31-4B8C-83A1-F6EECF244321}">
+                <p14:modId xmlns:p14="http://schemas.microsoft.com/office/powerpoint/2010/main" val="2561402644"/>
+              </p:ext>
+            </p:extLst>
+          </p:nvPr>
+        </p:nvGraphicFramePr>
+        <p:xfrm>
+          <a:off x="838200" y="1690688"/>
+          <a:ext cx="10515600" cy="4738045"/>
+        </p:xfrm>
+        <a:graphic>
+          <a:graphicData uri="http://schemas.openxmlformats.org/drawingml/2006/table">
+            <a:tbl>
+              <a:tblPr firstRow="1" bandRow="1">
+                <a:tableStyleId>{5C22544A-7EE6-4342-B048-85BDC9FD1C3A}</a:tableStyleId>
+              </a:tblPr>
+              <a:tblGrid>
+                <a:gridCol w="3505200">
+                  <a:extLst>
+                    <a:ext uri="{9D8B030D-6E8A-4147-A177-3AD203B41FA5}">
+                      <a16:colId xmlns:a16="http://schemas.microsoft.com/office/drawing/2014/main" val="3619717162"/>
+                    </a:ext>
+                  </a:extLst>
+                </a:gridCol>
+                <a:gridCol w="3505200">
+                  <a:extLst>
+                    <a:ext uri="{9D8B030D-6E8A-4147-A177-3AD203B41FA5}">
+                      <a16:colId xmlns:a16="http://schemas.microsoft.com/office/drawing/2014/main" val="4177988035"/>
+                    </a:ext>
+                  </a:extLst>
+                </a:gridCol>
+                <a:gridCol w="3505200">
+                  <a:extLst>
+                    <a:ext uri="{9D8B030D-6E8A-4147-A177-3AD203B41FA5}">
+                      <a16:colId xmlns:a16="http://schemas.microsoft.com/office/drawing/2014/main" val="261268800"/>
+                    </a:ext>
+                  </a:extLst>
+                </a:gridCol>
+              </a:tblGrid>
+              <a:tr h="1042329">
+                <a:tc>
+                  <a:txBody>
+                    <a:bodyPr/>
+                    <a:lstStyle/>
+                    <a:p>
+                      <a:pPr lvl="0" algn="ctr"/>
+                      <a:r>
+                        <a:rPr lang="it-IT" dirty="0"/>
+                        <a:t>Method</a:t>
+                      </a:r>
+                    </a:p>
+                  </a:txBody>
+                  <a:tcPr anchor="ctr"/>
+                </a:tc>
+                <a:tc>
+                  <a:txBody>
+                    <a:bodyPr/>
+                    <a:lstStyle/>
+                    <a:p>
+                      <a:pPr lvl="0" algn="ctr"/>
+                      <a:r>
+                        <a:rPr lang="it-IT" dirty="0"/>
+                        <a:t>Real Data - Qualitative</a:t>
+                      </a:r>
+                    </a:p>
+                  </a:txBody>
+                  <a:tcPr anchor="ctr"/>
+                </a:tc>
+                <a:tc>
+                  <a:txBody>
+                    <a:bodyPr/>
+                    <a:lstStyle/>
+                    <a:p>
+                      <a:pPr marL="0" marR="0" lvl="0" indent="0" algn="ctr" defTabSz="914400" rtl="0" eaLnBrk="1" fontAlgn="auto" latinLnBrk="0" hangingPunct="1">
+                        <a:lnSpc>
+                          <a:spcPct val="100000"/>
+                        </a:lnSpc>
+                        <a:spcBef>
+                          <a:spcPts val="0"/>
+                        </a:spcBef>
+                        <a:spcAft>
+                          <a:spcPts val="0"/>
+                        </a:spcAft>
+                        <a:buClrTx/>
+                        <a:buSzTx/>
+                        <a:buFontTx/>
+                        <a:buNone/>
+                        <a:tabLst/>
+                        <a:defRPr/>
+                      </a:pPr>
+                      <a:r>
+                        <a:rPr lang="it-IT" dirty="0" err="1"/>
+                        <a:t>Synthetic</a:t>
+                      </a:r>
+                      <a:r>
+                        <a:rPr lang="it-IT" dirty="0"/>
+                        <a:t> Data - Qualitative</a:t>
+                      </a:r>
+                    </a:p>
+                  </a:txBody>
+                  <a:tcPr anchor="ctr"/>
+                </a:tc>
+                <a:extLst>
+                  <a:ext uri="{0D108BD9-81ED-4DB2-BD59-A6C34878D82A}">
+                    <a16:rowId xmlns:a16="http://schemas.microsoft.com/office/drawing/2014/main" val="244694137"/>
+                  </a:ext>
+                </a:extLst>
+              </a:tr>
+              <a:tr h="603889">
+                <a:tc>
+                  <a:txBody>
+                    <a:bodyPr/>
+                    <a:lstStyle/>
+                    <a:p>
+                      <a:pPr lvl="0" algn="ctr"/>
+                      <a:r>
+                        <a:rPr lang="it-IT" dirty="0"/>
+                        <a:t>Basic</a:t>
+                      </a:r>
+                    </a:p>
+                  </a:txBody>
+                  <a:tcPr anchor="ctr"/>
+                </a:tc>
+                <a:tc>
+                  <a:txBody>
+                    <a:bodyPr/>
+                    <a:lstStyle/>
+                    <a:p>
+                      <a:pPr lvl="0" algn="ctr"/>
+                      <a:r>
+                        <a:rPr lang="it-IT" dirty="0" err="1"/>
+                        <a:t>Worse</a:t>
+                      </a:r>
+                      <a:r>
+                        <a:rPr lang="it-IT" dirty="0"/>
+                        <a:t> </a:t>
+                      </a:r>
+                      <a:r>
+                        <a:rPr lang="it-IT" dirty="0" err="1"/>
+                        <a:t>than</a:t>
+                      </a:r>
+                      <a:r>
+                        <a:rPr lang="it-IT" dirty="0"/>
+                        <a:t> the </a:t>
+                      </a:r>
+                      <a:r>
+                        <a:rPr lang="it-IT" dirty="0" err="1"/>
+                        <a:t>others</a:t>
+                      </a:r>
+                      <a:r>
+                        <a:rPr lang="it-IT" dirty="0"/>
+                        <a:t> in some </a:t>
+                      </a:r>
+                      <a:r>
+                        <a:rPr lang="it-IT" dirty="0" err="1"/>
+                        <a:t>cases</a:t>
+                      </a:r>
+                      <a:endParaRPr lang="it-IT" dirty="0"/>
+                    </a:p>
+                  </a:txBody>
+                  <a:tcPr anchor="ctr"/>
+                </a:tc>
+                <a:tc>
+                  <a:txBody>
+                    <a:bodyPr/>
+                    <a:lstStyle/>
+                    <a:p>
+                      <a:pPr lvl="0" algn="ctr"/>
+                      <a:endParaRPr lang="it-IT" dirty="0"/>
+                    </a:p>
+                  </a:txBody>
+                  <a:tcPr anchor="ctr"/>
+                </a:tc>
+                <a:extLst>
+                  <a:ext uri="{0D108BD9-81ED-4DB2-BD59-A6C34878D82A}">
+                    <a16:rowId xmlns:a16="http://schemas.microsoft.com/office/drawing/2014/main" val="601876623"/>
+                  </a:ext>
+                </a:extLst>
+              </a:tr>
+              <a:tr h="603889">
+                <a:tc>
+                  <a:txBody>
+                    <a:bodyPr/>
+                    <a:lstStyle/>
+                    <a:p>
+                      <a:pPr lvl="0" algn="ctr"/>
+                      <a:r>
+                        <a:rPr lang="it-IT" dirty="0"/>
+                        <a:t>Simple-</a:t>
+                      </a:r>
+                      <a:r>
+                        <a:rPr lang="it-IT" dirty="0" err="1"/>
+                        <a:t>Graph</a:t>
+                      </a:r>
+                      <a:endParaRPr lang="it-IT" dirty="0"/>
+                    </a:p>
+                  </a:txBody>
+                  <a:tcPr anchor="ctr"/>
+                </a:tc>
+                <a:tc>
+                  <a:txBody>
+                    <a:bodyPr/>
+                    <a:lstStyle/>
+                    <a:p>
+                      <a:pPr lvl="0" algn="ctr"/>
+                      <a:r>
+                        <a:rPr lang="it-IT" dirty="0"/>
+                        <a:t>Good</a:t>
+                      </a:r>
+                    </a:p>
+                  </a:txBody>
+                  <a:tcPr anchor="ctr"/>
+                </a:tc>
+                <a:tc>
+                  <a:txBody>
+                    <a:bodyPr/>
+                    <a:lstStyle/>
+                    <a:p>
+                      <a:pPr lvl="0" algn="ctr"/>
+                      <a:endParaRPr lang="it-IT" dirty="0"/>
+                    </a:p>
+                  </a:txBody>
+                  <a:tcPr anchor="ctr"/>
+                </a:tc>
+                <a:extLst>
+                  <a:ext uri="{0D108BD9-81ED-4DB2-BD59-A6C34878D82A}">
+                    <a16:rowId xmlns:a16="http://schemas.microsoft.com/office/drawing/2014/main" val="1680516355"/>
+                  </a:ext>
+                </a:extLst>
+              </a:tr>
+              <a:tr h="603889">
+                <a:tc>
+                  <a:txBody>
+                    <a:bodyPr/>
+                    <a:lstStyle/>
+                    <a:p>
+                      <a:pPr lvl="0" algn="ctr"/>
+                      <a:r>
+                        <a:rPr lang="it-IT" dirty="0"/>
+                        <a:t>Edge-</a:t>
+                      </a:r>
+                      <a:r>
+                        <a:rPr lang="it-IT" dirty="0" err="1"/>
+                        <a:t>Averaging</a:t>
+                      </a:r>
+                      <a:endParaRPr lang="it-IT" dirty="0"/>
+                    </a:p>
+                  </a:txBody>
+                  <a:tcPr anchor="ctr"/>
+                </a:tc>
+                <a:tc>
+                  <a:txBody>
+                    <a:bodyPr/>
+                    <a:lstStyle/>
+                    <a:p>
+                      <a:pPr lvl="0" algn="ctr"/>
+                      <a:r>
+                        <a:rPr lang="it-IT" dirty="0"/>
+                        <a:t>Good</a:t>
+                      </a:r>
+                    </a:p>
+                  </a:txBody>
+                  <a:tcPr anchor="ctr"/>
+                </a:tc>
+                <a:tc>
+                  <a:txBody>
+                    <a:bodyPr/>
+                    <a:lstStyle/>
+                    <a:p>
+                      <a:pPr lvl="0" algn="ctr"/>
+                      <a:r>
+                        <a:rPr lang="it-IT" dirty="0"/>
+                        <a:t>Best</a:t>
+                      </a:r>
+                    </a:p>
+                  </a:txBody>
+                  <a:tcPr anchor="ctr"/>
+                </a:tc>
+                <a:extLst>
+                  <a:ext uri="{0D108BD9-81ED-4DB2-BD59-A6C34878D82A}">
+                    <a16:rowId xmlns:a16="http://schemas.microsoft.com/office/drawing/2014/main" val="3138711893"/>
+                  </a:ext>
+                </a:extLst>
+              </a:tr>
+              <a:tr h="603889">
+                <a:tc>
+                  <a:txBody>
+                    <a:bodyPr/>
+                    <a:lstStyle/>
+                    <a:p>
+                      <a:pPr lvl="0" algn="ctr"/>
+                      <a:r>
+                        <a:rPr lang="it-IT" dirty="0"/>
+                        <a:t>Multi-</a:t>
+                      </a:r>
+                      <a:r>
+                        <a:rPr lang="it-IT" dirty="0" err="1"/>
+                        <a:t>Graph</a:t>
+                      </a:r>
+                      <a:endParaRPr lang="it-IT" dirty="0"/>
+                    </a:p>
+                  </a:txBody>
+                  <a:tcPr anchor="ctr"/>
+                </a:tc>
+                <a:tc>
+                  <a:txBody>
+                    <a:bodyPr/>
+                    <a:lstStyle/>
+                    <a:p>
+                      <a:pPr lvl="0" algn="ctr"/>
+                      <a:r>
+                        <a:rPr lang="it-IT" dirty="0"/>
+                        <a:t>Good</a:t>
+                      </a:r>
+                    </a:p>
+                  </a:txBody>
+                  <a:tcPr anchor="ctr"/>
+                </a:tc>
+                <a:tc>
+                  <a:txBody>
+                    <a:bodyPr/>
+                    <a:lstStyle/>
+                    <a:p>
+                      <a:pPr lvl="0" algn="ctr"/>
+                      <a:r>
+                        <a:rPr lang="it-IT" dirty="0"/>
+                        <a:t>Best</a:t>
+                      </a:r>
+                    </a:p>
+                  </a:txBody>
+                  <a:tcPr anchor="ctr"/>
+                </a:tc>
+                <a:extLst>
+                  <a:ext uri="{0D108BD9-81ED-4DB2-BD59-A6C34878D82A}">
+                    <a16:rowId xmlns:a16="http://schemas.microsoft.com/office/drawing/2014/main" val="2923011995"/>
+                  </a:ext>
+                </a:extLst>
+              </a:tr>
+              <a:tr h="603889">
+                <a:tc>
+                  <a:txBody>
+                    <a:bodyPr/>
+                    <a:lstStyle/>
+                    <a:p>
+                      <a:pPr lvl="0" algn="ctr"/>
+                      <a:r>
+                        <a:rPr lang="it-IT" dirty="0"/>
+                        <a:t>Multi-Patch</a:t>
+                      </a:r>
+                    </a:p>
+                  </a:txBody>
+                  <a:tcPr anchor="ctr"/>
+                </a:tc>
+                <a:tc>
+                  <a:txBody>
+                    <a:bodyPr/>
+                    <a:lstStyle/>
+                    <a:p>
+                      <a:pPr marL="0" marR="0" lvl="0" indent="0" algn="ctr" defTabSz="914400" rtl="0" eaLnBrk="1" fontAlgn="auto" latinLnBrk="0" hangingPunct="1">
+                        <a:lnSpc>
+                          <a:spcPct val="100000"/>
+                        </a:lnSpc>
+                        <a:spcBef>
+                          <a:spcPts val="0"/>
+                        </a:spcBef>
+                        <a:spcAft>
+                          <a:spcPts val="0"/>
+                        </a:spcAft>
+                        <a:buClrTx/>
+                        <a:buSzTx/>
+                        <a:buFontTx/>
+                        <a:buNone/>
+                        <a:tabLst/>
+                        <a:defRPr/>
+                      </a:pPr>
+                      <a:r>
+                        <a:rPr lang="it-IT" dirty="0" err="1"/>
+                        <a:t>Worse</a:t>
+                      </a:r>
+                      <a:r>
+                        <a:rPr lang="it-IT" dirty="0"/>
+                        <a:t> </a:t>
+                      </a:r>
+                      <a:r>
+                        <a:rPr lang="it-IT" dirty="0" err="1"/>
+                        <a:t>than</a:t>
+                      </a:r>
+                      <a:r>
+                        <a:rPr lang="it-IT" dirty="0"/>
+                        <a:t> the </a:t>
+                      </a:r>
+                      <a:r>
+                        <a:rPr lang="it-IT" dirty="0" err="1"/>
+                        <a:t>others</a:t>
+                      </a:r>
+                      <a:r>
+                        <a:rPr lang="it-IT" dirty="0"/>
+                        <a:t> in some </a:t>
+                      </a:r>
+                      <a:r>
+                        <a:rPr lang="it-IT" dirty="0" err="1"/>
+                        <a:t>cases</a:t>
+                      </a:r>
+                      <a:endParaRPr lang="it-IT" dirty="0"/>
+                    </a:p>
+                  </a:txBody>
+                  <a:tcPr anchor="ctr"/>
+                </a:tc>
+                <a:tc>
+                  <a:txBody>
+                    <a:bodyPr/>
+                    <a:lstStyle/>
+                    <a:p>
+                      <a:pPr lvl="0" algn="ctr"/>
+                      <a:r>
+                        <a:rPr lang="it-IT" dirty="0" err="1"/>
+                        <a:t>Worst</a:t>
+                      </a:r>
+                      <a:endParaRPr lang="it-IT" dirty="0"/>
+                    </a:p>
+                  </a:txBody>
+                  <a:tcPr anchor="ctr"/>
+                </a:tc>
+                <a:extLst>
+                  <a:ext uri="{0D108BD9-81ED-4DB2-BD59-A6C34878D82A}">
+                    <a16:rowId xmlns:a16="http://schemas.microsoft.com/office/drawing/2014/main" val="2621733972"/>
+                  </a:ext>
+                </a:extLst>
+              </a:tr>
+              <a:tr h="603889">
+                <a:tc>
+                  <a:txBody>
+                    <a:bodyPr/>
+                    <a:lstStyle/>
+                    <a:p>
+                      <a:pPr lvl="0" algn="ctr"/>
+                      <a:r>
+                        <a:rPr lang="it-IT" dirty="0"/>
+                        <a:t>Edge-</a:t>
+                      </a:r>
+                      <a:r>
+                        <a:rPr lang="it-IT" dirty="0" err="1"/>
+                        <a:t>Averaging</a:t>
+                      </a:r>
+                      <a:r>
+                        <a:rPr lang="it-IT" dirty="0"/>
+                        <a:t> Patch</a:t>
+                      </a:r>
+                    </a:p>
+                  </a:txBody>
+                  <a:tcPr anchor="ctr"/>
+                </a:tc>
+                <a:tc>
+                  <a:txBody>
+                    <a:bodyPr/>
+                    <a:lstStyle/>
+                    <a:p>
+                      <a:pPr lvl="0" algn="ctr"/>
+                      <a:r>
+                        <a:rPr lang="it-IT" dirty="0"/>
+                        <a:t>Good</a:t>
+                      </a:r>
+                    </a:p>
+                  </a:txBody>
+                  <a:tcPr anchor="ctr"/>
+                </a:tc>
+                <a:tc>
+                  <a:txBody>
+                    <a:bodyPr/>
+                    <a:lstStyle/>
+                    <a:p>
+                      <a:pPr lvl="0" algn="ctr"/>
+                      <a:endParaRPr lang="it-IT" dirty="0"/>
+                    </a:p>
+                  </a:txBody>
+                  <a:tcPr anchor="ctr"/>
+                </a:tc>
+                <a:extLst>
+                  <a:ext uri="{0D108BD9-81ED-4DB2-BD59-A6C34878D82A}">
+                    <a16:rowId xmlns:a16="http://schemas.microsoft.com/office/drawing/2014/main" val="1772373388"/>
+                  </a:ext>
+                </a:extLst>
+              </a:tr>
+            </a:tbl>
+          </a:graphicData>
+        </a:graphic>
+      </p:graphicFrame>
+      <p:sp>
+        <p:nvSpPr>
+          <p:cNvPr id="4" name="Segnaposto numero diapositiva 3">
+            <a:extLst>
+              <a:ext uri="{FF2B5EF4-FFF2-40B4-BE49-F238E27FC236}">
+                <a16:creationId xmlns:a16="http://schemas.microsoft.com/office/drawing/2014/main" id="{5E98BC4A-D763-4ECE-BC32-D1D3037F3EBF}"/>
+              </a:ext>
+            </a:extLst>
+          </p:cNvPr>
+          <p:cNvSpPr>
+            <a:spLocks noGrp="1"/>
+          </p:cNvSpPr>
+          <p:nvPr>
+            <p:ph type="sldNum" sz="quarter" idx="12"/>
+          </p:nvPr>
+        </p:nvSpPr>
+        <p:spPr/>
+        <p:txBody>
+          <a:bodyPr/>
+          <a:lstStyle/>
+          <a:p>
+            <a:fld id="{20167E32-692D-406A-B56C-4D271B4CF259}" type="slidenum">
+              <a:rPr lang="it-IT" smtClean="0"/>
+              <a:t>17</a:t>
+            </a:fld>
+            <a:endParaRPr lang="it-IT"/>
+          </a:p>
+        </p:txBody>
+      </p:sp>
+    </p:spTree>
+    <p:extLst>
+      <p:ext uri="{BB962C8B-B14F-4D97-AF65-F5344CB8AC3E}">
+        <p14:creationId xmlns:p14="http://schemas.microsoft.com/office/powerpoint/2010/main" val="2198883873"/>
+      </p:ext>
+    </p:extLst>
+  </p:cSld>
+  <p:clrMapOvr>
+    <a:masterClrMapping/>
+  </p:clrMapOvr>
+</p:sld>
+</file>
+
+<file path=ppt/slides/slide18.xml><?xml version="1.0" encoding="utf-8"?>
+<p:sld xmlns:a="http://schemas.openxmlformats.org/drawingml/2006/main" xmlns:r="http://schemas.openxmlformats.org/officeDocument/2006/relationships" xmlns:p="http://schemas.openxmlformats.org/presentationml/2006/main">
+  <p:cSld>
+    <p:spTree>
+      <p:nvGrpSpPr>
+        <p:cNvPr id="1" name=""/>
+        <p:cNvGrpSpPr/>
+        <p:nvPr/>
+      </p:nvGrpSpPr>
+      <p:grpSpPr>
+        <a:xfrm>
+          <a:off x="0" y="0"/>
+          <a:ext cx="0" cy="0"/>
+          <a:chOff x="0" y="0"/>
+          <a:chExt cx="0" cy="0"/>
+        </a:xfrm>
+      </p:grpSpPr>
+      <p:sp>
+        <p:nvSpPr>
+          <p:cNvPr id="3" name="Segnaposto contenuto 2">
+            <a:extLst>
+              <a:ext uri="{FF2B5EF4-FFF2-40B4-BE49-F238E27FC236}">
+                <a16:creationId xmlns:a16="http://schemas.microsoft.com/office/drawing/2014/main" id="{17F98153-6C92-4E74-99FF-42FEF4D25699}"/>
+              </a:ext>
+            </a:extLst>
+          </p:cNvPr>
+          <p:cNvSpPr>
+            <a:spLocks noGrp="1"/>
+          </p:cNvSpPr>
+          <p:nvPr>
+            <p:ph idx="1"/>
+          </p:nvPr>
+        </p:nvSpPr>
+        <p:spPr/>
+        <p:txBody>
+          <a:bodyPr/>
+          <a:lstStyle/>
+          <a:p>
+            <a:pPr marL="0" indent="0">
+              <a:buNone/>
+            </a:pPr>
+            <a:r>
+              <a:rPr lang="it-IT" dirty="0"/>
+              <a:t>Thanks for the </a:t>
+            </a:r>
+            <a:r>
+              <a:rPr lang="it-IT" dirty="0" err="1"/>
+              <a:t>attention</a:t>
+            </a:r>
+            <a:r>
+              <a:rPr lang="it-IT" dirty="0"/>
+              <a:t>!</a:t>
+            </a:r>
+          </a:p>
+        </p:txBody>
+      </p:sp>
+      <p:sp>
+        <p:nvSpPr>
+          <p:cNvPr id="4" name="Segnaposto numero diapositiva 3">
+            <a:extLst>
+              <a:ext uri="{FF2B5EF4-FFF2-40B4-BE49-F238E27FC236}">
+                <a16:creationId xmlns:a16="http://schemas.microsoft.com/office/drawing/2014/main" id="{DB90A12C-72E7-42F5-93A0-5C517DE694DD}"/>
+              </a:ext>
+            </a:extLst>
+          </p:cNvPr>
+          <p:cNvSpPr>
+            <a:spLocks noGrp="1"/>
+          </p:cNvSpPr>
+          <p:nvPr>
+            <p:ph type="sldNum" sz="quarter" idx="12"/>
+          </p:nvPr>
+        </p:nvSpPr>
+        <p:spPr/>
+        <p:txBody>
+          <a:bodyPr/>
+          <a:lstStyle/>
+          <a:p>
+            <a:fld id="{20167E32-692D-406A-B56C-4D271B4CF259}" type="slidenum">
+              <a:rPr lang="it-IT" smtClean="0"/>
+              <a:t>18</a:t>
+            </a:fld>
+            <a:endParaRPr lang="it-IT"/>
+          </a:p>
+        </p:txBody>
+      </p:sp>
+    </p:spTree>
+    <p:extLst>
+      <p:ext uri="{BB962C8B-B14F-4D97-AF65-F5344CB8AC3E}">
+        <p14:creationId xmlns:p14="http://schemas.microsoft.com/office/powerpoint/2010/main" val="2430723475"/>
       </p:ext>
     </p:extLst>
   </p:cSld>
@@ -4114,6 +7477,35 @@
               <a:t>Alignment</a:t>
             </a:r>
             <a:endParaRPr lang="it-IT" dirty="0"/>
+          </a:p>
+        </p:txBody>
+      </p:sp>
+      <p:sp>
+        <p:nvSpPr>
+          <p:cNvPr id="4" name="Segnaposto numero diapositiva 3">
+            <a:extLst>
+              <a:ext uri="{FF2B5EF4-FFF2-40B4-BE49-F238E27FC236}">
+                <a16:creationId xmlns:a16="http://schemas.microsoft.com/office/drawing/2014/main" id="{2AA383B5-FEE4-4680-9436-6584BB13DC91}"/>
+              </a:ext>
+            </a:extLst>
+          </p:cNvPr>
+          <p:cNvSpPr>
+            <a:spLocks noGrp="1"/>
+          </p:cNvSpPr>
+          <p:nvPr>
+            <p:ph type="sldNum" sz="quarter" idx="12"/>
+          </p:nvPr>
+        </p:nvSpPr>
+        <p:spPr/>
+        <p:txBody>
+          <a:bodyPr/>
+          <a:lstStyle/>
+          <a:p>
+            <a:fld id="{20167E32-692D-406A-B56C-4D271B4CF259}" type="slidenum">
+              <a:rPr lang="it-IT" smtClean="0"/>
+              <a:t>2</a:t>
+            </a:fld>
+            <a:endParaRPr lang="it-IT"/>
           </a:p>
         </p:txBody>
       </p:sp>
@@ -4264,6 +7656,35 @@
           </a:p>
         </p:txBody>
       </p:sp>
+      <p:sp>
+        <p:nvSpPr>
+          <p:cNvPr id="4" name="Segnaposto numero diapositiva 3">
+            <a:extLst>
+              <a:ext uri="{FF2B5EF4-FFF2-40B4-BE49-F238E27FC236}">
+                <a16:creationId xmlns:a16="http://schemas.microsoft.com/office/drawing/2014/main" id="{8C9C2126-2F87-40E6-AFFB-48D21A44D985}"/>
+              </a:ext>
+            </a:extLst>
+          </p:cNvPr>
+          <p:cNvSpPr>
+            <a:spLocks noGrp="1"/>
+          </p:cNvSpPr>
+          <p:nvPr>
+            <p:ph type="sldNum" sz="quarter" idx="12"/>
+          </p:nvPr>
+        </p:nvSpPr>
+        <p:spPr/>
+        <p:txBody>
+          <a:bodyPr/>
+          <a:lstStyle/>
+          <a:p>
+            <a:fld id="{20167E32-692D-406A-B56C-4D271B4CF259}" type="slidenum">
+              <a:rPr lang="it-IT" smtClean="0"/>
+              <a:t>3</a:t>
+            </a:fld>
+            <a:endParaRPr lang="it-IT"/>
+          </a:p>
+        </p:txBody>
+      </p:sp>
     </p:spTree>
     <p:extLst>
       <p:ext uri="{BB962C8B-B14F-4D97-AF65-F5344CB8AC3E}">
@@ -4429,6 +7850,35 @@
           </a:p>
         </p:txBody>
       </p:sp>
+      <p:sp>
+        <p:nvSpPr>
+          <p:cNvPr id="4" name="Segnaposto numero diapositiva 3">
+            <a:extLst>
+              <a:ext uri="{FF2B5EF4-FFF2-40B4-BE49-F238E27FC236}">
+                <a16:creationId xmlns:a16="http://schemas.microsoft.com/office/drawing/2014/main" id="{D7B69AB1-5563-493B-B078-05CC85D5C1EA}"/>
+              </a:ext>
+            </a:extLst>
+          </p:cNvPr>
+          <p:cNvSpPr>
+            <a:spLocks noGrp="1"/>
+          </p:cNvSpPr>
+          <p:nvPr>
+            <p:ph type="sldNum" sz="quarter" idx="12"/>
+          </p:nvPr>
+        </p:nvSpPr>
+        <p:spPr/>
+        <p:txBody>
+          <a:bodyPr/>
+          <a:lstStyle/>
+          <a:p>
+            <a:fld id="{20167E32-692D-406A-B56C-4D271B4CF259}" type="slidenum">
+              <a:rPr lang="it-IT" smtClean="0"/>
+              <a:t>4</a:t>
+            </a:fld>
+            <a:endParaRPr lang="it-IT"/>
+          </a:p>
+        </p:txBody>
+      </p:sp>
     </p:spTree>
     <p:extLst>
       <p:ext uri="{BB962C8B-B14F-4D97-AF65-F5344CB8AC3E}">
@@ -4513,7 +7963,7 @@
               <a:buNone/>
             </a:pPr>
             <a:r>
-              <a:rPr lang="it-IT"/>
+              <a:rPr lang="it-IT" dirty="0" err="1"/>
               <a:t>Graph-Representation</a:t>
             </a:r>
             <a:endParaRPr lang="it-IT" dirty="0"/>
@@ -4535,7 +7985,7 @@
           <p:nvPr/>
         </p:nvPicPr>
         <p:blipFill>
-          <a:blip r:embed="rId2">
+          <a:blip r:embed="rId3">
             <a:extLst>
               <a:ext uri="{28A0092B-C50C-407E-A947-70E740481C1C}">
                 <a14:useLocalDpi xmlns:a14="http://schemas.microsoft.com/office/drawing/2010/main" val="0"/>
@@ -4567,6 +8017,35 @@
           </a:extLst>
         </p:spPr>
       </p:pic>
+      <p:sp>
+        <p:nvSpPr>
+          <p:cNvPr id="4" name="Segnaposto numero diapositiva 3">
+            <a:extLst>
+              <a:ext uri="{FF2B5EF4-FFF2-40B4-BE49-F238E27FC236}">
+                <a16:creationId xmlns:a16="http://schemas.microsoft.com/office/drawing/2014/main" id="{4BACAC0B-1EF5-4336-B4DC-CE5BD223F5D0}"/>
+              </a:ext>
+            </a:extLst>
+          </p:cNvPr>
+          <p:cNvSpPr>
+            <a:spLocks noGrp="1"/>
+          </p:cNvSpPr>
+          <p:nvPr>
+            <p:ph type="sldNum" sz="quarter" idx="12"/>
+          </p:nvPr>
+        </p:nvSpPr>
+        <p:spPr/>
+        <p:txBody>
+          <a:bodyPr/>
+          <a:lstStyle/>
+          <a:p>
+            <a:fld id="{20167E32-692D-406A-B56C-4D271B4CF259}" type="slidenum">
+              <a:rPr lang="it-IT" smtClean="0"/>
+              <a:t>5</a:t>
+            </a:fld>
+            <a:endParaRPr lang="it-IT"/>
+          </a:p>
+        </p:txBody>
+      </p:sp>
     </p:spTree>
     <p:extLst>
       <p:ext uri="{BB962C8B-B14F-4D97-AF65-F5344CB8AC3E}">
@@ -4711,6 +8190,35 @@
           </a:p>
         </p:txBody>
       </p:sp>
+      <p:sp>
+        <p:nvSpPr>
+          <p:cNvPr id="4" name="Segnaposto numero diapositiva 3">
+            <a:extLst>
+              <a:ext uri="{FF2B5EF4-FFF2-40B4-BE49-F238E27FC236}">
+                <a16:creationId xmlns:a16="http://schemas.microsoft.com/office/drawing/2014/main" id="{4890BB73-1BF2-466F-932B-C41C5097146D}"/>
+              </a:ext>
+            </a:extLst>
+          </p:cNvPr>
+          <p:cNvSpPr>
+            <a:spLocks noGrp="1"/>
+          </p:cNvSpPr>
+          <p:nvPr>
+            <p:ph type="sldNum" sz="quarter" idx="12"/>
+          </p:nvPr>
+        </p:nvSpPr>
+        <p:spPr/>
+        <p:txBody>
+          <a:bodyPr/>
+          <a:lstStyle/>
+          <a:p>
+            <a:fld id="{20167E32-692D-406A-B56C-4D271B4CF259}" type="slidenum">
+              <a:rPr lang="it-IT" smtClean="0"/>
+              <a:t>6</a:t>
+            </a:fld>
+            <a:endParaRPr lang="it-IT"/>
+          </a:p>
+        </p:txBody>
+      </p:sp>
     </p:spTree>
     <p:extLst>
       <p:ext uri="{BB962C8B-B14F-4D97-AF65-F5344CB8AC3E}">
@@ -4727,17 +8235,6 @@
 <file path=ppt/slides/slide7.xml><?xml version="1.0" encoding="utf-8"?>
 <p:sld xmlns:a="http://schemas.openxmlformats.org/drawingml/2006/main" xmlns:r="http://schemas.openxmlformats.org/officeDocument/2006/relationships" xmlns:p="http://schemas.openxmlformats.org/presentationml/2006/main">
   <p:cSld>
-    <p:bg>
-      <p:bgPr>
-        <a:solidFill>
-          <a:schemeClr val="bg1">
-            <a:tint val="95000"/>
-            <a:satMod val="170000"/>
-          </a:schemeClr>
-        </a:solidFill>
-        <a:effectLst/>
-      </p:bgPr>
-    </p:bg>
     <p:spTree>
       <p:nvGrpSpPr>
         <p:cNvPr id="1" name=""/>
@@ -4757,7 +8254,7 @@
           <p:cNvPr id="2" name="Titolo 1">
             <a:extLst>
               <a:ext uri="{FF2B5EF4-FFF2-40B4-BE49-F238E27FC236}">
-                <a16:creationId xmlns:a16="http://schemas.microsoft.com/office/drawing/2014/main" id="{6AC4D26B-0850-409B-8C9F-B0854E3BD8B6}"/>
+                <a16:creationId xmlns:a16="http://schemas.microsoft.com/office/drawing/2014/main" id="{2B61D207-AF3E-4A9A-8C13-DC6A244EE70E}"/>
               </a:ext>
             </a:extLst>
           </p:cNvPr>
@@ -4766,372 +8263,882 @@
           </p:cNvSpPr>
           <p:nvPr>
             <p:ph type="title"/>
+          </p:nvPr>
+        </p:nvSpPr>
+        <p:spPr/>
+        <p:txBody>
+          <a:bodyPr/>
+          <a:lstStyle/>
+          <a:p>
+            <a:r>
+              <a:rPr lang="it-IT" dirty="0"/>
+              <a:t>Basic </a:t>
+            </a:r>
+            <a:r>
+              <a:rPr lang="it-IT" dirty="0" err="1"/>
+              <a:t>Approach</a:t>
+            </a:r>
+            <a:endParaRPr lang="it-IT" dirty="0"/>
+          </a:p>
+        </p:txBody>
+      </p:sp>
+      <p:sp>
+        <p:nvSpPr>
+          <p:cNvPr id="4" name="Segnaposto numero diapositiva 3">
+            <a:extLst>
+              <a:ext uri="{FF2B5EF4-FFF2-40B4-BE49-F238E27FC236}">
+                <a16:creationId xmlns:a16="http://schemas.microsoft.com/office/drawing/2014/main" id="{B8E3E1DF-C397-4B7E-84E1-94B1BD1AE63E}"/>
+              </a:ext>
+            </a:extLst>
+          </p:cNvPr>
+          <p:cNvSpPr>
+            <a:spLocks noGrp="1"/>
+          </p:cNvSpPr>
+          <p:nvPr>
+            <p:ph type="sldNum" sz="quarter" idx="12"/>
+          </p:nvPr>
+        </p:nvSpPr>
+        <p:spPr/>
+        <p:txBody>
+          <a:bodyPr/>
+          <a:lstStyle/>
+          <a:p>
+            <a:fld id="{20167E32-692D-406A-B56C-4D271B4CF259}" type="slidenum">
+              <a:rPr lang="it-IT" smtClean="0"/>
+              <a:t>7</a:t>
+            </a:fld>
+            <a:endParaRPr lang="it-IT"/>
+          </a:p>
+        </p:txBody>
+      </p:sp>
+      <p:sp>
+        <p:nvSpPr>
+          <p:cNvPr id="3" name="Segnaposto contenuto 2">
+            <a:extLst>
+              <a:ext uri="{FF2B5EF4-FFF2-40B4-BE49-F238E27FC236}">
+                <a16:creationId xmlns:a16="http://schemas.microsoft.com/office/drawing/2014/main" id="{10F7524F-20D0-428A-8651-15BA27FC6E6E}"/>
+              </a:ext>
+            </a:extLst>
+          </p:cNvPr>
+          <p:cNvSpPr>
+            <a:spLocks noGrp="1"/>
+          </p:cNvSpPr>
+          <p:nvPr>
+            <p:ph idx="1"/>
           </p:nvPr>
         </p:nvSpPr>
         <p:spPr>
           <a:xfrm>
-            <a:off x="7464614" y="1783959"/>
-            <a:ext cx="4087306" cy="2889114"/>
+            <a:off x="838200" y="1825625"/>
+            <a:ext cx="10515600" cy="1852295"/>
           </a:xfrm>
         </p:spPr>
         <p:txBody>
-          <a:bodyPr vert="horz" lIns="91440" tIns="45720" rIns="91440" bIns="45720" rtlCol="0" anchor="b">
-            <a:normAutofit/>
-          </a:bodyPr>
-          <a:lstStyle/>
-          <a:p>
-            <a:r>
-              <a:rPr lang="en-US" sz="5400" b="1"/>
-              <a:t>Basic</a:t>
-            </a:r>
-            <a:r>
-              <a:rPr lang="en-US" sz="5400"/>
-              <a:t> Approach</a:t>
-            </a:r>
-          </a:p>
-        </p:txBody>
-      </p:sp>
-      <p:sp>
-        <p:nvSpPr>
-          <p:cNvPr id="3" name="Segnaposto contenuto 2">
-            <a:extLst>
-              <a:ext uri="{FF2B5EF4-FFF2-40B4-BE49-F238E27FC236}">
-                <a16:creationId xmlns:a16="http://schemas.microsoft.com/office/drawing/2014/main" id="{1717FE90-052C-495C-8019-78F0489C9072}"/>
-              </a:ext>
-            </a:extLst>
-          </p:cNvPr>
-          <p:cNvSpPr>
-            <a:spLocks noGrp="1"/>
-          </p:cNvSpPr>
-          <p:nvPr>
-            <p:ph idx="1"/>
-          </p:nvPr>
-        </p:nvSpPr>
-        <p:spPr>
-          <a:xfrm>
-            <a:off x="7464612" y="4750893"/>
-            <a:ext cx="4087305" cy="1147863"/>
-          </a:xfrm>
-        </p:spPr>
-        <p:txBody>
-          <a:bodyPr vert="horz" lIns="91440" tIns="45720" rIns="91440" bIns="45720" rtlCol="0" anchor="t">
-            <a:normAutofit/>
-          </a:bodyPr>
+          <a:bodyPr/>
           <a:lstStyle/>
           <a:p>
             <a:pPr marL="0" indent="0">
               <a:buNone/>
             </a:pPr>
             <a:r>
-              <a:rPr lang="en-US" sz="2000" dirty="0"/>
-              <a:t>Compute Maximum Spanning Tree</a:t>
-            </a:r>
-          </a:p>
-        </p:txBody>
-      </p:sp>
-      <p:sp>
-        <p:nvSpPr>
-          <p:cNvPr id="9" name="Freeform: Shape 8">
-            <a:extLst>
-              <a:ext uri="{FF2B5EF4-FFF2-40B4-BE49-F238E27FC236}">
-                <a16:creationId xmlns:a16="http://schemas.microsoft.com/office/drawing/2014/main" id="{E49CC64F-7275-4E33-961B-0C5CDC439875}"/>
-              </a:ext>
-              <a:ext uri="{C183D7F6-B498-43B3-948B-1728B52AA6E4}">
-                <adec:decorative xmlns:adec="http://schemas.microsoft.com/office/drawing/2017/decorative" val="1"/>
-              </a:ext>
-            </a:extLst>
-          </p:cNvPr>
-          <p:cNvSpPr>
-            <a:spLocks noGrp="1" noRot="1" noChangeAspect="1" noMove="1" noResize="1" noEditPoints="1" noAdjustHandles="1" noChangeArrowheads="1" noChangeShapeType="1" noTextEdit="1"/>
-          </p:cNvSpPr>
-          <p:nvPr>
-            <p:extLst>
-              <p:ext uri="{386F3935-93C4-4BCD-93E2-E3B085C9AB24}">
-                <p16:designElem xmlns:p16="http://schemas.microsoft.com/office/powerpoint/2015/main" val="1"/>
-              </p:ext>
-            </p:extLst>
-          </p:nvPr>
-        </p:nvSpPr>
-        <p:spPr>
-          <a:xfrm flipH="1" flipV="1">
-            <a:off x="1" y="0"/>
-            <a:ext cx="7188051" cy="6858000"/>
-          </a:xfrm>
-          <a:custGeom>
-            <a:avLst/>
-            <a:gdLst>
-              <a:gd name="connsiteX0" fmla="*/ 7188051 w 7188051"/>
-              <a:gd name="connsiteY0" fmla="*/ 6858000 h 6858000"/>
-              <a:gd name="connsiteX1" fmla="*/ 108694 w 7188051"/>
-              <a:gd name="connsiteY1" fmla="*/ 6858000 h 6858000"/>
-              <a:gd name="connsiteX2" fmla="*/ 79127 w 7188051"/>
-              <a:gd name="connsiteY2" fmla="*/ 6681235 h 6858000"/>
-              <a:gd name="connsiteX3" fmla="*/ 0 w 7188051"/>
-              <a:gd name="connsiteY3" fmla="*/ 5565888 h 6858000"/>
-              <a:gd name="connsiteX4" fmla="*/ 2190696 w 7188051"/>
-              <a:gd name="connsiteY4" fmla="*/ 145339 h 6858000"/>
-              <a:gd name="connsiteX5" fmla="*/ 2339431 w 7188051"/>
-              <a:gd name="connsiteY5" fmla="*/ 0 h 6858000"/>
-              <a:gd name="connsiteX6" fmla="*/ 7188051 w 7188051"/>
-              <a:gd name="connsiteY6" fmla="*/ 0 h 6858000"/>
-            </a:gdLst>
-            <a:ahLst/>
-            <a:cxnLst>
-              <a:cxn ang="0">
-                <a:pos x="connsiteX0" y="connsiteY0"/>
-              </a:cxn>
-              <a:cxn ang="0">
-                <a:pos x="connsiteX1" y="connsiteY1"/>
-              </a:cxn>
-              <a:cxn ang="0">
-                <a:pos x="connsiteX2" y="connsiteY2"/>
-              </a:cxn>
-              <a:cxn ang="0">
-                <a:pos x="connsiteX3" y="connsiteY3"/>
-              </a:cxn>
-              <a:cxn ang="0">
-                <a:pos x="connsiteX4" y="connsiteY4"/>
-              </a:cxn>
-              <a:cxn ang="0">
-                <a:pos x="connsiteX5" y="connsiteY5"/>
-              </a:cxn>
-              <a:cxn ang="0">
-                <a:pos x="connsiteX6" y="connsiteY6"/>
-              </a:cxn>
-            </a:cxnLst>
-            <a:rect l="l" t="t" r="r" b="b"/>
-            <a:pathLst>
-              <a:path w="7188051" h="6858000">
-                <a:moveTo>
-                  <a:pt x="7188051" y="6858000"/>
-                </a:moveTo>
-                <a:lnTo>
-                  <a:pt x="108694" y="6858000"/>
-                </a:lnTo>
-                <a:lnTo>
-                  <a:pt x="79127" y="6681235"/>
-                </a:lnTo>
-                <a:cubicBezTo>
-                  <a:pt x="26981" y="6316967"/>
-                  <a:pt x="0" y="5944579"/>
-                  <a:pt x="0" y="5565888"/>
-                </a:cubicBezTo>
-                <a:cubicBezTo>
-                  <a:pt x="0" y="3459953"/>
-                  <a:pt x="834428" y="1548908"/>
-                  <a:pt x="2190696" y="145339"/>
-                </a:cubicBezTo>
-                <a:lnTo>
-                  <a:pt x="2339431" y="0"/>
-                </a:lnTo>
-                <a:lnTo>
-                  <a:pt x="7188051" y="0"/>
-                </a:lnTo>
-                <a:close/>
-              </a:path>
-            </a:pathLst>
-          </a:custGeom>
-          <a:solidFill>
-            <a:schemeClr val="tx1">
-              <a:alpha val="80000"/>
-            </a:schemeClr>
-          </a:solidFill>
-          <a:ln>
-            <a:noFill/>
-          </a:ln>
-        </p:spPr>
-        <p:style>
-          <a:lnRef idx="2">
-            <a:schemeClr val="accent1">
-              <a:shade val="50000"/>
-            </a:schemeClr>
-          </a:lnRef>
-          <a:fillRef idx="1">
-            <a:schemeClr val="accent1"/>
-          </a:fillRef>
-          <a:effectRef idx="0">
-            <a:schemeClr val="accent1"/>
-          </a:effectRef>
-          <a:fontRef idx="minor">
-            <a:schemeClr val="lt1"/>
-          </a:fontRef>
-        </p:style>
-        <p:txBody>
-          <a:bodyPr wrap="square" rtlCol="0" anchor="ctr">
-            <a:noAutofit/>
-          </a:bodyPr>
-          <a:lstStyle/>
-          <a:p>
-            <a:pPr algn="ctr"/>
-            <a:endParaRPr lang="en-US"/>
-          </a:p>
-        </p:txBody>
-      </p:sp>
-      <p:pic>
-        <p:nvPicPr>
-          <p:cNvPr id="5" name="Picture 4" descr="Worm's-eye view of a large tree">
-            <a:extLst>
-              <a:ext uri="{FF2B5EF4-FFF2-40B4-BE49-F238E27FC236}">
-                <a16:creationId xmlns:a16="http://schemas.microsoft.com/office/drawing/2014/main" id="{108908B2-2D89-8A4C-1490-E43652489835}"/>
-              </a:ext>
-            </a:extLst>
-          </p:cNvPr>
-          <p:cNvPicPr>
-            <a:picLocks noChangeAspect="1"/>
-          </p:cNvPicPr>
+              <a:rPr lang="en-US" i="1" dirty="0"/>
+              <a:t>Mechanism</a:t>
+            </a:r>
+          </a:p>
+          <a:p>
+            <a:pPr marL="0" indent="0">
+              <a:buNone/>
+            </a:pPr>
+            <a:r>
+              <a:rPr lang="en-US" dirty="0"/>
+              <a:t>Given a graph-representation of pair-wise </a:t>
+            </a:r>
+            <a:r>
+              <a:rPr lang="en-US" dirty="0" err="1"/>
+              <a:t>homographies</a:t>
+            </a:r>
+            <a:r>
+              <a:rPr lang="en-US" dirty="0"/>
+              <a:t>, and a reference image (I</a:t>
+            </a:r>
+            <a:r>
+              <a:rPr lang="en-US" baseline="-5000" dirty="0"/>
+              <a:t>r</a:t>
+            </a:r>
+            <a:r>
+              <a:rPr lang="en-US" dirty="0"/>
+              <a:t>), the idea is to estimate the </a:t>
+            </a:r>
+            <a:r>
+              <a:rPr lang="en-US" dirty="0" err="1"/>
+              <a:t>homography</a:t>
+            </a:r>
+            <a:r>
+              <a:rPr lang="en-US" dirty="0"/>
+              <a:t> between an image </a:t>
+            </a:r>
+            <a:r>
+              <a:rPr lang="en-US" dirty="0" err="1"/>
+              <a:t>I</a:t>
+            </a:r>
+            <a:r>
+              <a:rPr lang="en-US" baseline="-5000" dirty="0" err="1"/>
+              <a:t>j</a:t>
+            </a:r>
+            <a:r>
+              <a:rPr lang="en-US" dirty="0"/>
+              <a:t> and I</a:t>
+            </a:r>
+            <a:r>
+              <a:rPr lang="en-US" baseline="-5000" dirty="0"/>
+              <a:t>r</a:t>
+            </a:r>
+            <a:r>
+              <a:rPr lang="en-US" dirty="0"/>
+              <a:t> by combining the pair-wise </a:t>
+            </a:r>
+            <a:r>
+              <a:rPr lang="en-US" dirty="0" err="1"/>
+              <a:t>homographies</a:t>
+            </a:r>
+            <a:r>
+              <a:rPr lang="en-US" dirty="0"/>
+              <a:t>.</a:t>
+            </a:r>
+          </a:p>
+          <a:p>
+            <a:pPr marL="0" indent="0">
+              <a:buNone/>
+            </a:pPr>
+            <a:endParaRPr lang="en-US" baseline="-5000" dirty="0"/>
+          </a:p>
+          <a:p>
+            <a:pPr marL="0" indent="0">
+              <a:buNone/>
+            </a:pPr>
+            <a:endParaRPr lang="en-US" baseline="-5000" dirty="0"/>
+          </a:p>
+        </p:txBody>
+      </p:sp>
+      <p:sp>
+        <p:nvSpPr>
+          <p:cNvPr id="5" name="CasellaDiTesto 4">
+            <a:extLst>
+              <a:ext uri="{FF2B5EF4-FFF2-40B4-BE49-F238E27FC236}">
+                <a16:creationId xmlns:a16="http://schemas.microsoft.com/office/drawing/2014/main" id="{88D13CA7-A650-4FBE-AE8B-5C81EAA04606}"/>
+              </a:ext>
+            </a:extLst>
+          </p:cNvPr>
+          <p:cNvSpPr txBox="1"/>
           <p:nvPr/>
-        </p:nvPicPr>
-        <p:blipFill rotWithShape="1">
-          <a:blip r:embed="rId3"/>
-          <a:srcRect l="2910" r="28679" b="-1"/>
-          <a:stretch/>
-        </p:blipFill>
+        </p:nvSpPr>
         <p:spPr>
           <a:xfrm>
-            <a:off x="1" y="10"/>
-            <a:ext cx="7028495" cy="6857990"/>
+            <a:off x="838200" y="3810000"/>
+            <a:ext cx="5257800" cy="2954655"/>
           </a:xfrm>
-          <a:custGeom>
+          <a:prstGeom prst="rect">
             <a:avLst/>
-            <a:gdLst/>
-            <a:ahLst/>
-            <a:cxnLst/>
-            <a:rect l="l" t="t" r="r" b="b"/>
-            <a:pathLst>
-              <a:path w="7028495" h="6858000">
-                <a:moveTo>
-                  <a:pt x="0" y="0"/>
-                </a:moveTo>
-                <a:lnTo>
-                  <a:pt x="6915668" y="0"/>
-                </a:lnTo>
-                <a:lnTo>
-                  <a:pt x="6952411" y="219663"/>
-                </a:lnTo>
-                <a:cubicBezTo>
-                  <a:pt x="7002551" y="569921"/>
-                  <a:pt x="7028495" y="927986"/>
-                  <a:pt x="7028495" y="1292112"/>
-                </a:cubicBezTo>
-                <a:cubicBezTo>
-                  <a:pt x="7028495" y="3343346"/>
-                  <a:pt x="6205186" y="5202289"/>
-                  <a:pt x="4870994" y="6556512"/>
-                </a:cubicBezTo>
-                <a:lnTo>
-                  <a:pt x="4556185" y="6858000"/>
-                </a:lnTo>
-                <a:lnTo>
-                  <a:pt x="0" y="6858000"/>
-                </a:lnTo>
-                <a:close/>
-              </a:path>
-            </a:pathLst>
-          </a:custGeom>
+          </a:prstGeom>
+          <a:noFill/>
         </p:spPr>
-      </p:pic>
+        <p:txBody>
+          <a:bodyPr wrap="square" rtlCol="0">
+            <a:spAutoFit/>
+          </a:bodyPr>
+          <a:lstStyle/>
+          <a:p>
+            <a:r>
+              <a:rPr lang="en-US" sz="2800" i="1" dirty="0"/>
+              <a:t>Pro</a:t>
+            </a:r>
+          </a:p>
+          <a:p>
+            <a:pPr marL="457200" indent="-457200">
+              <a:buFont typeface="Arial" panose="020B0604020202020204" pitchFamily="34" charset="0"/>
+              <a:buChar char="•"/>
+            </a:pPr>
+            <a:r>
+              <a:rPr lang="en-US" sz="2800" i="1" dirty="0"/>
+              <a:t>Simple</a:t>
+            </a:r>
+          </a:p>
+          <a:p>
+            <a:pPr marL="457200" indent="-457200">
+              <a:buFont typeface="Arial" panose="020B0604020202020204" pitchFamily="34" charset="0"/>
+              <a:buChar char="•"/>
+            </a:pPr>
+            <a:r>
+              <a:rPr lang="en-US" sz="2800" i="1" dirty="0"/>
+              <a:t>Fast</a:t>
+            </a:r>
+          </a:p>
+          <a:p>
+            <a:pPr marL="457200" indent="-457200">
+              <a:buFont typeface="Arial" panose="020B0604020202020204" pitchFamily="34" charset="0"/>
+              <a:buChar char="•"/>
+            </a:pPr>
+            <a:r>
+              <a:rPr lang="en-US" sz="2800" i="1" dirty="0"/>
+              <a:t>Intuitive</a:t>
+            </a:r>
+          </a:p>
+          <a:p>
+            <a:pPr marL="457200" indent="-457200">
+              <a:buFont typeface="Arial" panose="020B0604020202020204" pitchFamily="34" charset="0"/>
+              <a:buChar char="•"/>
+            </a:pPr>
+            <a:r>
+              <a:rPr lang="en-US" sz="2800" i="1" dirty="0"/>
+              <a:t>Works even with acyclic graphs</a:t>
+            </a:r>
+          </a:p>
+          <a:p>
+            <a:endParaRPr lang="en-US" sz="2800" i="1" dirty="0"/>
+          </a:p>
+          <a:p>
+            <a:endParaRPr lang="it-IT" dirty="0"/>
+          </a:p>
+        </p:txBody>
+      </p:sp>
+      <p:sp>
+        <p:nvSpPr>
+          <p:cNvPr id="6" name="CasellaDiTesto 5">
+            <a:extLst>
+              <a:ext uri="{FF2B5EF4-FFF2-40B4-BE49-F238E27FC236}">
+                <a16:creationId xmlns:a16="http://schemas.microsoft.com/office/drawing/2014/main" id="{FBD19D6B-60A3-40E4-8CFA-815143642D41}"/>
+              </a:ext>
+            </a:extLst>
+          </p:cNvPr>
+          <p:cNvSpPr txBox="1"/>
+          <p:nvPr/>
+        </p:nvSpPr>
+        <p:spPr>
+          <a:xfrm>
+            <a:off x="6096000" y="3810000"/>
+            <a:ext cx="5257800" cy="1231106"/>
+          </a:xfrm>
+          <a:prstGeom prst="rect">
+            <a:avLst/>
+          </a:prstGeom>
+          <a:noFill/>
+        </p:spPr>
+        <p:txBody>
+          <a:bodyPr wrap="square" rtlCol="0">
+            <a:spAutoFit/>
+          </a:bodyPr>
+          <a:lstStyle/>
+          <a:p>
+            <a:r>
+              <a:rPr lang="en-US" sz="2800" i="1" dirty="0"/>
+              <a:t>Cons</a:t>
+            </a:r>
+          </a:p>
+          <a:p>
+            <a:pPr marL="457200" indent="-457200">
+              <a:buFont typeface="Arial" panose="020B0604020202020204" pitchFamily="34" charset="0"/>
+              <a:buChar char="•"/>
+            </a:pPr>
+            <a:r>
+              <a:rPr lang="en-US" sz="2800" i="1" dirty="0"/>
+              <a:t>Error cumulation</a:t>
+            </a:r>
+          </a:p>
+          <a:p>
+            <a:endParaRPr lang="it-IT" dirty="0"/>
+          </a:p>
+        </p:txBody>
+      </p:sp>
     </p:spTree>
     <p:extLst>
       <p:ext uri="{BB962C8B-B14F-4D97-AF65-F5344CB8AC3E}">
-        <p14:creationId xmlns:p14="http://schemas.microsoft.com/office/powerpoint/2010/main" val="636542706"/>
+        <p14:creationId xmlns:p14="http://schemas.microsoft.com/office/powerpoint/2010/main" val="772466824"/>
       </p:ext>
     </p:extLst>
   </p:cSld>
   <p:clrMapOvr>
-    <a:overrideClrMapping bg1="dk1" tx1="lt1" bg2="dk2" tx2="lt2" accent1="accent1" accent2="accent2" accent3="accent3" accent4="accent4" accent5="accent5" accent6="accent6" hlink="hlink" folHlink="folHlink"/>
+    <a:masterClrMapping/>
   </p:clrMapOvr>
-  <p:timing>
-    <p:tnLst>
-      <p:par>
-        <p:cTn id="1" dur="indefinite" restart="never" nodeType="tmRoot">
-          <p:childTnLst>
-            <p:seq concurrent="1" nextAc="seek">
-              <p:cTn id="2" dur="indefinite" nodeType="mainSeq">
-                <p:childTnLst>
-                  <p:par>
-                    <p:cTn id="3" fill="hold">
-                      <p:stCondLst>
-                        <p:cond delay="indefinite"/>
-                        <p:cond evt="onBegin" delay="0">
-                          <p:tn val="2"/>
-                        </p:cond>
-                      </p:stCondLst>
-                      <p:childTnLst>
-                        <p:par>
-                          <p:cTn id="4" fill="hold">
-                            <p:stCondLst>
-                              <p:cond delay="0"/>
-                            </p:stCondLst>
-                            <p:childTnLst>
-                              <p:par>
-                                <p:cTn id="5" presetID="10" presetClass="entr" presetSubtype="0" fill="hold" grpId="0" nodeType="withEffect">
-                                  <p:stCondLst>
-                                    <p:cond delay="1000"/>
-                                  </p:stCondLst>
-                                  <p:iterate>
-                                    <p:tmPct val="10000"/>
-                                  </p:iterate>
-                                  <p:childTnLst>
-                                    <p:set>
-                                      <p:cBhvr>
-                                        <p:cTn id="6" dur="1" fill="hold">
-                                          <p:stCondLst>
-                                            <p:cond delay="0"/>
-                                          </p:stCondLst>
-                                        </p:cTn>
-                                        <p:tgtEl>
-                                          <p:spTgt spid="2"/>
-                                        </p:tgtEl>
-                                        <p:attrNameLst>
-                                          <p:attrName>style.visibility</p:attrName>
-                                        </p:attrNameLst>
-                                      </p:cBhvr>
-                                      <p:to>
-                                        <p:strVal val="visible"/>
-                                      </p:to>
-                                    </p:set>
-                                    <p:animEffect transition="in" filter="fade">
-                                      <p:cBhvr>
-                                        <p:cTn id="7" dur="700"/>
-                                        <p:tgtEl>
-                                          <p:spTgt spid="2"/>
-                                        </p:tgtEl>
-                                      </p:cBhvr>
-                                    </p:animEffect>
-                                  </p:childTnLst>
-                                </p:cTn>
-                              </p:par>
-                            </p:childTnLst>
-                          </p:cTn>
-                        </p:par>
-                      </p:childTnLst>
-                    </p:cTn>
-                  </p:par>
-                </p:childTnLst>
-              </p:cTn>
-              <p:prevCondLst>
-                <p:cond evt="onPrev" delay="0">
-                  <p:tgtEl>
-                    <p:sldTgt/>
-                  </p:tgtEl>
-                </p:cond>
-              </p:prevCondLst>
-              <p:nextCondLst>
-                <p:cond evt="onNext" delay="0">
-                  <p:tgtEl>
-                    <p:sldTgt/>
-                  </p:tgtEl>
-                </p:cond>
-              </p:nextCondLst>
-            </p:seq>
-          </p:childTnLst>
-        </p:cTn>
-      </p:par>
-    </p:tnLst>
-    <p:bldLst>
-      <p:bldP spid="2" grpId="0"/>
-    </p:bldLst>
-  </p:timing>
+</p:sld>
+</file>
+
+<file path=ppt/slides/slide8.xml><?xml version="1.0" encoding="utf-8"?>
+<p:sld xmlns:a="http://schemas.openxmlformats.org/drawingml/2006/main" xmlns:r="http://schemas.openxmlformats.org/officeDocument/2006/relationships" xmlns:p="http://schemas.openxmlformats.org/presentationml/2006/main">
+  <p:cSld>
+    <p:spTree>
+      <p:nvGrpSpPr>
+        <p:cNvPr id="1" name=""/>
+        <p:cNvGrpSpPr/>
+        <p:nvPr/>
+      </p:nvGrpSpPr>
+      <p:grpSpPr>
+        <a:xfrm>
+          <a:off x="0" y="0"/>
+          <a:ext cx="0" cy="0"/>
+          <a:chOff x="0" y="0"/>
+          <a:chExt cx="0" cy="0"/>
+        </a:xfrm>
+      </p:grpSpPr>
+      <p:sp>
+        <p:nvSpPr>
+          <p:cNvPr id="2" name="Titolo 1">
+            <a:extLst>
+              <a:ext uri="{FF2B5EF4-FFF2-40B4-BE49-F238E27FC236}">
+                <a16:creationId xmlns:a16="http://schemas.microsoft.com/office/drawing/2014/main" id="{2B61D207-AF3E-4A9A-8C13-DC6A244EE70E}"/>
+              </a:ext>
+            </a:extLst>
+          </p:cNvPr>
+          <p:cNvSpPr>
+            <a:spLocks noGrp="1"/>
+          </p:cNvSpPr>
+          <p:nvPr>
+            <p:ph type="title"/>
+          </p:nvPr>
+        </p:nvSpPr>
+        <p:spPr/>
+        <p:txBody>
+          <a:bodyPr/>
+          <a:lstStyle/>
+          <a:p>
+            <a:r>
+              <a:rPr lang="it-IT" dirty="0"/>
+              <a:t>Simple-</a:t>
+            </a:r>
+            <a:r>
+              <a:rPr lang="it-IT" dirty="0" err="1"/>
+              <a:t>Graph</a:t>
+            </a:r>
+            <a:endParaRPr lang="it-IT" dirty="0"/>
+          </a:p>
+        </p:txBody>
+      </p:sp>
+      <p:sp>
+        <p:nvSpPr>
+          <p:cNvPr id="4" name="Segnaposto numero diapositiva 3">
+            <a:extLst>
+              <a:ext uri="{FF2B5EF4-FFF2-40B4-BE49-F238E27FC236}">
+                <a16:creationId xmlns:a16="http://schemas.microsoft.com/office/drawing/2014/main" id="{B8E3E1DF-C397-4B7E-84E1-94B1BD1AE63E}"/>
+              </a:ext>
+            </a:extLst>
+          </p:cNvPr>
+          <p:cNvSpPr>
+            <a:spLocks noGrp="1"/>
+          </p:cNvSpPr>
+          <p:nvPr>
+            <p:ph type="sldNum" sz="quarter" idx="12"/>
+          </p:nvPr>
+        </p:nvSpPr>
+        <p:spPr/>
+        <p:txBody>
+          <a:bodyPr/>
+          <a:lstStyle/>
+          <a:p>
+            <a:fld id="{20167E32-692D-406A-B56C-4D271B4CF259}" type="slidenum">
+              <a:rPr lang="it-IT" smtClean="0"/>
+              <a:t>8</a:t>
+            </a:fld>
+            <a:endParaRPr lang="it-IT"/>
+          </a:p>
+        </p:txBody>
+      </p:sp>
+      <p:sp>
+        <p:nvSpPr>
+          <p:cNvPr id="3" name="Segnaposto contenuto 2">
+            <a:extLst>
+              <a:ext uri="{FF2B5EF4-FFF2-40B4-BE49-F238E27FC236}">
+                <a16:creationId xmlns:a16="http://schemas.microsoft.com/office/drawing/2014/main" id="{10F7524F-20D0-428A-8651-15BA27FC6E6E}"/>
+              </a:ext>
+            </a:extLst>
+          </p:cNvPr>
+          <p:cNvSpPr>
+            <a:spLocks noGrp="1"/>
+          </p:cNvSpPr>
+          <p:nvPr>
+            <p:ph idx="1"/>
+          </p:nvPr>
+        </p:nvSpPr>
+        <p:spPr>
+          <a:xfrm>
+            <a:off x="838200" y="1503681"/>
+            <a:ext cx="10515600" cy="2174240"/>
+          </a:xfrm>
+        </p:spPr>
+        <p:txBody>
+          <a:bodyPr>
+            <a:normAutofit/>
+          </a:bodyPr>
+          <a:lstStyle/>
+          <a:p>
+            <a:pPr marL="0" indent="0">
+              <a:buNone/>
+            </a:pPr>
+            <a:r>
+              <a:rPr lang="en-US" i="1" dirty="0"/>
+              <a:t>Mechanism</a:t>
+            </a:r>
+          </a:p>
+          <a:p>
+            <a:pPr marL="0" indent="0">
+              <a:buNone/>
+            </a:pPr>
+            <a:r>
+              <a:rPr lang="en-US" dirty="0"/>
+              <a:t>Given a graph-representation of pair-wise </a:t>
+            </a:r>
+            <a:r>
+              <a:rPr lang="en-US" dirty="0" err="1"/>
+              <a:t>homographies</a:t>
+            </a:r>
+            <a:r>
+              <a:rPr lang="en-US" dirty="0"/>
+              <a:t>, and a reference image (I</a:t>
+            </a:r>
+            <a:r>
+              <a:rPr lang="en-US" baseline="-5000" dirty="0"/>
+              <a:t>r</a:t>
+            </a:r>
+            <a:r>
+              <a:rPr lang="en-US" dirty="0"/>
+              <a:t>), the idea is to solve a graph synchronization problem where the nodes of the graph are the states, and the edges are the pair-wise </a:t>
+            </a:r>
+            <a:r>
+              <a:rPr lang="en-US" dirty="0" err="1"/>
+              <a:t>homographies</a:t>
+            </a:r>
+            <a:r>
+              <a:rPr lang="en-US" dirty="0"/>
+              <a:t>.</a:t>
+            </a:r>
+          </a:p>
+          <a:p>
+            <a:pPr marL="0" indent="0">
+              <a:buNone/>
+            </a:pPr>
+            <a:endParaRPr lang="en-US" baseline="-5000" dirty="0"/>
+          </a:p>
+          <a:p>
+            <a:pPr marL="0" indent="0">
+              <a:buNone/>
+            </a:pPr>
+            <a:endParaRPr lang="en-US" baseline="-5000" dirty="0"/>
+          </a:p>
+        </p:txBody>
+      </p:sp>
+      <p:sp>
+        <p:nvSpPr>
+          <p:cNvPr id="5" name="CasellaDiTesto 4">
+            <a:extLst>
+              <a:ext uri="{FF2B5EF4-FFF2-40B4-BE49-F238E27FC236}">
+                <a16:creationId xmlns:a16="http://schemas.microsoft.com/office/drawing/2014/main" id="{88D13CA7-A650-4FBE-AE8B-5C81EAA04606}"/>
+              </a:ext>
+            </a:extLst>
+          </p:cNvPr>
+          <p:cNvSpPr txBox="1"/>
+          <p:nvPr/>
+        </p:nvSpPr>
+        <p:spPr>
+          <a:xfrm>
+            <a:off x="838200" y="3810000"/>
+            <a:ext cx="5257800" cy="2954655"/>
+          </a:xfrm>
+          <a:prstGeom prst="rect">
+            <a:avLst/>
+          </a:prstGeom>
+          <a:noFill/>
+        </p:spPr>
+        <p:txBody>
+          <a:bodyPr wrap="square" rtlCol="0">
+            <a:spAutoFit/>
+          </a:bodyPr>
+          <a:lstStyle/>
+          <a:p>
+            <a:r>
+              <a:rPr lang="en-US" sz="2800" i="1" dirty="0"/>
+              <a:t>Pro</a:t>
+            </a:r>
+          </a:p>
+          <a:p>
+            <a:pPr marL="457200" indent="-457200">
+              <a:buFont typeface="Arial" panose="020B0604020202020204" pitchFamily="34" charset="0"/>
+              <a:buChar char="•"/>
+            </a:pPr>
+            <a:r>
+              <a:rPr lang="en-US" sz="2800" i="1" dirty="0"/>
+              <a:t>Error distribution</a:t>
+            </a:r>
+          </a:p>
+          <a:p>
+            <a:pPr marL="457200" indent="-457200">
+              <a:buFont typeface="Arial" panose="020B0604020202020204" pitchFamily="34" charset="0"/>
+              <a:buChar char="•"/>
+            </a:pPr>
+            <a:r>
+              <a:rPr lang="en-US" sz="2800" i="1" dirty="0"/>
+              <a:t>Closed-form solution</a:t>
+            </a:r>
+          </a:p>
+          <a:p>
+            <a:pPr marL="457200" indent="-457200">
+              <a:buFont typeface="Arial" panose="020B0604020202020204" pitchFamily="34" charset="0"/>
+              <a:buChar char="•"/>
+            </a:pPr>
+            <a:r>
+              <a:rPr lang="en-US" sz="2800" i="1" dirty="0"/>
+              <a:t>The more the cycles the better it works</a:t>
+            </a:r>
+          </a:p>
+          <a:p>
+            <a:pPr marL="457200" indent="-457200">
+              <a:buFont typeface="Arial" panose="020B0604020202020204" pitchFamily="34" charset="0"/>
+              <a:buChar char="•"/>
+            </a:pPr>
+            <a:endParaRPr lang="en-US" sz="2800" i="1" dirty="0"/>
+          </a:p>
+          <a:p>
+            <a:endParaRPr lang="it-IT" dirty="0"/>
+          </a:p>
+        </p:txBody>
+      </p:sp>
+      <p:sp>
+        <p:nvSpPr>
+          <p:cNvPr id="6" name="CasellaDiTesto 5">
+            <a:extLst>
+              <a:ext uri="{FF2B5EF4-FFF2-40B4-BE49-F238E27FC236}">
+                <a16:creationId xmlns:a16="http://schemas.microsoft.com/office/drawing/2014/main" id="{FBD19D6B-60A3-40E4-8CFA-815143642D41}"/>
+              </a:ext>
+            </a:extLst>
+          </p:cNvPr>
+          <p:cNvSpPr txBox="1"/>
+          <p:nvPr/>
+        </p:nvSpPr>
+        <p:spPr>
+          <a:xfrm>
+            <a:off x="6096000" y="3810000"/>
+            <a:ext cx="5257800" cy="1384995"/>
+          </a:xfrm>
+          <a:prstGeom prst="rect">
+            <a:avLst/>
+          </a:prstGeom>
+          <a:noFill/>
+        </p:spPr>
+        <p:txBody>
+          <a:bodyPr wrap="square" rtlCol="0">
+            <a:spAutoFit/>
+          </a:bodyPr>
+          <a:lstStyle/>
+          <a:p>
+            <a:r>
+              <a:rPr lang="en-US" sz="2800" i="1" dirty="0"/>
+              <a:t>Cons</a:t>
+            </a:r>
+          </a:p>
+          <a:p>
+            <a:pPr marL="457200" indent="-457200">
+              <a:buFont typeface="Arial" panose="020B0604020202020204" pitchFamily="34" charset="0"/>
+              <a:buChar char="•"/>
+            </a:pPr>
+            <a:r>
+              <a:rPr lang="en-US" sz="2800" i="1" dirty="0"/>
+              <a:t>Works only with cyclic graphs</a:t>
+            </a:r>
+          </a:p>
+          <a:p>
+            <a:pPr marL="457200" indent="-457200">
+              <a:buFont typeface="Arial" panose="020B0604020202020204" pitchFamily="34" charset="0"/>
+              <a:buChar char="•"/>
+            </a:pPr>
+            <a:r>
+              <a:rPr lang="en-US" sz="2800" i="1" dirty="0"/>
+              <a:t>Slower than Basic Stitching</a:t>
+            </a:r>
+          </a:p>
+        </p:txBody>
+      </p:sp>
+    </p:spTree>
+    <p:extLst>
+      <p:ext uri="{BB962C8B-B14F-4D97-AF65-F5344CB8AC3E}">
+        <p14:creationId xmlns:p14="http://schemas.microsoft.com/office/powerpoint/2010/main" val="544559389"/>
+      </p:ext>
+    </p:extLst>
+  </p:cSld>
+  <p:clrMapOvr>
+    <a:masterClrMapping/>
+  </p:clrMapOvr>
+</p:sld>
+</file>
+
+<file path=ppt/slides/slide9.xml><?xml version="1.0" encoding="utf-8"?>
+<p:sld xmlns:a="http://schemas.openxmlformats.org/drawingml/2006/main" xmlns:r="http://schemas.openxmlformats.org/officeDocument/2006/relationships" xmlns:p="http://schemas.openxmlformats.org/presentationml/2006/main">
+  <p:cSld>
+    <p:spTree>
+      <p:nvGrpSpPr>
+        <p:cNvPr id="1" name=""/>
+        <p:cNvGrpSpPr/>
+        <p:nvPr/>
+      </p:nvGrpSpPr>
+      <p:grpSpPr>
+        <a:xfrm>
+          <a:off x="0" y="0"/>
+          <a:ext cx="0" cy="0"/>
+          <a:chOff x="0" y="0"/>
+          <a:chExt cx="0" cy="0"/>
+        </a:xfrm>
+      </p:grpSpPr>
+      <p:sp>
+        <p:nvSpPr>
+          <p:cNvPr id="2" name="Titolo 1">
+            <a:extLst>
+              <a:ext uri="{FF2B5EF4-FFF2-40B4-BE49-F238E27FC236}">
+                <a16:creationId xmlns:a16="http://schemas.microsoft.com/office/drawing/2014/main" id="{2B61D207-AF3E-4A9A-8C13-DC6A244EE70E}"/>
+              </a:ext>
+            </a:extLst>
+          </p:cNvPr>
+          <p:cNvSpPr>
+            <a:spLocks noGrp="1"/>
+          </p:cNvSpPr>
+          <p:nvPr>
+            <p:ph type="title"/>
+          </p:nvPr>
+        </p:nvSpPr>
+        <p:spPr/>
+        <p:txBody>
+          <a:bodyPr/>
+          <a:lstStyle/>
+          <a:p>
+            <a:r>
+              <a:rPr lang="it-IT" dirty="0"/>
+              <a:t>Edge-</a:t>
+            </a:r>
+            <a:r>
+              <a:rPr lang="it-IT" dirty="0" err="1"/>
+              <a:t>Averaging</a:t>
+            </a:r>
+            <a:endParaRPr lang="it-IT" dirty="0"/>
+          </a:p>
+        </p:txBody>
+      </p:sp>
+      <p:sp>
+        <p:nvSpPr>
+          <p:cNvPr id="4" name="Segnaposto numero diapositiva 3">
+            <a:extLst>
+              <a:ext uri="{FF2B5EF4-FFF2-40B4-BE49-F238E27FC236}">
+                <a16:creationId xmlns:a16="http://schemas.microsoft.com/office/drawing/2014/main" id="{B8E3E1DF-C397-4B7E-84E1-94B1BD1AE63E}"/>
+              </a:ext>
+            </a:extLst>
+          </p:cNvPr>
+          <p:cNvSpPr>
+            <a:spLocks noGrp="1"/>
+          </p:cNvSpPr>
+          <p:nvPr>
+            <p:ph type="sldNum" sz="quarter" idx="12"/>
+          </p:nvPr>
+        </p:nvSpPr>
+        <p:spPr/>
+        <p:txBody>
+          <a:bodyPr/>
+          <a:lstStyle/>
+          <a:p>
+            <a:fld id="{20167E32-692D-406A-B56C-4D271B4CF259}" type="slidenum">
+              <a:rPr lang="it-IT" smtClean="0"/>
+              <a:t>9</a:t>
+            </a:fld>
+            <a:endParaRPr lang="it-IT"/>
+          </a:p>
+        </p:txBody>
+      </p:sp>
+      <p:sp>
+        <p:nvSpPr>
+          <p:cNvPr id="3" name="Segnaposto contenuto 2">
+            <a:extLst>
+              <a:ext uri="{FF2B5EF4-FFF2-40B4-BE49-F238E27FC236}">
+                <a16:creationId xmlns:a16="http://schemas.microsoft.com/office/drawing/2014/main" id="{10F7524F-20D0-428A-8651-15BA27FC6E6E}"/>
+              </a:ext>
+            </a:extLst>
+          </p:cNvPr>
+          <p:cNvSpPr>
+            <a:spLocks noGrp="1"/>
+          </p:cNvSpPr>
+          <p:nvPr>
+            <p:ph idx="1"/>
+          </p:nvPr>
+        </p:nvSpPr>
+        <p:spPr>
+          <a:xfrm>
+            <a:off x="838200" y="1503681"/>
+            <a:ext cx="10515600" cy="2174240"/>
+          </a:xfrm>
+        </p:spPr>
+        <p:txBody>
+          <a:bodyPr>
+            <a:normAutofit/>
+          </a:bodyPr>
+          <a:lstStyle/>
+          <a:p>
+            <a:pPr marL="0" indent="0">
+              <a:buNone/>
+            </a:pPr>
+            <a:r>
+              <a:rPr lang="en-US" i="1" dirty="0"/>
+              <a:t>Mechanism</a:t>
+            </a:r>
+          </a:p>
+          <a:p>
+            <a:pPr marL="0" indent="0">
+              <a:buNone/>
+            </a:pPr>
+            <a:r>
+              <a:rPr lang="en-US" dirty="0"/>
+              <a:t>Given a graph-representation of pair-wise </a:t>
+            </a:r>
+            <a:r>
+              <a:rPr lang="en-US" dirty="0" err="1"/>
+              <a:t>homographies</a:t>
+            </a:r>
+            <a:r>
+              <a:rPr lang="en-US" dirty="0"/>
+              <a:t> with multiple edges, and a reference image (I</a:t>
+            </a:r>
+            <a:r>
+              <a:rPr lang="en-US" baseline="-5000" dirty="0"/>
+              <a:t>r</a:t>
+            </a:r>
+            <a:r>
+              <a:rPr lang="en-US" dirty="0"/>
+              <a:t>), the idea is to reduce the problem to a Simple-Graph synchronization by averaging together the multi-edges having the same source and destination nodes.</a:t>
+            </a:r>
+            <a:endParaRPr lang="en-US" baseline="-5000" dirty="0"/>
+          </a:p>
+          <a:p>
+            <a:pPr marL="0" indent="0">
+              <a:buNone/>
+            </a:pPr>
+            <a:endParaRPr lang="en-US" baseline="-5000" dirty="0"/>
+          </a:p>
+        </p:txBody>
+      </p:sp>
+      <p:sp>
+        <p:nvSpPr>
+          <p:cNvPr id="5" name="CasellaDiTesto 4">
+            <a:extLst>
+              <a:ext uri="{FF2B5EF4-FFF2-40B4-BE49-F238E27FC236}">
+                <a16:creationId xmlns:a16="http://schemas.microsoft.com/office/drawing/2014/main" id="{88D13CA7-A650-4FBE-AE8B-5C81EAA04606}"/>
+              </a:ext>
+            </a:extLst>
+          </p:cNvPr>
+          <p:cNvSpPr txBox="1"/>
+          <p:nvPr/>
+        </p:nvSpPr>
+        <p:spPr>
+          <a:xfrm>
+            <a:off x="838200" y="3810000"/>
+            <a:ext cx="5257800" cy="1661993"/>
+          </a:xfrm>
+          <a:prstGeom prst="rect">
+            <a:avLst/>
+          </a:prstGeom>
+          <a:noFill/>
+        </p:spPr>
+        <p:txBody>
+          <a:bodyPr wrap="square" rtlCol="0">
+            <a:spAutoFit/>
+          </a:bodyPr>
+          <a:lstStyle/>
+          <a:p>
+            <a:r>
+              <a:rPr lang="en-US" sz="2800" i="1" dirty="0"/>
+              <a:t>Pro</a:t>
+            </a:r>
+          </a:p>
+          <a:p>
+            <a:pPr marL="457200" indent="-457200">
+              <a:buFont typeface="Arial" panose="020B0604020202020204" pitchFamily="34" charset="0"/>
+              <a:buChar char="•"/>
+            </a:pPr>
+            <a:r>
+              <a:rPr lang="en-US" sz="2800" i="1" dirty="0"/>
+              <a:t>Same as Simple-Graph</a:t>
+            </a:r>
+          </a:p>
+          <a:p>
+            <a:pPr marL="457200" indent="-457200">
+              <a:buFont typeface="Arial" panose="020B0604020202020204" pitchFamily="34" charset="0"/>
+              <a:buChar char="•"/>
+            </a:pPr>
+            <a:r>
+              <a:rPr lang="en-US" sz="2800" i="1" dirty="0"/>
+              <a:t>Intuitive</a:t>
+            </a:r>
+          </a:p>
+          <a:p>
+            <a:endParaRPr lang="it-IT" dirty="0"/>
+          </a:p>
+        </p:txBody>
+      </p:sp>
+      <p:sp>
+        <p:nvSpPr>
+          <p:cNvPr id="6" name="CasellaDiTesto 5">
+            <a:extLst>
+              <a:ext uri="{FF2B5EF4-FFF2-40B4-BE49-F238E27FC236}">
+                <a16:creationId xmlns:a16="http://schemas.microsoft.com/office/drawing/2014/main" id="{FBD19D6B-60A3-40E4-8CFA-815143642D41}"/>
+              </a:ext>
+            </a:extLst>
+          </p:cNvPr>
+          <p:cNvSpPr txBox="1"/>
+          <p:nvPr/>
+        </p:nvSpPr>
+        <p:spPr>
+          <a:xfrm>
+            <a:off x="6096000" y="3810000"/>
+            <a:ext cx="5257800" cy="1384995"/>
+          </a:xfrm>
+          <a:prstGeom prst="rect">
+            <a:avLst/>
+          </a:prstGeom>
+          <a:noFill/>
+        </p:spPr>
+        <p:txBody>
+          <a:bodyPr wrap="square" rtlCol="0">
+            <a:spAutoFit/>
+          </a:bodyPr>
+          <a:lstStyle/>
+          <a:p>
+            <a:r>
+              <a:rPr lang="en-US" sz="2800" i="1" dirty="0"/>
+              <a:t>Cons</a:t>
+            </a:r>
+          </a:p>
+          <a:p>
+            <a:pPr marL="457200" indent="-457200">
+              <a:buFont typeface="Arial" panose="020B0604020202020204" pitchFamily="34" charset="0"/>
+              <a:buChar char="•"/>
+            </a:pPr>
+            <a:r>
+              <a:rPr lang="en-US" sz="2800" i="1" dirty="0"/>
+              <a:t>Same as Simple-Graph</a:t>
+            </a:r>
+          </a:p>
+          <a:p>
+            <a:pPr marL="457200" indent="-457200">
+              <a:buFont typeface="Arial" panose="020B0604020202020204" pitchFamily="34" charset="0"/>
+              <a:buChar char="•"/>
+            </a:pPr>
+            <a:r>
+              <a:rPr lang="en-US" sz="2800" i="1" dirty="0"/>
+              <a:t>No theoretical guarantees</a:t>
+            </a:r>
+          </a:p>
+        </p:txBody>
+      </p:sp>
+    </p:spTree>
+    <p:extLst>
+      <p:ext uri="{BB962C8B-B14F-4D97-AF65-F5344CB8AC3E}">
+        <p14:creationId xmlns:p14="http://schemas.microsoft.com/office/powerpoint/2010/main" val="1449011161"/>
+      </p:ext>
+    </p:extLst>
+  </p:cSld>
+  <p:clrMapOvr>
+    <a:masterClrMapping/>
+  </p:clrMapOvr>
 </p:sld>
 </file>
 

--- a/presentation.pptx
+++ b/presentation.pptx
@@ -5,7 +5,7 @@
     <p:sldMasterId id="2147483648" r:id="rId1"/>
   </p:sldMasterIdLst>
   <p:notesMasterIdLst>
-    <p:notesMasterId r:id="rId20"/>
+    <p:notesMasterId r:id="rId22"/>
   </p:notesMasterIdLst>
   <p:sldIdLst>
     <p:sldId id="256" r:id="rId2"/>
@@ -25,7 +25,9 @@
     <p:sldId id="273" r:id="rId16"/>
     <p:sldId id="278" r:id="rId17"/>
     <p:sldId id="279" r:id="rId18"/>
-    <p:sldId id="271" r:id="rId19"/>
+    <p:sldId id="282" r:id="rId19"/>
+    <p:sldId id="281" r:id="rId20"/>
+    <p:sldId id="280" r:id="rId21"/>
   </p:sldIdLst>
   <p:sldSz cx="12192000" cy="6858000"/>
   <p:notesSz cx="6858000" cy="9144000"/>
@@ -214,7 +216,7 @@
           <a:p>
             <a:fld id="{6D1D93BA-FB3A-4260-BD6C-0D47017096AA}" type="datetimeFigureOut">
               <a:rPr lang="it-IT" smtClean="0"/>
-              <a:t>23/04/2022</a:t>
+              <a:t>28/04/2022</a:t>
             </a:fld>
             <a:endParaRPr lang="it-IT"/>
           </a:p>
@@ -1399,7 +1401,7 @@
           <a:p>
             <a:fld id="{E4ED1020-5160-4F99-8E2C-DF878B0E0515}" type="datetime1">
               <a:rPr lang="it-IT" smtClean="0"/>
-              <a:t>23/04/2022</a:t>
+              <a:t>28/04/2022</a:t>
             </a:fld>
             <a:endParaRPr lang="it-IT"/>
           </a:p>
@@ -1597,7 +1599,7 @@
           <a:p>
             <a:fld id="{12953D67-C9F6-4542-B611-88F080127D23}" type="datetime1">
               <a:rPr lang="it-IT" smtClean="0"/>
-              <a:t>23/04/2022</a:t>
+              <a:t>28/04/2022</a:t>
             </a:fld>
             <a:endParaRPr lang="it-IT"/>
           </a:p>
@@ -1805,7 +1807,7 @@
           <a:p>
             <a:fld id="{ACFDD527-EC96-4504-B55F-C87870B62B1D}" type="datetime1">
               <a:rPr lang="it-IT" smtClean="0"/>
-              <a:t>23/04/2022</a:t>
+              <a:t>28/04/2022</a:t>
             </a:fld>
             <a:endParaRPr lang="it-IT"/>
           </a:p>
@@ -2003,7 +2005,7 @@
           <a:p>
             <a:fld id="{A1605A87-12EC-413B-9573-AAA3362B56D5}" type="datetime1">
               <a:rPr lang="it-IT" smtClean="0"/>
-              <a:t>23/04/2022</a:t>
+              <a:t>28/04/2022</a:t>
             </a:fld>
             <a:endParaRPr lang="it-IT"/>
           </a:p>
@@ -2278,7 +2280,7 @@
           <a:p>
             <a:fld id="{31D3C737-9829-40EB-9D7A-9A015EE4A629}" type="datetime1">
               <a:rPr lang="it-IT" smtClean="0"/>
-              <a:t>23/04/2022</a:t>
+              <a:t>28/04/2022</a:t>
             </a:fld>
             <a:endParaRPr lang="it-IT"/>
           </a:p>
@@ -2543,7 +2545,7 @@
           <a:p>
             <a:fld id="{E45CF0F3-A25C-4318-ABAF-A9DD2F4EDF9D}" type="datetime1">
               <a:rPr lang="it-IT" smtClean="0"/>
-              <a:t>23/04/2022</a:t>
+              <a:t>28/04/2022</a:t>
             </a:fld>
             <a:endParaRPr lang="it-IT"/>
           </a:p>
@@ -2955,7 +2957,7 @@
           <a:p>
             <a:fld id="{A42CB436-C4DE-482E-953D-B0E1B5520DBD}" type="datetime1">
               <a:rPr lang="it-IT" smtClean="0"/>
-              <a:t>23/04/2022</a:t>
+              <a:t>28/04/2022</a:t>
             </a:fld>
             <a:endParaRPr lang="it-IT"/>
           </a:p>
@@ -3096,7 +3098,7 @@
           <a:p>
             <a:fld id="{66717E81-9389-4047-8AC9-EEAA90D46F6E}" type="datetime1">
               <a:rPr lang="it-IT" smtClean="0"/>
-              <a:t>23/04/2022</a:t>
+              <a:t>28/04/2022</a:t>
             </a:fld>
             <a:endParaRPr lang="it-IT"/>
           </a:p>
@@ -3209,7 +3211,7 @@
           <a:p>
             <a:fld id="{AA7729BA-0917-4498-9183-526E18C0AE17}" type="datetime1">
               <a:rPr lang="it-IT" smtClean="0"/>
-              <a:t>23/04/2022</a:t>
+              <a:t>28/04/2022</a:t>
             </a:fld>
             <a:endParaRPr lang="it-IT"/>
           </a:p>
@@ -3520,7 +3522,7 @@
           <a:p>
             <a:fld id="{2F97E547-E407-45D4-B8F1-8BC00C4A2E0C}" type="datetime1">
               <a:rPr lang="it-IT" smtClean="0"/>
-              <a:t>23/04/2022</a:t>
+              <a:t>28/04/2022</a:t>
             </a:fld>
             <a:endParaRPr lang="it-IT"/>
           </a:p>
@@ -3808,7 +3810,7 @@
           <a:p>
             <a:fld id="{7C68FF8C-210D-4875-AFC7-5C5C3E3AD32C}" type="datetime1">
               <a:rPr lang="it-IT" smtClean="0"/>
-              <a:t>23/04/2022</a:t>
+              <a:t>28/04/2022</a:t>
             </a:fld>
             <a:endParaRPr lang="it-IT"/>
           </a:p>
@@ -4049,7 +4051,7 @@
           <a:p>
             <a:fld id="{C524A30E-DDDF-4E0F-92AA-45A43B5D0BAC}" type="datetime1">
               <a:rPr lang="it-IT" smtClean="0"/>
-              <a:t>23/04/2022</a:t>
+              <a:t>28/04/2022</a:t>
             </a:fld>
             <a:endParaRPr lang="it-IT"/>
           </a:p>
@@ -5028,7 +5030,7 @@
             </a:r>
             <a:r>
               <a:rPr lang="en-US" dirty="0"/>
-              <a:t> synchronization problem. The graph is first partitioned in several clusters and simple-graph synchronization is applied in each cluster independently. Then, each cluster is condensed into a node to build a multi-edge graph (patch graph) where the edges are the inter-cluster </a:t>
+              <a:t> synchronization problem. The graph is first partitioned in several clusters and simple-graph synchronization is applied to each cluster independently. Then, each cluster is condensed into a node to build a multi-edge graph (patch graph) where the edges are the inter-cluster </a:t>
             </a:r>
             <a:r>
               <a:rPr lang="en-US" dirty="0" err="1"/>
@@ -5472,10 +5474,9 @@
           <a:lstStyle/>
           <a:p>
             <a:r>
-              <a:rPr lang="it-IT" dirty="0" err="1"/>
-              <a:t>Composing</a:t>
-            </a:r>
-            <a:endParaRPr lang="it-IT" dirty="0"/>
+              <a:rPr lang="it-IT" dirty="0"/>
+              <a:t>Compositing</a:t>
+            </a:r>
           </a:p>
         </p:txBody>
       </p:sp>
@@ -6150,8 +6151,8 @@
           </a:p>
         </p:txBody>
       </p:sp>
-      <mc:AlternateContent xmlns:mc="http://schemas.openxmlformats.org/markup-compatibility/2006">
-        <mc:Choice xmlns:a14="http://schemas.microsoft.com/office/drawing/2010/main" Requires="a14">
+      <mc:AlternateContent xmlns:mc="http://schemas.openxmlformats.org/markup-compatibility/2006" xmlns:a14="http://schemas.microsoft.com/office/drawing/2010/main">
+        <mc:Choice Requires="a14">
           <p:sp>
             <p:nvSpPr>
               <p:cNvPr id="3" name="Segnaposto contenuto 2">
@@ -6624,7 +6625,7 @@
             </p:txBody>
           </p:sp>
         </mc:Choice>
-        <mc:Fallback>
+        <mc:Fallback xmlns="">
           <p:sp>
             <p:nvSpPr>
               <p:cNvPr id="3" name="Segnaposto contenuto 2">
@@ -6745,6 +6746,10 @@
           <a:lstStyle/>
           <a:p>
             <a:r>
+              <a:rPr lang="it-IT" dirty="0"/>
+              <a:t>Qualitative </a:t>
+            </a:r>
+            <a:r>
               <a:rPr lang="it-IT" dirty="0" err="1"/>
               <a:t>Outcomes</a:t>
             </a:r>
@@ -6768,7 +6773,7 @@
             <p:ph idx="1"/>
             <p:extLst>
               <p:ext uri="{D42A27DB-BD31-4B8C-83A1-F6EECF244321}">
-                <p14:modId xmlns:p14="http://schemas.microsoft.com/office/powerpoint/2010/main" val="2561402644"/>
+                <p14:modId xmlns:p14="http://schemas.microsoft.com/office/powerpoint/2010/main" val="2543605062"/>
               </p:ext>
             </p:extLst>
           </p:nvPr>
@@ -6935,7 +6940,14 @@
                     <a:lstStyle/>
                     <a:p>
                       <a:pPr lvl="0" algn="ctr"/>
-                      <a:endParaRPr lang="it-IT" dirty="0"/>
+                      <a:r>
+                        <a:rPr lang="it-IT" dirty="0" err="1"/>
+                        <a:t>Depends</a:t>
+                      </a:r>
+                      <a:r>
+                        <a:rPr lang="it-IT" dirty="0"/>
+                        <a:t> on the dataset</a:t>
+                      </a:r>
                     </a:p>
                   </a:txBody>
                   <a:tcPr anchor="ctr"/>
@@ -6975,146 +6987,6 @@
                       <a:r>
                         <a:rPr lang="it-IT" dirty="0"/>
                         <a:t>Good</a:t>
-                      </a:r>
-                    </a:p>
-                  </a:txBody>
-                  <a:tcPr anchor="ctr"/>
-                </a:tc>
-                <a:tc>
-                  <a:txBody>
-                    <a:bodyPr/>
-                    <a:lstStyle/>
-                    <a:p>
-                      <a:pPr lvl="0" algn="ctr"/>
-                      <a:endParaRPr lang="it-IT" dirty="0"/>
-                    </a:p>
-                  </a:txBody>
-                  <a:tcPr anchor="ctr"/>
-                </a:tc>
-                <a:extLst>
-                  <a:ext uri="{0D108BD9-81ED-4DB2-BD59-A6C34878D82A}">
-                    <a16:rowId xmlns:a16="http://schemas.microsoft.com/office/drawing/2014/main" val="1680516355"/>
-                  </a:ext>
-                </a:extLst>
-              </a:tr>
-              <a:tr h="603889">
-                <a:tc>
-                  <a:txBody>
-                    <a:bodyPr/>
-                    <a:lstStyle/>
-                    <a:p>
-                      <a:pPr lvl="0" algn="ctr"/>
-                      <a:r>
-                        <a:rPr lang="it-IT" dirty="0"/>
-                        <a:t>Edge-</a:t>
-                      </a:r>
-                      <a:r>
-                        <a:rPr lang="it-IT" dirty="0" err="1"/>
-                        <a:t>Averaging</a:t>
-                      </a:r>
-                      <a:endParaRPr lang="it-IT" dirty="0"/>
-                    </a:p>
-                  </a:txBody>
-                  <a:tcPr anchor="ctr"/>
-                </a:tc>
-                <a:tc>
-                  <a:txBody>
-                    <a:bodyPr/>
-                    <a:lstStyle/>
-                    <a:p>
-                      <a:pPr lvl="0" algn="ctr"/>
-                      <a:r>
-                        <a:rPr lang="it-IT" dirty="0"/>
-                        <a:t>Good</a:t>
-                      </a:r>
-                    </a:p>
-                  </a:txBody>
-                  <a:tcPr anchor="ctr"/>
-                </a:tc>
-                <a:tc>
-                  <a:txBody>
-                    <a:bodyPr/>
-                    <a:lstStyle/>
-                    <a:p>
-                      <a:pPr lvl="0" algn="ctr"/>
-                      <a:r>
-                        <a:rPr lang="it-IT" dirty="0"/>
-                        <a:t>Best</a:t>
-                      </a:r>
-                    </a:p>
-                  </a:txBody>
-                  <a:tcPr anchor="ctr"/>
-                </a:tc>
-                <a:extLst>
-                  <a:ext uri="{0D108BD9-81ED-4DB2-BD59-A6C34878D82A}">
-                    <a16:rowId xmlns:a16="http://schemas.microsoft.com/office/drawing/2014/main" val="3138711893"/>
-                  </a:ext>
-                </a:extLst>
-              </a:tr>
-              <a:tr h="603889">
-                <a:tc>
-                  <a:txBody>
-                    <a:bodyPr/>
-                    <a:lstStyle/>
-                    <a:p>
-                      <a:pPr lvl="0" algn="ctr"/>
-                      <a:r>
-                        <a:rPr lang="it-IT" dirty="0"/>
-                        <a:t>Multi-</a:t>
-                      </a:r>
-                      <a:r>
-                        <a:rPr lang="it-IT" dirty="0" err="1"/>
-                        <a:t>Graph</a:t>
-                      </a:r>
-                      <a:endParaRPr lang="it-IT" dirty="0"/>
-                    </a:p>
-                  </a:txBody>
-                  <a:tcPr anchor="ctr"/>
-                </a:tc>
-                <a:tc>
-                  <a:txBody>
-                    <a:bodyPr/>
-                    <a:lstStyle/>
-                    <a:p>
-                      <a:pPr lvl="0" algn="ctr"/>
-                      <a:r>
-                        <a:rPr lang="it-IT" dirty="0"/>
-                        <a:t>Good</a:t>
-                      </a:r>
-                    </a:p>
-                  </a:txBody>
-                  <a:tcPr anchor="ctr"/>
-                </a:tc>
-                <a:tc>
-                  <a:txBody>
-                    <a:bodyPr/>
-                    <a:lstStyle/>
-                    <a:p>
-                      <a:pPr lvl="0" algn="ctr"/>
-                      <a:r>
-                        <a:rPr lang="it-IT" dirty="0"/>
-                        <a:t>Best</a:t>
-                      </a:r>
-                    </a:p>
-                  </a:txBody>
-                  <a:tcPr anchor="ctr"/>
-                </a:tc>
-                <a:extLst>
-                  <a:ext uri="{0D108BD9-81ED-4DB2-BD59-A6C34878D82A}">
-                    <a16:rowId xmlns:a16="http://schemas.microsoft.com/office/drawing/2014/main" val="2923011995"/>
-                  </a:ext>
-                </a:extLst>
-              </a:tr>
-              <a:tr h="603889">
-                <a:tc>
-                  <a:txBody>
-                    <a:bodyPr/>
-                    <a:lstStyle/>
-                    <a:p>
-                      <a:pPr lvl="0" algn="ctr"/>
-                      <a:r>
-                        <a:rPr lang="it-IT" dirty="0"/>
-                        <a:t>Multi-Patch</a:t>
                       </a:r>
                     </a:p>
                   </a:txBody>
@@ -7144,6 +7016,169 @@
                       </a:pPr>
                       <a:r>
                         <a:rPr lang="it-IT" dirty="0" err="1"/>
+                        <a:t>Depends</a:t>
+                      </a:r>
+                      <a:r>
+                        <a:rPr lang="it-IT" dirty="0"/>
+                        <a:t> on the dataset</a:t>
+                      </a:r>
+                    </a:p>
+                  </a:txBody>
+                  <a:tcPr anchor="ctr"/>
+                </a:tc>
+                <a:extLst>
+                  <a:ext uri="{0D108BD9-81ED-4DB2-BD59-A6C34878D82A}">
+                    <a16:rowId xmlns:a16="http://schemas.microsoft.com/office/drawing/2014/main" val="1680516355"/>
+                  </a:ext>
+                </a:extLst>
+              </a:tr>
+              <a:tr h="603889">
+                <a:tc>
+                  <a:txBody>
+                    <a:bodyPr/>
+                    <a:lstStyle/>
+                    <a:p>
+                      <a:pPr lvl="0" algn="ctr"/>
+                      <a:r>
+                        <a:rPr lang="it-IT" dirty="0"/>
+                        <a:t>Edge-</a:t>
+                      </a:r>
+                      <a:r>
+                        <a:rPr lang="it-IT" dirty="0" err="1"/>
+                        <a:t>Averaging</a:t>
+                      </a:r>
+                      <a:endParaRPr lang="it-IT" dirty="0"/>
+                    </a:p>
+                  </a:txBody>
+                  <a:tcPr anchor="ctr"/>
+                </a:tc>
+                <a:tc>
+                  <a:txBody>
+                    <a:bodyPr/>
+                    <a:lstStyle/>
+                    <a:p>
+                      <a:pPr lvl="0" algn="ctr"/>
+                      <a:r>
+                        <a:rPr lang="it-IT" dirty="0"/>
+                        <a:t>Good</a:t>
+                      </a:r>
+                    </a:p>
+                  </a:txBody>
+                  <a:tcPr anchor="ctr"/>
+                </a:tc>
+                <a:tc>
+                  <a:txBody>
+                    <a:bodyPr/>
+                    <a:lstStyle/>
+                    <a:p>
+                      <a:pPr lvl="0" algn="ctr"/>
+                      <a:r>
+                        <a:rPr lang="it-IT" dirty="0"/>
+                        <a:t>Best</a:t>
+                      </a:r>
+                    </a:p>
+                  </a:txBody>
+                  <a:tcPr anchor="ctr"/>
+                </a:tc>
+                <a:extLst>
+                  <a:ext uri="{0D108BD9-81ED-4DB2-BD59-A6C34878D82A}">
+                    <a16:rowId xmlns:a16="http://schemas.microsoft.com/office/drawing/2014/main" val="3138711893"/>
+                  </a:ext>
+                </a:extLst>
+              </a:tr>
+              <a:tr h="603889">
+                <a:tc>
+                  <a:txBody>
+                    <a:bodyPr/>
+                    <a:lstStyle/>
+                    <a:p>
+                      <a:pPr lvl="0" algn="ctr"/>
+                      <a:r>
+                        <a:rPr lang="it-IT" dirty="0"/>
+                        <a:t>Multi-</a:t>
+                      </a:r>
+                      <a:r>
+                        <a:rPr lang="it-IT" dirty="0" err="1"/>
+                        <a:t>Graph</a:t>
+                      </a:r>
+                      <a:endParaRPr lang="it-IT" dirty="0"/>
+                    </a:p>
+                  </a:txBody>
+                  <a:tcPr anchor="ctr"/>
+                </a:tc>
+                <a:tc>
+                  <a:txBody>
+                    <a:bodyPr/>
+                    <a:lstStyle/>
+                    <a:p>
+                      <a:pPr lvl="0" algn="ctr"/>
+                      <a:r>
+                        <a:rPr lang="it-IT" dirty="0"/>
+                        <a:t>Good</a:t>
+                      </a:r>
+                    </a:p>
+                  </a:txBody>
+                  <a:tcPr anchor="ctr"/>
+                </a:tc>
+                <a:tc>
+                  <a:txBody>
+                    <a:bodyPr/>
+                    <a:lstStyle/>
+                    <a:p>
+                      <a:pPr lvl="0" algn="ctr"/>
+                      <a:r>
+                        <a:rPr lang="it-IT" dirty="0"/>
+                        <a:t>Best</a:t>
+                      </a:r>
+                    </a:p>
+                  </a:txBody>
+                  <a:tcPr anchor="ctr"/>
+                </a:tc>
+                <a:extLst>
+                  <a:ext uri="{0D108BD9-81ED-4DB2-BD59-A6C34878D82A}">
+                    <a16:rowId xmlns:a16="http://schemas.microsoft.com/office/drawing/2014/main" val="2923011995"/>
+                  </a:ext>
+                </a:extLst>
+              </a:tr>
+              <a:tr h="603889">
+                <a:tc>
+                  <a:txBody>
+                    <a:bodyPr/>
+                    <a:lstStyle/>
+                    <a:p>
+                      <a:pPr lvl="0" algn="ctr"/>
+                      <a:r>
+                        <a:rPr lang="it-IT" dirty="0"/>
+                        <a:t>Multi-Patch</a:t>
+                      </a:r>
+                    </a:p>
+                  </a:txBody>
+                  <a:tcPr anchor="ctr"/>
+                </a:tc>
+                <a:tc>
+                  <a:txBody>
+                    <a:bodyPr/>
+                    <a:lstStyle/>
+                    <a:p>
+                      <a:pPr marL="0" marR="0" lvl="0" indent="0" algn="ctr" defTabSz="914400" rtl="0" eaLnBrk="1" fontAlgn="auto" latinLnBrk="0" hangingPunct="1">
+                        <a:lnSpc>
+                          <a:spcPct val="100000"/>
+                        </a:lnSpc>
+                        <a:spcBef>
+                          <a:spcPts val="0"/>
+                        </a:spcBef>
+                        <a:spcAft>
+                          <a:spcPts val="0"/>
+                        </a:spcAft>
+                        <a:buClrTx/>
+                        <a:buSzTx/>
+                        <a:buFontTx/>
+                        <a:buNone/>
+                        <a:tabLst/>
+                        <a:defRPr/>
+                      </a:pPr>
+                      <a:r>
+                        <a:rPr lang="it-IT" dirty="0" err="1"/>
                         <a:t>Worse</a:t>
                       </a:r>
                       <a:r>
@@ -7238,8 +7273,31 @@
                     <a:bodyPr/>
                     <a:lstStyle/>
                     <a:p>
-                      <a:pPr lvl="0" algn="ctr"/>
-                      <a:endParaRPr lang="it-IT" dirty="0"/>
+                      <a:pPr marL="0" marR="0" lvl="0" indent="0" algn="ctr" defTabSz="914400" rtl="0" eaLnBrk="1" fontAlgn="auto" latinLnBrk="0" hangingPunct="1">
+                        <a:lnSpc>
+                          <a:spcPct val="100000"/>
+                        </a:lnSpc>
+                        <a:spcBef>
+                          <a:spcPts val="0"/>
+                        </a:spcBef>
+                        <a:spcAft>
+                          <a:spcPts val="0"/>
+                        </a:spcAft>
+                        <a:buClrTx/>
+                        <a:buSzTx/>
+                        <a:buFontTx/>
+                        <a:buNone/>
+                        <a:tabLst/>
+                        <a:defRPr/>
+                      </a:pPr>
+                      <a:r>
+                        <a:rPr lang="it-IT" dirty="0" err="1"/>
+                        <a:t>Depends</a:t>
+                      </a:r>
+                      <a:r>
+                        <a:rPr lang="it-IT" dirty="0"/>
+                        <a:t> on the dataset</a:t>
+                      </a:r>
                     </a:p>
                   </a:txBody>
                   <a:tcPr anchor="ctr"/>
@@ -7315,10 +7373,42 @@
       </p:grpSpPr>
       <p:sp>
         <p:nvSpPr>
+          <p:cNvPr id="2" name="Titolo 1">
+            <a:extLst>
+              <a:ext uri="{FF2B5EF4-FFF2-40B4-BE49-F238E27FC236}">
+                <a16:creationId xmlns:a16="http://schemas.microsoft.com/office/drawing/2014/main" id="{E4D35C7A-1915-4327-8B24-FE748890A1A9}"/>
+              </a:ext>
+            </a:extLst>
+          </p:cNvPr>
+          <p:cNvSpPr>
+            <a:spLocks noGrp="1"/>
+          </p:cNvSpPr>
+          <p:nvPr>
+            <p:ph type="title"/>
+          </p:nvPr>
+        </p:nvSpPr>
+        <p:spPr/>
+        <p:txBody>
+          <a:bodyPr/>
+          <a:lstStyle/>
+          <a:p>
+            <a:r>
+              <a:rPr lang="it-IT" dirty="0" err="1"/>
+              <a:t>Synthetic</a:t>
+            </a:r>
+            <a:r>
+              <a:rPr lang="it-IT" dirty="0"/>
+              <a:t> Data Generation</a:t>
+            </a:r>
+          </a:p>
+        </p:txBody>
+      </p:sp>
+      <p:sp>
+        <p:nvSpPr>
           <p:cNvPr id="3" name="Segnaposto contenuto 2">
             <a:extLst>
               <a:ext uri="{FF2B5EF4-FFF2-40B4-BE49-F238E27FC236}">
-                <a16:creationId xmlns:a16="http://schemas.microsoft.com/office/drawing/2014/main" id="{17F98153-6C92-4E74-99FF-42FEF4D25699}"/>
+                <a16:creationId xmlns:a16="http://schemas.microsoft.com/office/drawing/2014/main" id="{77C234C1-F34F-4974-A350-9A72977E4FBB}"/>
               </a:ext>
             </a:extLst>
           </p:cNvPr>
@@ -7339,15 +7429,238 @@
             </a:pPr>
             <a:r>
               <a:rPr lang="it-IT" dirty="0"/>
-              <a:t>Thanks for the </a:t>
+              <a:t>Given that it </a:t>
             </a:r>
             <a:r>
               <a:rPr lang="it-IT" dirty="0" err="1"/>
-              <a:t>attention</a:t>
+              <a:t>is</a:t>
             </a:r>
             <a:r>
               <a:rPr lang="it-IT" dirty="0"/>
-              <a:t>!</a:t>
+              <a:t> </a:t>
+            </a:r>
+            <a:r>
+              <a:rPr lang="it-IT" dirty="0" err="1"/>
+              <a:t>difficult</a:t>
+            </a:r>
+            <a:r>
+              <a:rPr lang="it-IT" dirty="0"/>
+              <a:t> to </a:t>
+            </a:r>
+            <a:r>
+              <a:rPr lang="it-IT" dirty="0" err="1"/>
+              <a:t>assess</a:t>
+            </a:r>
+            <a:r>
+              <a:rPr lang="it-IT" dirty="0"/>
+              <a:t> </a:t>
+            </a:r>
+            <a:r>
+              <a:rPr lang="it-IT" dirty="0" err="1"/>
+              <a:t>which</a:t>
+            </a:r>
+            <a:r>
+              <a:rPr lang="it-IT" dirty="0"/>
+              <a:t> </a:t>
+            </a:r>
+            <a:r>
+              <a:rPr lang="it-IT" dirty="0" err="1"/>
+              <a:t>method</a:t>
+            </a:r>
+            <a:r>
+              <a:rPr lang="it-IT" dirty="0"/>
+              <a:t> </a:t>
+            </a:r>
+            <a:r>
+              <a:rPr lang="it-IT" dirty="0" err="1"/>
+              <a:t>is</a:t>
+            </a:r>
+            <a:r>
+              <a:rPr lang="it-IT" dirty="0"/>
+              <a:t> </a:t>
+            </a:r>
+            <a:r>
+              <a:rPr lang="it-IT" dirty="0" err="1"/>
+              <a:t>better</a:t>
+            </a:r>
+            <a:r>
+              <a:rPr lang="it-IT" dirty="0"/>
+              <a:t> </a:t>
+            </a:r>
+            <a:r>
+              <a:rPr lang="it-IT" dirty="0" err="1"/>
+              <a:t>using</a:t>
+            </a:r>
+            <a:r>
+              <a:rPr lang="it-IT" dirty="0"/>
+              <a:t> </a:t>
+            </a:r>
+            <a:r>
+              <a:rPr lang="it-IT" dirty="0" err="1"/>
+              <a:t>only</a:t>
+            </a:r>
+            <a:r>
+              <a:rPr lang="it-IT" dirty="0"/>
+              <a:t> qualitative </a:t>
+            </a:r>
+            <a:r>
+              <a:rPr lang="it-IT" dirty="0" err="1"/>
+              <a:t>evaluation</a:t>
+            </a:r>
+            <a:r>
+              <a:rPr lang="it-IT" dirty="0"/>
+              <a:t> on the </a:t>
+            </a:r>
+            <a:r>
+              <a:rPr lang="it-IT" dirty="0" err="1"/>
+              <a:t>original</a:t>
+            </a:r>
+            <a:r>
+              <a:rPr lang="it-IT" dirty="0"/>
+              <a:t> datasets due to the </a:t>
+            </a:r>
+            <a:r>
+              <a:rPr lang="it-IT" dirty="0" err="1"/>
+              <a:t>fact</a:t>
+            </a:r>
+            <a:r>
+              <a:rPr lang="it-IT" dirty="0"/>
+              <a:t> that the </a:t>
+            </a:r>
+            <a:r>
+              <a:rPr lang="it-IT" dirty="0" err="1"/>
+              <a:t>results</a:t>
+            </a:r>
+            <a:r>
+              <a:rPr lang="it-IT" dirty="0"/>
+              <a:t> are </a:t>
+            </a:r>
+            <a:r>
+              <a:rPr lang="it-IT" dirty="0" err="1"/>
+              <a:t>quite</a:t>
+            </a:r>
+            <a:r>
+              <a:rPr lang="it-IT" dirty="0"/>
+              <a:t> </a:t>
+            </a:r>
+            <a:r>
+              <a:rPr lang="it-IT" dirty="0" err="1"/>
+              <a:t>similar</a:t>
+            </a:r>
+            <a:r>
+              <a:rPr lang="it-IT" dirty="0"/>
+              <a:t>, we </a:t>
+            </a:r>
+            <a:r>
+              <a:rPr lang="it-IT" dirty="0" err="1"/>
+              <a:t>decided</a:t>
+            </a:r>
+            <a:r>
+              <a:rPr lang="it-IT" dirty="0"/>
+              <a:t> to generate </a:t>
+            </a:r>
+            <a:r>
+              <a:rPr lang="it-IT" dirty="0" err="1"/>
+              <a:t>synthetic</a:t>
+            </a:r>
+            <a:r>
+              <a:rPr lang="it-IT" dirty="0"/>
+              <a:t> data </a:t>
+            </a:r>
+            <a:r>
+              <a:rPr lang="it-IT" dirty="0" err="1"/>
+              <a:t>adding</a:t>
+            </a:r>
+            <a:r>
+              <a:rPr lang="it-IT" dirty="0"/>
+              <a:t> </a:t>
+            </a:r>
+            <a:r>
+              <a:rPr lang="it-IT" dirty="0" err="1"/>
+              <a:t>different</a:t>
+            </a:r>
+            <a:r>
+              <a:rPr lang="it-IT" dirty="0"/>
+              <a:t> </a:t>
+            </a:r>
+            <a:r>
+              <a:rPr lang="it-IT" dirty="0" err="1"/>
+              <a:t>levels</a:t>
+            </a:r>
+            <a:r>
+              <a:rPr lang="it-IT" dirty="0"/>
+              <a:t> of </a:t>
+            </a:r>
+            <a:r>
+              <a:rPr lang="it-IT" dirty="0" err="1"/>
+              <a:t>noise</a:t>
+            </a:r>
+            <a:r>
+              <a:rPr lang="it-IT" dirty="0"/>
+              <a:t> to </a:t>
+            </a:r>
+            <a:r>
+              <a:rPr lang="it-IT" dirty="0" err="1"/>
+              <a:t>real</a:t>
+            </a:r>
+            <a:r>
+              <a:rPr lang="it-IT" dirty="0"/>
+              <a:t> data.</a:t>
+            </a:r>
+          </a:p>
+          <a:p>
+            <a:pPr marL="0" indent="0">
+              <a:buNone/>
+            </a:pPr>
+            <a:endParaRPr lang="it-IT" dirty="0"/>
+          </a:p>
+          <a:p>
+            <a:pPr marL="0" indent="0">
+              <a:buNone/>
+            </a:pPr>
+            <a:r>
+              <a:rPr lang="it-IT" dirty="0"/>
+              <a:t>In </a:t>
+            </a:r>
+            <a:r>
+              <a:rPr lang="it-IT" dirty="0" err="1"/>
+              <a:t>particular</a:t>
+            </a:r>
+            <a:r>
+              <a:rPr lang="it-IT" dirty="0"/>
+              <a:t>, we </a:t>
+            </a:r>
+            <a:r>
+              <a:rPr lang="it-IT" dirty="0" err="1"/>
+              <a:t>added</a:t>
+            </a:r>
+            <a:r>
+              <a:rPr lang="it-IT" dirty="0"/>
+              <a:t> a </a:t>
+            </a:r>
+            <a:r>
+              <a:rPr lang="it-IT" dirty="0" err="1"/>
+              <a:t>Gaussian</a:t>
+            </a:r>
+            <a:r>
+              <a:rPr lang="it-IT" dirty="0"/>
+              <a:t> </a:t>
+            </a:r>
+            <a:r>
+              <a:rPr lang="it-IT" dirty="0" err="1"/>
+              <a:t>noise</a:t>
+            </a:r>
+            <a:r>
+              <a:rPr lang="it-IT" dirty="0"/>
+              <a:t> to the points </a:t>
+            </a:r>
+            <a:r>
+              <a:rPr lang="it-IT" dirty="0" err="1"/>
+              <a:t>identified</a:t>
+            </a:r>
+            <a:r>
+              <a:rPr lang="it-IT" dirty="0"/>
+              <a:t> by SIFT.</a:t>
             </a:r>
           </a:p>
         </p:txBody>
@@ -7357,7 +7670,7 @@
           <p:cNvPr id="4" name="Segnaposto numero diapositiva 3">
             <a:extLst>
               <a:ext uri="{FF2B5EF4-FFF2-40B4-BE49-F238E27FC236}">
-                <a16:creationId xmlns:a16="http://schemas.microsoft.com/office/drawing/2014/main" id="{DB90A12C-72E7-42F5-93A0-5C517DE694DD}"/>
+                <a16:creationId xmlns:a16="http://schemas.microsoft.com/office/drawing/2014/main" id="{89B9577A-1A5E-468A-9944-70CE8167FB69}"/>
               </a:ext>
             </a:extLst>
           </p:cNvPr>
@@ -7384,7 +7697,649 @@
     </p:spTree>
     <p:extLst>
       <p:ext uri="{BB962C8B-B14F-4D97-AF65-F5344CB8AC3E}">
-        <p14:creationId xmlns:p14="http://schemas.microsoft.com/office/powerpoint/2010/main" val="2430723475"/>
+        <p14:creationId xmlns:p14="http://schemas.microsoft.com/office/powerpoint/2010/main" val="3236017771"/>
+      </p:ext>
+    </p:extLst>
+  </p:cSld>
+  <p:clrMapOvr>
+    <a:masterClrMapping/>
+  </p:clrMapOvr>
+</p:sld>
+</file>
+
+<file path=ppt/slides/slide19.xml><?xml version="1.0" encoding="utf-8"?>
+<p:sld xmlns:a="http://schemas.openxmlformats.org/drawingml/2006/main" xmlns:r="http://schemas.openxmlformats.org/officeDocument/2006/relationships" xmlns:p="http://schemas.openxmlformats.org/presentationml/2006/main">
+  <p:cSld>
+    <p:spTree>
+      <p:nvGrpSpPr>
+        <p:cNvPr id="1" name=""/>
+        <p:cNvGrpSpPr/>
+        <p:nvPr/>
+      </p:nvGrpSpPr>
+      <p:grpSpPr>
+        <a:xfrm>
+          <a:off x="0" y="0"/>
+          <a:ext cx="0" cy="0"/>
+          <a:chOff x="0" y="0"/>
+          <a:chExt cx="0" cy="0"/>
+        </a:xfrm>
+      </p:grpSpPr>
+      <p:sp>
+        <p:nvSpPr>
+          <p:cNvPr id="2" name="Titolo 1">
+            <a:extLst>
+              <a:ext uri="{FF2B5EF4-FFF2-40B4-BE49-F238E27FC236}">
+                <a16:creationId xmlns:a16="http://schemas.microsoft.com/office/drawing/2014/main" id="{495D96F7-2FE1-4378-9960-270DE10E428E}"/>
+              </a:ext>
+            </a:extLst>
+          </p:cNvPr>
+          <p:cNvSpPr>
+            <a:spLocks noGrp="1"/>
+          </p:cNvSpPr>
+          <p:nvPr>
+            <p:ph type="title"/>
+          </p:nvPr>
+        </p:nvSpPr>
+        <p:spPr/>
+        <p:txBody>
+          <a:bodyPr/>
+          <a:lstStyle/>
+          <a:p>
+            <a:r>
+              <a:rPr lang="it-IT" dirty="0"/>
+              <a:t>Qualitative </a:t>
+            </a:r>
+            <a:r>
+              <a:rPr lang="it-IT" dirty="0" err="1"/>
+              <a:t>Outcomes</a:t>
+            </a:r>
+            <a:endParaRPr lang="it-IT" dirty="0"/>
+          </a:p>
+        </p:txBody>
+      </p:sp>
+      <p:graphicFrame>
+        <p:nvGraphicFramePr>
+          <p:cNvPr id="6" name="Tabella 6">
+            <a:extLst>
+              <a:ext uri="{FF2B5EF4-FFF2-40B4-BE49-F238E27FC236}">
+                <a16:creationId xmlns:a16="http://schemas.microsoft.com/office/drawing/2014/main" id="{93F50962-AA32-4932-8B30-6BCBBA795DB3}"/>
+              </a:ext>
+            </a:extLst>
+          </p:cNvPr>
+          <p:cNvGraphicFramePr>
+            <a:graphicFrameLocks noGrp="1"/>
+          </p:cNvGraphicFramePr>
+          <p:nvPr>
+            <p:ph idx="1"/>
+          </p:nvPr>
+        </p:nvGraphicFramePr>
+        <p:xfrm>
+          <a:off x="838200" y="1690688"/>
+          <a:ext cx="10515600" cy="4738045"/>
+        </p:xfrm>
+        <a:graphic>
+          <a:graphicData uri="http://schemas.openxmlformats.org/drawingml/2006/table">
+            <a:tbl>
+              <a:tblPr firstRow="1" bandRow="1">
+                <a:tableStyleId>{5C22544A-7EE6-4342-B048-85BDC9FD1C3A}</a:tableStyleId>
+              </a:tblPr>
+              <a:tblGrid>
+                <a:gridCol w="3505200">
+                  <a:extLst>
+                    <a:ext uri="{9D8B030D-6E8A-4147-A177-3AD203B41FA5}">
+                      <a16:colId xmlns:a16="http://schemas.microsoft.com/office/drawing/2014/main" val="3619717162"/>
+                    </a:ext>
+                  </a:extLst>
+                </a:gridCol>
+                <a:gridCol w="3505200">
+                  <a:extLst>
+                    <a:ext uri="{9D8B030D-6E8A-4147-A177-3AD203B41FA5}">
+                      <a16:colId xmlns:a16="http://schemas.microsoft.com/office/drawing/2014/main" val="4177988035"/>
+                    </a:ext>
+                  </a:extLst>
+                </a:gridCol>
+                <a:gridCol w="3505200">
+                  <a:extLst>
+                    <a:ext uri="{9D8B030D-6E8A-4147-A177-3AD203B41FA5}">
+                      <a16:colId xmlns:a16="http://schemas.microsoft.com/office/drawing/2014/main" val="261268800"/>
+                    </a:ext>
+                  </a:extLst>
+                </a:gridCol>
+              </a:tblGrid>
+              <a:tr h="1042329">
+                <a:tc>
+                  <a:txBody>
+                    <a:bodyPr/>
+                    <a:lstStyle/>
+                    <a:p>
+                      <a:pPr lvl="0" algn="ctr"/>
+                      <a:r>
+                        <a:rPr lang="it-IT" dirty="0"/>
+                        <a:t>Method</a:t>
+                      </a:r>
+                    </a:p>
+                  </a:txBody>
+                  <a:tcPr anchor="ctr"/>
+                </a:tc>
+                <a:tc>
+                  <a:txBody>
+                    <a:bodyPr/>
+                    <a:lstStyle/>
+                    <a:p>
+                      <a:pPr lvl="0" algn="ctr"/>
+                      <a:r>
+                        <a:rPr lang="it-IT" dirty="0"/>
+                        <a:t>Real Data - Qualitative</a:t>
+                      </a:r>
+                    </a:p>
+                  </a:txBody>
+                  <a:tcPr anchor="ctr"/>
+                </a:tc>
+                <a:tc>
+                  <a:txBody>
+                    <a:bodyPr/>
+                    <a:lstStyle/>
+                    <a:p>
+                      <a:pPr marL="0" marR="0" lvl="0" indent="0" algn="ctr" defTabSz="914400" rtl="0" eaLnBrk="1" fontAlgn="auto" latinLnBrk="0" hangingPunct="1">
+                        <a:lnSpc>
+                          <a:spcPct val="100000"/>
+                        </a:lnSpc>
+                        <a:spcBef>
+                          <a:spcPts val="0"/>
+                        </a:spcBef>
+                        <a:spcAft>
+                          <a:spcPts val="0"/>
+                        </a:spcAft>
+                        <a:buClrTx/>
+                        <a:buSzTx/>
+                        <a:buFontTx/>
+                        <a:buNone/>
+                        <a:tabLst/>
+                        <a:defRPr/>
+                      </a:pPr>
+                      <a:r>
+                        <a:rPr lang="it-IT" dirty="0" err="1"/>
+                        <a:t>Synthetic</a:t>
+                      </a:r>
+                      <a:r>
+                        <a:rPr lang="it-IT" dirty="0"/>
+                        <a:t> Data - Qualitative</a:t>
+                      </a:r>
+                    </a:p>
+                  </a:txBody>
+                  <a:tcPr anchor="ctr"/>
+                </a:tc>
+                <a:extLst>
+                  <a:ext uri="{0D108BD9-81ED-4DB2-BD59-A6C34878D82A}">
+                    <a16:rowId xmlns:a16="http://schemas.microsoft.com/office/drawing/2014/main" val="244694137"/>
+                  </a:ext>
+                </a:extLst>
+              </a:tr>
+              <a:tr h="603889">
+                <a:tc>
+                  <a:txBody>
+                    <a:bodyPr/>
+                    <a:lstStyle/>
+                    <a:p>
+                      <a:pPr lvl="0" algn="ctr"/>
+                      <a:r>
+                        <a:rPr lang="it-IT" dirty="0"/>
+                        <a:t>Basic</a:t>
+                      </a:r>
+                    </a:p>
+                  </a:txBody>
+                  <a:tcPr anchor="ctr"/>
+                </a:tc>
+                <a:tc>
+                  <a:txBody>
+                    <a:bodyPr/>
+                    <a:lstStyle/>
+                    <a:p>
+                      <a:pPr lvl="0" algn="ctr"/>
+                      <a:r>
+                        <a:rPr lang="it-IT" dirty="0" err="1"/>
+                        <a:t>Worse</a:t>
+                      </a:r>
+                      <a:r>
+                        <a:rPr lang="it-IT" dirty="0"/>
+                        <a:t> </a:t>
+                      </a:r>
+                      <a:r>
+                        <a:rPr lang="it-IT" dirty="0" err="1"/>
+                        <a:t>than</a:t>
+                      </a:r>
+                      <a:r>
+                        <a:rPr lang="it-IT" dirty="0"/>
+                        <a:t> the </a:t>
+                      </a:r>
+                      <a:r>
+                        <a:rPr lang="it-IT" dirty="0" err="1"/>
+                        <a:t>others</a:t>
+                      </a:r>
+                      <a:r>
+                        <a:rPr lang="it-IT" dirty="0"/>
+                        <a:t> in some </a:t>
+                      </a:r>
+                      <a:r>
+                        <a:rPr lang="it-IT" dirty="0" err="1"/>
+                        <a:t>cases</a:t>
+                      </a:r>
+                      <a:endParaRPr lang="it-IT" dirty="0"/>
+                    </a:p>
+                  </a:txBody>
+                  <a:tcPr anchor="ctr"/>
+                </a:tc>
+                <a:tc>
+                  <a:txBody>
+                    <a:bodyPr/>
+                    <a:lstStyle/>
+                    <a:p>
+                      <a:pPr lvl="0" algn="ctr"/>
+                      <a:r>
+                        <a:rPr lang="it-IT" dirty="0" err="1"/>
+                        <a:t>Depends</a:t>
+                      </a:r>
+                      <a:r>
+                        <a:rPr lang="it-IT" dirty="0"/>
+                        <a:t> on the dataset</a:t>
+                      </a:r>
+                    </a:p>
+                  </a:txBody>
+                  <a:tcPr anchor="ctr"/>
+                </a:tc>
+                <a:extLst>
+                  <a:ext uri="{0D108BD9-81ED-4DB2-BD59-A6C34878D82A}">
+                    <a16:rowId xmlns:a16="http://schemas.microsoft.com/office/drawing/2014/main" val="601876623"/>
+                  </a:ext>
+                </a:extLst>
+              </a:tr>
+              <a:tr h="603889">
+                <a:tc>
+                  <a:txBody>
+                    <a:bodyPr/>
+                    <a:lstStyle/>
+                    <a:p>
+                      <a:pPr lvl="0" algn="ctr"/>
+                      <a:r>
+                        <a:rPr lang="it-IT" dirty="0"/>
+                        <a:t>Simple-</a:t>
+                      </a:r>
+                      <a:r>
+                        <a:rPr lang="it-IT" dirty="0" err="1"/>
+                        <a:t>Graph</a:t>
+                      </a:r>
+                      <a:endParaRPr lang="it-IT" dirty="0"/>
+                    </a:p>
+                  </a:txBody>
+                  <a:tcPr anchor="ctr"/>
+                </a:tc>
+                <a:tc>
+                  <a:txBody>
+                    <a:bodyPr/>
+                    <a:lstStyle/>
+                    <a:p>
+                      <a:pPr lvl="0" algn="ctr"/>
+                      <a:r>
+                        <a:rPr lang="it-IT" dirty="0"/>
+                        <a:t>Good</a:t>
+                      </a:r>
+                    </a:p>
+                  </a:txBody>
+                  <a:tcPr anchor="ctr"/>
+                </a:tc>
+                <a:tc>
+                  <a:txBody>
+                    <a:bodyPr/>
+                    <a:lstStyle/>
+                    <a:p>
+                      <a:pPr marL="0" marR="0" lvl="0" indent="0" algn="ctr" defTabSz="914400" rtl="0" eaLnBrk="1" fontAlgn="auto" latinLnBrk="0" hangingPunct="1">
+                        <a:lnSpc>
+                          <a:spcPct val="100000"/>
+                        </a:lnSpc>
+                        <a:spcBef>
+                          <a:spcPts val="0"/>
+                        </a:spcBef>
+                        <a:spcAft>
+                          <a:spcPts val="0"/>
+                        </a:spcAft>
+                        <a:buClrTx/>
+                        <a:buSzTx/>
+                        <a:buFontTx/>
+                        <a:buNone/>
+                        <a:tabLst/>
+                        <a:defRPr/>
+                      </a:pPr>
+                      <a:r>
+                        <a:rPr lang="it-IT" dirty="0" err="1"/>
+                        <a:t>Depends</a:t>
+                      </a:r>
+                      <a:r>
+                        <a:rPr lang="it-IT" dirty="0"/>
+                        <a:t> on the dataset</a:t>
+                      </a:r>
+                    </a:p>
+                  </a:txBody>
+                  <a:tcPr anchor="ctr"/>
+                </a:tc>
+                <a:extLst>
+                  <a:ext uri="{0D108BD9-81ED-4DB2-BD59-A6C34878D82A}">
+                    <a16:rowId xmlns:a16="http://schemas.microsoft.com/office/drawing/2014/main" val="1680516355"/>
+                  </a:ext>
+                </a:extLst>
+              </a:tr>
+              <a:tr h="603889">
+                <a:tc>
+                  <a:txBody>
+                    <a:bodyPr/>
+                    <a:lstStyle/>
+                    <a:p>
+                      <a:pPr lvl="0" algn="ctr"/>
+                      <a:r>
+                        <a:rPr lang="it-IT" dirty="0"/>
+                        <a:t>Edge-</a:t>
+                      </a:r>
+                      <a:r>
+                        <a:rPr lang="it-IT" dirty="0" err="1"/>
+                        <a:t>Averaging</a:t>
+                      </a:r>
+                      <a:endParaRPr lang="it-IT" dirty="0"/>
+                    </a:p>
+                  </a:txBody>
+                  <a:tcPr anchor="ctr"/>
+                </a:tc>
+                <a:tc>
+                  <a:txBody>
+                    <a:bodyPr/>
+                    <a:lstStyle/>
+                    <a:p>
+                      <a:pPr lvl="0" algn="ctr"/>
+                      <a:r>
+                        <a:rPr lang="it-IT" dirty="0"/>
+                        <a:t>Good</a:t>
+                      </a:r>
+                    </a:p>
+                  </a:txBody>
+                  <a:tcPr anchor="ctr"/>
+                </a:tc>
+                <a:tc>
+                  <a:txBody>
+                    <a:bodyPr/>
+                    <a:lstStyle/>
+                    <a:p>
+                      <a:pPr lvl="0" algn="ctr"/>
+                      <a:r>
+                        <a:rPr lang="it-IT" dirty="0"/>
+                        <a:t>Best</a:t>
+                      </a:r>
+                    </a:p>
+                  </a:txBody>
+                  <a:tcPr anchor="ctr"/>
+                </a:tc>
+                <a:extLst>
+                  <a:ext uri="{0D108BD9-81ED-4DB2-BD59-A6C34878D82A}">
+                    <a16:rowId xmlns:a16="http://schemas.microsoft.com/office/drawing/2014/main" val="3138711893"/>
+                  </a:ext>
+                </a:extLst>
+              </a:tr>
+              <a:tr h="603889">
+                <a:tc>
+                  <a:txBody>
+                    <a:bodyPr/>
+                    <a:lstStyle/>
+                    <a:p>
+                      <a:pPr lvl="0" algn="ctr"/>
+                      <a:r>
+                        <a:rPr lang="it-IT" dirty="0"/>
+                        <a:t>Multi-</a:t>
+                      </a:r>
+                      <a:r>
+                        <a:rPr lang="it-IT" dirty="0" err="1"/>
+                        <a:t>Graph</a:t>
+                      </a:r>
+                      <a:endParaRPr lang="it-IT" dirty="0"/>
+                    </a:p>
+                  </a:txBody>
+                  <a:tcPr anchor="ctr"/>
+                </a:tc>
+                <a:tc>
+                  <a:txBody>
+                    <a:bodyPr/>
+                    <a:lstStyle/>
+                    <a:p>
+                      <a:pPr lvl="0" algn="ctr"/>
+                      <a:r>
+                        <a:rPr lang="it-IT" dirty="0"/>
+                        <a:t>Good</a:t>
+                      </a:r>
+                    </a:p>
+                  </a:txBody>
+                  <a:tcPr anchor="ctr"/>
+                </a:tc>
+                <a:tc>
+                  <a:txBody>
+                    <a:bodyPr/>
+                    <a:lstStyle/>
+                    <a:p>
+                      <a:pPr lvl="0" algn="ctr"/>
+                      <a:r>
+                        <a:rPr lang="it-IT" dirty="0"/>
+                        <a:t>Best</a:t>
+                      </a:r>
+                    </a:p>
+                  </a:txBody>
+                  <a:tcPr anchor="ctr"/>
+                </a:tc>
+                <a:extLst>
+                  <a:ext uri="{0D108BD9-81ED-4DB2-BD59-A6C34878D82A}">
+                    <a16:rowId xmlns:a16="http://schemas.microsoft.com/office/drawing/2014/main" val="2923011995"/>
+                  </a:ext>
+                </a:extLst>
+              </a:tr>
+              <a:tr h="603889">
+                <a:tc>
+                  <a:txBody>
+                    <a:bodyPr/>
+                    <a:lstStyle/>
+                    <a:p>
+                      <a:pPr lvl="0" algn="ctr"/>
+                      <a:r>
+                        <a:rPr lang="it-IT" dirty="0"/>
+                        <a:t>Multi-Patch</a:t>
+                      </a:r>
+                    </a:p>
+                  </a:txBody>
+                  <a:tcPr anchor="ctr"/>
+                </a:tc>
+                <a:tc>
+                  <a:txBody>
+                    <a:bodyPr/>
+                    <a:lstStyle/>
+                    <a:p>
+                      <a:pPr marL="0" marR="0" lvl="0" indent="0" algn="ctr" defTabSz="914400" rtl="0" eaLnBrk="1" fontAlgn="auto" latinLnBrk="0" hangingPunct="1">
+                        <a:lnSpc>
+                          <a:spcPct val="100000"/>
+                        </a:lnSpc>
+                        <a:spcBef>
+                          <a:spcPts val="0"/>
+                        </a:spcBef>
+                        <a:spcAft>
+                          <a:spcPts val="0"/>
+                        </a:spcAft>
+                        <a:buClrTx/>
+                        <a:buSzTx/>
+                        <a:buFontTx/>
+                        <a:buNone/>
+                        <a:tabLst/>
+                        <a:defRPr/>
+                      </a:pPr>
+                      <a:r>
+                        <a:rPr lang="it-IT" dirty="0" err="1"/>
+                        <a:t>Worse</a:t>
+                      </a:r>
+                      <a:r>
+                        <a:rPr lang="it-IT" dirty="0"/>
+                        <a:t> </a:t>
+                      </a:r>
+                      <a:r>
+                        <a:rPr lang="it-IT" dirty="0" err="1"/>
+                        <a:t>than</a:t>
+                      </a:r>
+                      <a:r>
+                        <a:rPr lang="it-IT" dirty="0"/>
+                        <a:t> the </a:t>
+                      </a:r>
+                      <a:r>
+                        <a:rPr lang="it-IT" dirty="0" err="1"/>
+                        <a:t>others</a:t>
+                      </a:r>
+                      <a:r>
+                        <a:rPr lang="it-IT" dirty="0"/>
+                        <a:t> in some </a:t>
+                      </a:r>
+                      <a:r>
+                        <a:rPr lang="it-IT" dirty="0" err="1"/>
+                        <a:t>cases</a:t>
+                      </a:r>
+                      <a:endParaRPr lang="it-IT" dirty="0"/>
+                    </a:p>
+                  </a:txBody>
+                  <a:tcPr anchor="ctr"/>
+                </a:tc>
+                <a:tc>
+                  <a:txBody>
+                    <a:bodyPr/>
+                    <a:lstStyle/>
+                    <a:p>
+                      <a:pPr lvl="0" algn="ctr"/>
+                      <a:r>
+                        <a:rPr lang="it-IT" dirty="0" err="1"/>
+                        <a:t>Worst</a:t>
+                      </a:r>
+                      <a:endParaRPr lang="it-IT" dirty="0"/>
+                    </a:p>
+                  </a:txBody>
+                  <a:tcPr anchor="ctr"/>
+                </a:tc>
+                <a:extLst>
+                  <a:ext uri="{0D108BD9-81ED-4DB2-BD59-A6C34878D82A}">
+                    <a16:rowId xmlns:a16="http://schemas.microsoft.com/office/drawing/2014/main" val="2621733972"/>
+                  </a:ext>
+                </a:extLst>
+              </a:tr>
+              <a:tr h="603889">
+                <a:tc>
+                  <a:txBody>
+                    <a:bodyPr/>
+                    <a:lstStyle/>
+                    <a:p>
+                      <a:pPr lvl="0" algn="ctr"/>
+                      <a:r>
+                        <a:rPr lang="it-IT" dirty="0"/>
+                        <a:t>Edge-</a:t>
+                      </a:r>
+                      <a:r>
+                        <a:rPr lang="it-IT" dirty="0" err="1"/>
+                        <a:t>Averaging</a:t>
+                      </a:r>
+                      <a:r>
+                        <a:rPr lang="it-IT" dirty="0"/>
+                        <a:t> Patch</a:t>
+                      </a:r>
+                    </a:p>
+                  </a:txBody>
+                  <a:tcPr anchor="ctr"/>
+                </a:tc>
+                <a:tc>
+                  <a:txBody>
+                    <a:bodyPr/>
+                    <a:lstStyle/>
+                    <a:p>
+                      <a:pPr lvl="0" algn="ctr"/>
+                      <a:r>
+                        <a:rPr lang="it-IT" dirty="0"/>
+                        <a:t>Good</a:t>
+                      </a:r>
+                    </a:p>
+                  </a:txBody>
+                  <a:tcPr anchor="ctr"/>
+                </a:tc>
+                <a:tc>
+                  <a:txBody>
+                    <a:bodyPr/>
+                    <a:lstStyle/>
+                    <a:p>
+                      <a:pPr marL="0" marR="0" lvl="0" indent="0" algn="ctr" defTabSz="914400" rtl="0" eaLnBrk="1" fontAlgn="auto" latinLnBrk="0" hangingPunct="1">
+                        <a:lnSpc>
+                          <a:spcPct val="100000"/>
+                        </a:lnSpc>
+                        <a:spcBef>
+                          <a:spcPts val="0"/>
+                        </a:spcBef>
+                        <a:spcAft>
+                          <a:spcPts val="0"/>
+                        </a:spcAft>
+                        <a:buClrTx/>
+                        <a:buSzTx/>
+                        <a:buFontTx/>
+                        <a:buNone/>
+                        <a:tabLst/>
+                        <a:defRPr/>
+                      </a:pPr>
+                      <a:r>
+                        <a:rPr lang="it-IT" dirty="0" err="1"/>
+                        <a:t>Depends</a:t>
+                      </a:r>
+                      <a:r>
+                        <a:rPr lang="it-IT" dirty="0"/>
+                        <a:t> on the dataset</a:t>
+                      </a:r>
+                    </a:p>
+                  </a:txBody>
+                  <a:tcPr anchor="ctr"/>
+                </a:tc>
+                <a:extLst>
+                  <a:ext uri="{0D108BD9-81ED-4DB2-BD59-A6C34878D82A}">
+                    <a16:rowId xmlns:a16="http://schemas.microsoft.com/office/drawing/2014/main" val="1772373388"/>
+                  </a:ext>
+                </a:extLst>
+              </a:tr>
+            </a:tbl>
+          </a:graphicData>
+        </a:graphic>
+      </p:graphicFrame>
+      <p:sp>
+        <p:nvSpPr>
+          <p:cNvPr id="4" name="Segnaposto numero diapositiva 3">
+            <a:extLst>
+              <a:ext uri="{FF2B5EF4-FFF2-40B4-BE49-F238E27FC236}">
+                <a16:creationId xmlns:a16="http://schemas.microsoft.com/office/drawing/2014/main" id="{5E98BC4A-D763-4ECE-BC32-D1D3037F3EBF}"/>
+              </a:ext>
+            </a:extLst>
+          </p:cNvPr>
+          <p:cNvSpPr>
+            <a:spLocks noGrp="1"/>
+          </p:cNvSpPr>
+          <p:nvPr>
+            <p:ph type="sldNum" sz="quarter" idx="12"/>
+          </p:nvPr>
+        </p:nvSpPr>
+        <p:spPr/>
+        <p:txBody>
+          <a:bodyPr/>
+          <a:lstStyle/>
+          <a:p>
+            <a:fld id="{20167E32-692D-406A-B56C-4D271B4CF259}" type="slidenum">
+              <a:rPr lang="it-IT" smtClean="0"/>
+              <a:t>19</a:t>
+            </a:fld>
+            <a:endParaRPr lang="it-IT"/>
+          </a:p>
+        </p:txBody>
+      </p:sp>
+    </p:spTree>
+    <p:extLst>
+      <p:ext uri="{BB962C8B-B14F-4D97-AF65-F5344CB8AC3E}">
+        <p14:creationId xmlns:p14="http://schemas.microsoft.com/office/powerpoint/2010/main" val="2687007650"/>
       </p:ext>
     </p:extLst>
   </p:cSld>
@@ -7456,27 +8411,220 @@
             <p:ph idx="1"/>
           </p:nvPr>
         </p:nvSpPr>
-        <p:spPr/>
-        <p:txBody>
-          <a:bodyPr/>
-          <a:lstStyle/>
-          <a:p>
-            <a:r>
-              <a:rPr lang="it-IT" dirty="0" err="1"/>
+        <p:spPr>
+          <a:xfrm>
+            <a:off x="838200" y="1315263"/>
+            <a:ext cx="10515600" cy="5744756"/>
+          </a:xfrm>
+        </p:spPr>
+        <p:txBody>
+          <a:bodyPr>
+            <a:normAutofit/>
+          </a:bodyPr>
+          <a:lstStyle/>
+          <a:p>
+            <a:r>
+              <a:rPr lang="it-IT" sz="2000" dirty="0" err="1"/>
               <a:t>Introduction</a:t>
             </a:r>
-            <a:endParaRPr lang="it-IT" dirty="0"/>
-          </a:p>
-          <a:p>
-            <a:r>
-              <a:rPr lang="it-IT" dirty="0"/>
-              <a:t>Our focus: </a:t>
-            </a:r>
-            <a:r>
-              <a:rPr lang="it-IT" dirty="0" err="1"/>
+            <a:endParaRPr lang="it-IT" sz="2000" dirty="0"/>
+          </a:p>
+          <a:p>
+            <a:r>
+              <a:rPr lang="it-IT" sz="2000" dirty="0" err="1"/>
               <a:t>Alignment</a:t>
             </a:r>
-            <a:endParaRPr lang="it-IT" dirty="0"/>
+            <a:endParaRPr lang="it-IT" sz="2000" dirty="0"/>
+          </a:p>
+          <a:p>
+            <a:r>
+              <a:rPr lang="it-IT" sz="2000" dirty="0" err="1"/>
+              <a:t>Pair-wise</a:t>
+            </a:r>
+            <a:r>
+              <a:rPr lang="it-IT" sz="2000" dirty="0"/>
+              <a:t> </a:t>
+            </a:r>
+            <a:r>
+              <a:rPr lang="it-IT" sz="2000" dirty="0" err="1"/>
+              <a:t>Homography</a:t>
+            </a:r>
+            <a:r>
+              <a:rPr lang="it-IT" sz="2000" dirty="0"/>
+              <a:t> </a:t>
+            </a:r>
+            <a:r>
+              <a:rPr lang="it-IT" sz="2000" dirty="0" err="1"/>
+              <a:t>Representation</a:t>
+            </a:r>
+            <a:endParaRPr lang="it-IT" sz="2000" dirty="0"/>
+          </a:p>
+          <a:p>
+            <a:r>
+              <a:rPr lang="it-IT" sz="2000" dirty="0"/>
+              <a:t>Our focus: Global </a:t>
+            </a:r>
+            <a:r>
+              <a:rPr lang="it-IT" sz="2000" dirty="0" err="1"/>
+              <a:t>Homography</a:t>
+            </a:r>
+            <a:r>
+              <a:rPr lang="it-IT" sz="2000" dirty="0"/>
+              <a:t> </a:t>
+            </a:r>
+            <a:r>
+              <a:rPr lang="it-IT" sz="2000" dirty="0" err="1"/>
+              <a:t>Estimation</a:t>
+            </a:r>
+            <a:endParaRPr lang="it-IT" sz="2000" dirty="0"/>
+          </a:p>
+          <a:p>
+            <a:pPr lvl="1"/>
+            <a:r>
+              <a:rPr lang="it-IT" sz="1600" dirty="0"/>
+              <a:t>Basic </a:t>
+            </a:r>
+            <a:r>
+              <a:rPr lang="it-IT" sz="1600" dirty="0" err="1"/>
+              <a:t>Approach</a:t>
+            </a:r>
+            <a:endParaRPr lang="it-IT" sz="1600" dirty="0"/>
+          </a:p>
+          <a:p>
+            <a:pPr lvl="1"/>
+            <a:r>
+              <a:rPr lang="it-IT" sz="1600" dirty="0"/>
+              <a:t>Simple-</a:t>
+            </a:r>
+            <a:r>
+              <a:rPr lang="it-IT" sz="1600" dirty="0" err="1"/>
+              <a:t>Graph</a:t>
+            </a:r>
+            <a:endParaRPr lang="it-IT" sz="1600" dirty="0"/>
+          </a:p>
+          <a:p>
+            <a:pPr lvl="1"/>
+            <a:r>
+              <a:rPr lang="it-IT" sz="1600" dirty="0"/>
+              <a:t>Edge-</a:t>
+            </a:r>
+            <a:r>
+              <a:rPr lang="it-IT" sz="1600" dirty="0" err="1"/>
+              <a:t>Averaging</a:t>
+            </a:r>
+            <a:endParaRPr lang="it-IT" sz="1600" dirty="0"/>
+          </a:p>
+          <a:p>
+            <a:pPr lvl="1"/>
+            <a:r>
+              <a:rPr lang="it-IT" sz="1600" dirty="0"/>
+              <a:t>Multi-</a:t>
+            </a:r>
+            <a:r>
+              <a:rPr lang="it-IT" sz="1600" dirty="0" err="1"/>
+              <a:t>Graph</a:t>
+            </a:r>
+            <a:endParaRPr lang="it-IT" sz="1600" dirty="0"/>
+          </a:p>
+          <a:p>
+            <a:pPr lvl="1"/>
+            <a:r>
+              <a:rPr lang="it-IT" sz="1600" dirty="0"/>
+              <a:t>Multi-Patch</a:t>
+            </a:r>
+          </a:p>
+          <a:p>
+            <a:pPr lvl="1"/>
+            <a:r>
+              <a:rPr lang="it-IT" sz="1600" dirty="0"/>
+              <a:t>Edge-</a:t>
+            </a:r>
+            <a:r>
+              <a:rPr lang="it-IT" sz="1600" dirty="0" err="1"/>
+              <a:t>Averaging</a:t>
+            </a:r>
+            <a:r>
+              <a:rPr lang="it-IT" sz="1600" dirty="0"/>
+              <a:t> Patch</a:t>
+            </a:r>
+          </a:p>
+          <a:p>
+            <a:r>
+              <a:rPr lang="it-IT" sz="2000" dirty="0"/>
+              <a:t>Compositing</a:t>
+            </a:r>
+          </a:p>
+          <a:p>
+            <a:r>
+              <a:rPr lang="it-IT" sz="2000" dirty="0"/>
+              <a:t>Evaluation</a:t>
+            </a:r>
+          </a:p>
+          <a:p>
+            <a:pPr lvl="1"/>
+            <a:r>
+              <a:rPr lang="it-IT" sz="1600" dirty="0"/>
+              <a:t>Real data </a:t>
+            </a:r>
+            <a:r>
+              <a:rPr lang="it-IT" sz="1600" dirty="0" err="1"/>
+              <a:t>evaluation</a:t>
+            </a:r>
+            <a:endParaRPr lang="it-IT" sz="1600" dirty="0"/>
+          </a:p>
+          <a:p>
+            <a:pPr lvl="1"/>
+            <a:r>
+              <a:rPr lang="it-IT" sz="1600" dirty="0" err="1"/>
+              <a:t>Synthetic</a:t>
+            </a:r>
+            <a:r>
+              <a:rPr lang="it-IT" sz="1600" dirty="0"/>
+              <a:t> data </a:t>
+            </a:r>
+            <a:r>
+              <a:rPr lang="it-IT" sz="1600" dirty="0" err="1"/>
+              <a:t>evaluation</a:t>
+            </a:r>
+            <a:endParaRPr lang="it-IT" sz="1600" dirty="0"/>
+          </a:p>
+          <a:p>
+            <a:pPr lvl="1"/>
+            <a:r>
+              <a:rPr lang="it-IT" sz="1600" dirty="0"/>
+              <a:t>Qualitative </a:t>
+            </a:r>
+            <a:r>
+              <a:rPr lang="it-IT" sz="1600" dirty="0" err="1"/>
+              <a:t>Outcomes</a:t>
+            </a:r>
+            <a:endParaRPr lang="it-IT" sz="1600" dirty="0"/>
+          </a:p>
+          <a:p>
+            <a:pPr lvl="1"/>
+            <a:r>
+              <a:rPr lang="it-IT" sz="1600" dirty="0" err="1"/>
+              <a:t>Synthetic</a:t>
+            </a:r>
+            <a:r>
+              <a:rPr lang="it-IT" sz="1600" dirty="0"/>
+              <a:t> Data Generation</a:t>
+            </a:r>
+          </a:p>
+          <a:p>
+            <a:pPr lvl="1"/>
+            <a:r>
+              <a:rPr lang="it-IT" sz="1600" dirty="0"/>
+              <a:t>Quantitative </a:t>
+            </a:r>
+            <a:r>
+              <a:rPr lang="it-IT" sz="1600" dirty="0" err="1"/>
+              <a:t>Outcomes</a:t>
+            </a:r>
+            <a:endParaRPr lang="it-IT" sz="1600" dirty="0"/>
+          </a:p>
+          <a:p>
+            <a:endParaRPr lang="it-IT" sz="1600" dirty="0"/>
           </a:p>
         </p:txBody>
       </p:sp>
@@ -7513,6 +8661,1156 @@
     <p:extLst>
       <p:ext uri="{BB962C8B-B14F-4D97-AF65-F5344CB8AC3E}">
         <p14:creationId xmlns:p14="http://schemas.microsoft.com/office/powerpoint/2010/main" val="2780022973"/>
+      </p:ext>
+    </p:extLst>
+  </p:cSld>
+  <p:clrMapOvr>
+    <a:masterClrMapping/>
+  </p:clrMapOvr>
+</p:sld>
+</file>
+
+<file path=ppt/slides/slide20.xml><?xml version="1.0" encoding="utf-8"?>
+<p:sld xmlns:a="http://schemas.openxmlformats.org/drawingml/2006/main" xmlns:r="http://schemas.openxmlformats.org/officeDocument/2006/relationships" xmlns:p="http://schemas.openxmlformats.org/presentationml/2006/main">
+  <p:cSld>
+    <p:spTree>
+      <p:nvGrpSpPr>
+        <p:cNvPr id="1" name=""/>
+        <p:cNvGrpSpPr/>
+        <p:nvPr/>
+      </p:nvGrpSpPr>
+      <p:grpSpPr>
+        <a:xfrm>
+          <a:off x="0" y="0"/>
+          <a:ext cx="0" cy="0"/>
+          <a:chOff x="0" y="0"/>
+          <a:chExt cx="0" cy="0"/>
+        </a:xfrm>
+      </p:grpSpPr>
+      <p:sp>
+        <p:nvSpPr>
+          <p:cNvPr id="2" name="Titolo 1">
+            <a:extLst>
+              <a:ext uri="{FF2B5EF4-FFF2-40B4-BE49-F238E27FC236}">
+                <a16:creationId xmlns:a16="http://schemas.microsoft.com/office/drawing/2014/main" id="{403B4C4D-8D03-4BDD-9F23-186CD913FA4A}"/>
+              </a:ext>
+            </a:extLst>
+          </p:cNvPr>
+          <p:cNvSpPr>
+            <a:spLocks noGrp="1"/>
+          </p:cNvSpPr>
+          <p:nvPr>
+            <p:ph type="title"/>
+          </p:nvPr>
+        </p:nvSpPr>
+        <p:spPr>
+          <a:xfrm>
+            <a:off x="693774" y="407656"/>
+            <a:ext cx="10804451" cy="1325563"/>
+          </a:xfrm>
+        </p:spPr>
+        <p:txBody>
+          <a:bodyPr/>
+          <a:lstStyle/>
+          <a:p>
+            <a:r>
+              <a:rPr lang="it-IT" dirty="0"/>
+              <a:t>Quantitative </a:t>
+            </a:r>
+            <a:r>
+              <a:rPr lang="it-IT" dirty="0" err="1"/>
+              <a:t>Outcomes</a:t>
+            </a:r>
+            <a:r>
+              <a:rPr lang="it-IT" dirty="0"/>
+              <a:t> with </a:t>
+            </a:r>
+            <a:r>
+              <a:rPr lang="it-IT" dirty="0" err="1"/>
+              <a:t>Synthetic</a:t>
+            </a:r>
+            <a:r>
+              <a:rPr lang="it-IT" dirty="0"/>
+              <a:t> data</a:t>
+            </a:r>
+          </a:p>
+        </p:txBody>
+      </p:sp>
+      <p:sp>
+        <p:nvSpPr>
+          <p:cNvPr id="4" name="Segnaposto numero diapositiva 3">
+            <a:extLst>
+              <a:ext uri="{FF2B5EF4-FFF2-40B4-BE49-F238E27FC236}">
+                <a16:creationId xmlns:a16="http://schemas.microsoft.com/office/drawing/2014/main" id="{F95A11F2-6C65-4E25-8B5D-FD4159061092}"/>
+              </a:ext>
+            </a:extLst>
+          </p:cNvPr>
+          <p:cNvSpPr>
+            <a:spLocks noGrp="1"/>
+          </p:cNvSpPr>
+          <p:nvPr>
+            <p:ph type="sldNum" sz="quarter" idx="12"/>
+          </p:nvPr>
+        </p:nvSpPr>
+        <p:spPr/>
+        <p:txBody>
+          <a:bodyPr/>
+          <a:lstStyle/>
+          <a:p>
+            <a:fld id="{20167E32-692D-406A-B56C-4D271B4CF259}" type="slidenum">
+              <a:rPr lang="it-IT" smtClean="0"/>
+              <a:t>20</a:t>
+            </a:fld>
+            <a:endParaRPr lang="it-IT"/>
+          </a:p>
+        </p:txBody>
+      </p:sp>
+      <p:graphicFrame>
+        <p:nvGraphicFramePr>
+          <p:cNvPr id="5" name="Tabella 6">
+            <a:extLst>
+              <a:ext uri="{FF2B5EF4-FFF2-40B4-BE49-F238E27FC236}">
+                <a16:creationId xmlns:a16="http://schemas.microsoft.com/office/drawing/2014/main" id="{29BD1E1F-944A-4B2A-8354-3811E7E8B8FE}"/>
+              </a:ext>
+            </a:extLst>
+          </p:cNvPr>
+          <p:cNvGraphicFramePr>
+            <a:graphicFrameLocks noGrp="1"/>
+          </p:cNvGraphicFramePr>
+          <p:nvPr>
+            <p:ph idx="1"/>
+            <p:extLst>
+              <p:ext uri="{D42A27DB-BD31-4B8C-83A1-F6EECF244321}">
+                <p14:modId xmlns:p14="http://schemas.microsoft.com/office/powerpoint/2010/main" val="3294230683"/>
+              </p:ext>
+            </p:extLst>
+          </p:nvPr>
+        </p:nvGraphicFramePr>
+        <p:xfrm>
+          <a:off x="838200" y="1511264"/>
+          <a:ext cx="10515600" cy="5084747"/>
+        </p:xfrm>
+        <a:graphic>
+          <a:graphicData uri="http://schemas.openxmlformats.org/drawingml/2006/table">
+            <a:tbl>
+              <a:tblPr firstRow="1" bandRow="1">
+                <a:tableStyleId>{5C22544A-7EE6-4342-B048-85BDC9FD1C3A}</a:tableStyleId>
+              </a:tblPr>
+              <a:tblGrid>
+                <a:gridCol w="2103120">
+                  <a:extLst>
+                    <a:ext uri="{9D8B030D-6E8A-4147-A177-3AD203B41FA5}">
+                      <a16:colId xmlns:a16="http://schemas.microsoft.com/office/drawing/2014/main" val="3619717162"/>
+                    </a:ext>
+                  </a:extLst>
+                </a:gridCol>
+                <a:gridCol w="2103120">
+                  <a:extLst>
+                    <a:ext uri="{9D8B030D-6E8A-4147-A177-3AD203B41FA5}">
+                      <a16:colId xmlns:a16="http://schemas.microsoft.com/office/drawing/2014/main" val="4177988035"/>
+                    </a:ext>
+                  </a:extLst>
+                </a:gridCol>
+                <a:gridCol w="2103120">
+                  <a:extLst>
+                    <a:ext uri="{9D8B030D-6E8A-4147-A177-3AD203B41FA5}">
+                      <a16:colId xmlns:a16="http://schemas.microsoft.com/office/drawing/2014/main" val="261268800"/>
+                    </a:ext>
+                  </a:extLst>
+                </a:gridCol>
+                <a:gridCol w="2103120">
+                  <a:extLst>
+                    <a:ext uri="{9D8B030D-6E8A-4147-A177-3AD203B41FA5}">
+                      <a16:colId xmlns:a16="http://schemas.microsoft.com/office/drawing/2014/main" val="2404445089"/>
+                    </a:ext>
+                  </a:extLst>
+                </a:gridCol>
+                <a:gridCol w="2103120">
+                  <a:extLst>
+                    <a:ext uri="{9D8B030D-6E8A-4147-A177-3AD203B41FA5}">
+                      <a16:colId xmlns:a16="http://schemas.microsoft.com/office/drawing/2014/main" val="2784056835"/>
+                    </a:ext>
+                  </a:extLst>
+                </a:gridCol>
+              </a:tblGrid>
+              <a:tr h="1042329">
+                <a:tc>
+                  <a:txBody>
+                    <a:bodyPr/>
+                    <a:lstStyle/>
+                    <a:p>
+                      <a:pPr lvl="0" algn="ctr"/>
+                      <a:r>
+                        <a:rPr lang="it-IT" dirty="0"/>
+                        <a:t>Method</a:t>
+                      </a:r>
+                    </a:p>
+                  </a:txBody>
+                  <a:tcPr anchor="ctr"/>
+                </a:tc>
+                <a:tc>
+                  <a:txBody>
+                    <a:bodyPr/>
+                    <a:lstStyle/>
+                    <a:p>
+                      <a:pPr lvl="0" algn="ctr"/>
+                      <a:r>
+                        <a:rPr lang="it-IT" dirty="0"/>
+                        <a:t>Sun</a:t>
+                      </a:r>
+                    </a:p>
+                  </a:txBody>
+                  <a:tcPr anchor="ctr"/>
+                </a:tc>
+                <a:tc>
+                  <a:txBody>
+                    <a:bodyPr/>
+                    <a:lstStyle/>
+                    <a:p>
+                      <a:pPr marL="0" marR="0" lvl="0" indent="0" algn="ctr" defTabSz="914400" rtl="0" eaLnBrk="1" fontAlgn="auto" latinLnBrk="0" hangingPunct="1">
+                        <a:lnSpc>
+                          <a:spcPct val="100000"/>
+                        </a:lnSpc>
+                        <a:spcBef>
+                          <a:spcPts val="0"/>
+                        </a:spcBef>
+                        <a:spcAft>
+                          <a:spcPts val="0"/>
+                        </a:spcAft>
+                        <a:buClrTx/>
+                        <a:buSzTx/>
+                        <a:buFontTx/>
+                        <a:buNone/>
+                        <a:tabLst/>
+                        <a:defRPr/>
+                      </a:pPr>
+                      <a:r>
+                        <a:rPr lang="it-IT" dirty="0"/>
+                        <a:t>Snow</a:t>
+                      </a:r>
+                    </a:p>
+                  </a:txBody>
+                  <a:tcPr anchor="ctr"/>
+                </a:tc>
+                <a:tc>
+                  <a:txBody>
+                    <a:bodyPr/>
+                    <a:lstStyle/>
+                    <a:p>
+                      <a:pPr marL="0" marR="0" lvl="0" indent="0" algn="ctr" defTabSz="914400" rtl="0" eaLnBrk="1" fontAlgn="auto" latinLnBrk="0" hangingPunct="1">
+                        <a:lnSpc>
+                          <a:spcPct val="100000"/>
+                        </a:lnSpc>
+                        <a:spcBef>
+                          <a:spcPts val="0"/>
+                        </a:spcBef>
+                        <a:spcAft>
+                          <a:spcPts val="0"/>
+                        </a:spcAft>
+                        <a:buClrTx/>
+                        <a:buSzTx/>
+                        <a:buFontTx/>
+                        <a:buNone/>
+                        <a:tabLst/>
+                        <a:defRPr/>
+                      </a:pPr>
+                      <a:r>
+                        <a:rPr lang="it-IT" dirty="0"/>
+                        <a:t>Pognana</a:t>
+                      </a:r>
+                    </a:p>
+                  </a:txBody>
+                  <a:tcPr anchor="ctr"/>
+                </a:tc>
+                <a:tc>
+                  <a:txBody>
+                    <a:bodyPr/>
+                    <a:lstStyle/>
+                    <a:p>
+                      <a:pPr marL="0" marR="0" lvl="0" indent="0" algn="ctr" defTabSz="914400" rtl="0" eaLnBrk="1" fontAlgn="auto" latinLnBrk="0" hangingPunct="1">
+                        <a:lnSpc>
+                          <a:spcPct val="100000"/>
+                        </a:lnSpc>
+                        <a:spcBef>
+                          <a:spcPts val="0"/>
+                        </a:spcBef>
+                        <a:spcAft>
+                          <a:spcPts val="0"/>
+                        </a:spcAft>
+                        <a:buClrTx/>
+                        <a:buSzTx/>
+                        <a:buFontTx/>
+                        <a:buNone/>
+                        <a:tabLst/>
+                        <a:defRPr/>
+                      </a:pPr>
+                      <a:r>
+                        <a:rPr lang="it-IT" dirty="0"/>
+                        <a:t>Mountain</a:t>
+                      </a:r>
+                    </a:p>
+                  </a:txBody>
+                  <a:tcPr anchor="ctr"/>
+                </a:tc>
+                <a:extLst>
+                  <a:ext uri="{0D108BD9-81ED-4DB2-BD59-A6C34878D82A}">
+                    <a16:rowId xmlns:a16="http://schemas.microsoft.com/office/drawing/2014/main" val="244694137"/>
+                  </a:ext>
+                </a:extLst>
+              </a:tr>
+              <a:tr h="603889">
+                <a:tc>
+                  <a:txBody>
+                    <a:bodyPr/>
+                    <a:lstStyle/>
+                    <a:p>
+                      <a:pPr lvl="0" algn="ctr"/>
+                      <a:r>
+                        <a:rPr lang="it-IT" dirty="0"/>
+                        <a:t>Basic</a:t>
+                      </a:r>
+                    </a:p>
+                  </a:txBody>
+                  <a:tcPr anchor="ctr"/>
+                </a:tc>
+                <a:tc>
+                  <a:txBody>
+                    <a:bodyPr/>
+                    <a:lstStyle/>
+                    <a:p>
+                      <a:pPr marL="0" marR="0" lvl="0" indent="0" algn="ctr" defTabSz="914400" rtl="0" eaLnBrk="1" fontAlgn="auto" latinLnBrk="0" hangingPunct="1">
+                        <a:lnSpc>
+                          <a:spcPct val="100000"/>
+                        </a:lnSpc>
+                        <a:spcBef>
+                          <a:spcPts val="0"/>
+                        </a:spcBef>
+                        <a:spcAft>
+                          <a:spcPts val="0"/>
+                        </a:spcAft>
+                        <a:buClrTx/>
+                        <a:buSzTx/>
+                        <a:buFontTx/>
+                        <a:buNone/>
+                        <a:tabLst/>
+                        <a:defRPr/>
+                      </a:pPr>
+                      <a:r>
+                        <a:rPr lang="it-IT" dirty="0"/>
+                        <a:t>Ok (</a:t>
+                      </a:r>
+                      <a:r>
+                        <a:rPr lang="it-IT" dirty="0" err="1"/>
+                        <a:t>slightly</a:t>
+                      </a:r>
+                      <a:r>
+                        <a:rPr lang="it-IT" dirty="0"/>
+                        <a:t> </a:t>
+                      </a:r>
+                      <a:r>
+                        <a:rPr lang="it-IT" dirty="0" err="1"/>
+                        <a:t>better</a:t>
+                      </a:r>
+                      <a:r>
+                        <a:rPr lang="it-IT" dirty="0"/>
+                        <a:t> </a:t>
+                      </a:r>
+                      <a:r>
+                        <a:rPr lang="it-IT" dirty="0" err="1"/>
+                        <a:t>than</a:t>
+                      </a:r>
+                      <a:r>
+                        <a:rPr lang="it-IT" dirty="0"/>
+                        <a:t> Edge-</a:t>
+                      </a:r>
+                      <a:r>
+                        <a:rPr lang="it-IT" dirty="0" err="1"/>
+                        <a:t>Averaging</a:t>
+                      </a:r>
+                      <a:r>
+                        <a:rPr lang="it-IT" dirty="0"/>
+                        <a:t> Patch)</a:t>
+                      </a:r>
+                    </a:p>
+                  </a:txBody>
+                  <a:tcPr anchor="ctr"/>
+                </a:tc>
+                <a:tc>
+                  <a:txBody>
+                    <a:bodyPr/>
+                    <a:lstStyle/>
+                    <a:p>
+                      <a:pPr lvl="0" algn="ctr"/>
+                      <a:r>
+                        <a:rPr lang="it-IT" dirty="0" err="1"/>
+                        <a:t>Worst</a:t>
+                      </a:r>
+                      <a:endParaRPr lang="it-IT" dirty="0"/>
+                    </a:p>
+                  </a:txBody>
+                  <a:tcPr anchor="ctr"/>
+                </a:tc>
+                <a:tc>
+                  <a:txBody>
+                    <a:bodyPr/>
+                    <a:lstStyle/>
+                    <a:p>
+                      <a:pPr lvl="0" algn="ctr"/>
+                      <a:r>
+                        <a:rPr lang="it-IT" dirty="0" err="1"/>
+                        <a:t>Worst</a:t>
+                      </a:r>
+                      <a:endParaRPr lang="it-IT" dirty="0"/>
+                    </a:p>
+                  </a:txBody>
+                  <a:tcPr anchor="ctr"/>
+                </a:tc>
+                <a:tc>
+                  <a:txBody>
+                    <a:bodyPr/>
+                    <a:lstStyle/>
+                    <a:p>
+                      <a:pPr marL="0" marR="0" lvl="0" indent="0" algn="ctr" defTabSz="914400" rtl="0" eaLnBrk="1" fontAlgn="auto" latinLnBrk="0" hangingPunct="1">
+                        <a:lnSpc>
+                          <a:spcPct val="100000"/>
+                        </a:lnSpc>
+                        <a:spcBef>
+                          <a:spcPts val="0"/>
+                        </a:spcBef>
+                        <a:spcAft>
+                          <a:spcPts val="0"/>
+                        </a:spcAft>
+                        <a:buClrTx/>
+                        <a:buSzTx/>
+                        <a:buFontTx/>
+                        <a:buNone/>
+                        <a:tabLst/>
+                        <a:defRPr/>
+                      </a:pPr>
+                      <a:r>
+                        <a:rPr lang="it-IT" dirty="0"/>
+                        <a:t>Ok (</a:t>
+                      </a:r>
+                      <a:r>
+                        <a:rPr lang="it-IT" dirty="0" err="1"/>
+                        <a:t>slightly</a:t>
+                      </a:r>
+                      <a:r>
+                        <a:rPr lang="it-IT" dirty="0"/>
+                        <a:t> </a:t>
+                      </a:r>
+                      <a:r>
+                        <a:rPr lang="it-IT" dirty="0" err="1"/>
+                        <a:t>better</a:t>
+                      </a:r>
+                      <a:r>
+                        <a:rPr lang="it-IT" dirty="0"/>
+                        <a:t> </a:t>
+                      </a:r>
+                      <a:r>
+                        <a:rPr lang="it-IT" dirty="0" err="1"/>
+                        <a:t>than</a:t>
+                      </a:r>
+                      <a:r>
+                        <a:rPr lang="it-IT" dirty="0"/>
+                        <a:t> Edge-</a:t>
+                      </a:r>
+                      <a:r>
+                        <a:rPr lang="it-IT" dirty="0" err="1"/>
+                        <a:t>Averaging</a:t>
+                      </a:r>
+                      <a:r>
+                        <a:rPr lang="it-IT" dirty="0"/>
+                        <a:t> Patch)</a:t>
+                      </a:r>
+                    </a:p>
+                  </a:txBody>
+                  <a:tcPr anchor="ctr"/>
+                </a:tc>
+                <a:extLst>
+                  <a:ext uri="{0D108BD9-81ED-4DB2-BD59-A6C34878D82A}">
+                    <a16:rowId xmlns:a16="http://schemas.microsoft.com/office/drawing/2014/main" val="601876623"/>
+                  </a:ext>
+                </a:extLst>
+              </a:tr>
+              <a:tr h="603889">
+                <a:tc>
+                  <a:txBody>
+                    <a:bodyPr/>
+                    <a:lstStyle/>
+                    <a:p>
+                      <a:pPr lvl="0" algn="ctr"/>
+                      <a:r>
+                        <a:rPr lang="it-IT" dirty="0"/>
+                        <a:t>Simple-</a:t>
+                      </a:r>
+                      <a:r>
+                        <a:rPr lang="it-IT" dirty="0" err="1"/>
+                        <a:t>Graph</a:t>
+                      </a:r>
+                      <a:endParaRPr lang="it-IT" dirty="0"/>
+                    </a:p>
+                  </a:txBody>
+                  <a:tcPr anchor="ctr"/>
+                </a:tc>
+                <a:tc>
+                  <a:txBody>
+                    <a:bodyPr/>
+                    <a:lstStyle/>
+                    <a:p>
+                      <a:pPr lvl="0" algn="ctr"/>
+                      <a:r>
+                        <a:rPr lang="it-IT" dirty="0" err="1"/>
+                        <a:t>Bad</a:t>
+                      </a:r>
+                      <a:r>
+                        <a:rPr lang="it-IT" dirty="0"/>
+                        <a:t> (</a:t>
+                      </a:r>
+                      <a:r>
+                        <a:rPr lang="it-IT" dirty="0" err="1"/>
+                        <a:t>slightly</a:t>
+                      </a:r>
+                      <a:r>
+                        <a:rPr lang="it-IT" dirty="0"/>
+                        <a:t> </a:t>
+                      </a:r>
+                      <a:r>
+                        <a:rPr lang="it-IT" dirty="0" err="1"/>
+                        <a:t>better</a:t>
+                      </a:r>
+                      <a:r>
+                        <a:rPr lang="it-IT" dirty="0"/>
+                        <a:t> </a:t>
+                      </a:r>
+                      <a:r>
+                        <a:rPr lang="it-IT" dirty="0" err="1"/>
+                        <a:t>than</a:t>
+                      </a:r>
+                      <a:r>
+                        <a:rPr lang="it-IT" dirty="0"/>
+                        <a:t> Multi-Patch)</a:t>
+                      </a:r>
+                    </a:p>
+                  </a:txBody>
+                  <a:tcPr anchor="ctr"/>
+                </a:tc>
+                <a:tc>
+                  <a:txBody>
+                    <a:bodyPr/>
+                    <a:lstStyle/>
+                    <a:p>
+                      <a:pPr marL="0" marR="0" lvl="0" indent="0" algn="ctr" defTabSz="914400" rtl="0" eaLnBrk="1" fontAlgn="auto" latinLnBrk="0" hangingPunct="1">
+                        <a:lnSpc>
+                          <a:spcPct val="100000"/>
+                        </a:lnSpc>
+                        <a:spcBef>
+                          <a:spcPts val="0"/>
+                        </a:spcBef>
+                        <a:spcAft>
+                          <a:spcPts val="0"/>
+                        </a:spcAft>
+                        <a:buClrTx/>
+                        <a:buSzTx/>
+                        <a:buFontTx/>
+                        <a:buNone/>
+                        <a:tabLst/>
+                        <a:defRPr/>
+                      </a:pPr>
+                      <a:r>
+                        <a:rPr lang="it-IT" dirty="0"/>
+                        <a:t>Ok</a:t>
+                      </a:r>
+                    </a:p>
+                  </a:txBody>
+                  <a:tcPr anchor="ctr"/>
+                </a:tc>
+                <a:tc>
+                  <a:txBody>
+                    <a:bodyPr/>
+                    <a:lstStyle/>
+                    <a:p>
+                      <a:pPr marL="0" marR="0" lvl="0" indent="0" algn="ctr" defTabSz="914400" rtl="0" eaLnBrk="1" fontAlgn="auto" latinLnBrk="0" hangingPunct="1">
+                        <a:lnSpc>
+                          <a:spcPct val="100000"/>
+                        </a:lnSpc>
+                        <a:spcBef>
+                          <a:spcPts val="0"/>
+                        </a:spcBef>
+                        <a:spcAft>
+                          <a:spcPts val="0"/>
+                        </a:spcAft>
+                        <a:buClrTx/>
+                        <a:buSzTx/>
+                        <a:buFontTx/>
+                        <a:buNone/>
+                        <a:tabLst/>
+                        <a:defRPr/>
+                      </a:pPr>
+                      <a:r>
+                        <a:rPr lang="it-IT" dirty="0"/>
+                        <a:t>Ok</a:t>
+                      </a:r>
+                    </a:p>
+                  </a:txBody>
+                  <a:tcPr anchor="ctr"/>
+                </a:tc>
+                <a:tc>
+                  <a:txBody>
+                    <a:bodyPr/>
+                    <a:lstStyle/>
+                    <a:p>
+                      <a:pPr marL="0" marR="0" lvl="0" indent="0" algn="ctr" defTabSz="914400" rtl="0" eaLnBrk="1" fontAlgn="auto" latinLnBrk="0" hangingPunct="1">
+                        <a:lnSpc>
+                          <a:spcPct val="100000"/>
+                        </a:lnSpc>
+                        <a:spcBef>
+                          <a:spcPts val="0"/>
+                        </a:spcBef>
+                        <a:spcAft>
+                          <a:spcPts val="0"/>
+                        </a:spcAft>
+                        <a:buClrTx/>
+                        <a:buSzTx/>
+                        <a:buFontTx/>
+                        <a:buNone/>
+                        <a:tabLst/>
+                        <a:defRPr/>
+                      </a:pPr>
+                      <a:r>
+                        <a:rPr lang="it-IT" dirty="0" err="1"/>
+                        <a:t>Worst</a:t>
+                      </a:r>
+                      <a:endParaRPr lang="it-IT" dirty="0"/>
+                    </a:p>
+                  </a:txBody>
+                  <a:tcPr anchor="ctr"/>
+                </a:tc>
+                <a:extLst>
+                  <a:ext uri="{0D108BD9-81ED-4DB2-BD59-A6C34878D82A}">
+                    <a16:rowId xmlns:a16="http://schemas.microsoft.com/office/drawing/2014/main" val="1680516355"/>
+                  </a:ext>
+                </a:extLst>
+              </a:tr>
+              <a:tr h="603889">
+                <a:tc>
+                  <a:txBody>
+                    <a:bodyPr/>
+                    <a:lstStyle/>
+                    <a:p>
+                      <a:pPr lvl="0" algn="ctr"/>
+                      <a:r>
+                        <a:rPr lang="it-IT" dirty="0"/>
+                        <a:t>Edge-</a:t>
+                      </a:r>
+                      <a:r>
+                        <a:rPr lang="it-IT" dirty="0" err="1"/>
+                        <a:t>Averaging</a:t>
+                      </a:r>
+                      <a:endParaRPr lang="it-IT" dirty="0"/>
+                    </a:p>
+                  </a:txBody>
+                  <a:tcPr anchor="ctr"/>
+                </a:tc>
+                <a:tc>
+                  <a:txBody>
+                    <a:bodyPr/>
+                    <a:lstStyle/>
+                    <a:p>
+                      <a:pPr lvl="0" algn="ctr"/>
+                      <a:r>
+                        <a:rPr lang="it-IT" dirty="0"/>
+                        <a:t>Best</a:t>
+                      </a:r>
+                    </a:p>
+                  </a:txBody>
+                  <a:tcPr anchor="ctr"/>
+                </a:tc>
+                <a:tc>
+                  <a:txBody>
+                    <a:bodyPr/>
+                    <a:lstStyle/>
+                    <a:p>
+                      <a:pPr lvl="0" algn="ctr"/>
+                      <a:r>
+                        <a:rPr lang="it-IT" dirty="0"/>
+                        <a:t>Best</a:t>
+                      </a:r>
+                    </a:p>
+                  </a:txBody>
+                  <a:tcPr anchor="ctr"/>
+                </a:tc>
+                <a:tc>
+                  <a:txBody>
+                    <a:bodyPr/>
+                    <a:lstStyle/>
+                    <a:p>
+                      <a:pPr lvl="0" algn="ctr"/>
+                      <a:r>
+                        <a:rPr lang="it-IT" dirty="0"/>
+                        <a:t>Best</a:t>
+                      </a:r>
+                    </a:p>
+                  </a:txBody>
+                  <a:tcPr anchor="ctr"/>
+                </a:tc>
+                <a:tc>
+                  <a:txBody>
+                    <a:bodyPr/>
+                    <a:lstStyle/>
+                    <a:p>
+                      <a:pPr lvl="0" algn="ctr"/>
+                      <a:r>
+                        <a:rPr lang="it-IT" dirty="0"/>
+                        <a:t>Best</a:t>
+                      </a:r>
+                    </a:p>
+                  </a:txBody>
+                  <a:tcPr anchor="ctr"/>
+                </a:tc>
+                <a:extLst>
+                  <a:ext uri="{0D108BD9-81ED-4DB2-BD59-A6C34878D82A}">
+                    <a16:rowId xmlns:a16="http://schemas.microsoft.com/office/drawing/2014/main" val="3138711893"/>
+                  </a:ext>
+                </a:extLst>
+              </a:tr>
+              <a:tr h="603889">
+                <a:tc>
+                  <a:txBody>
+                    <a:bodyPr/>
+                    <a:lstStyle/>
+                    <a:p>
+                      <a:pPr lvl="0" algn="ctr"/>
+                      <a:r>
+                        <a:rPr lang="it-IT" dirty="0"/>
+                        <a:t>Multi-</a:t>
+                      </a:r>
+                      <a:r>
+                        <a:rPr lang="it-IT" dirty="0" err="1"/>
+                        <a:t>Graph</a:t>
+                      </a:r>
+                      <a:endParaRPr lang="it-IT" dirty="0"/>
+                    </a:p>
+                  </a:txBody>
+                  <a:tcPr anchor="ctr"/>
+                </a:tc>
+                <a:tc>
+                  <a:txBody>
+                    <a:bodyPr/>
+                    <a:lstStyle/>
+                    <a:p>
+                      <a:pPr lvl="0" algn="ctr"/>
+                      <a:r>
+                        <a:rPr lang="it-IT" dirty="0"/>
+                        <a:t>Best</a:t>
+                      </a:r>
+                    </a:p>
+                  </a:txBody>
+                  <a:tcPr anchor="ctr"/>
+                </a:tc>
+                <a:tc>
+                  <a:txBody>
+                    <a:bodyPr/>
+                    <a:lstStyle/>
+                    <a:p>
+                      <a:pPr lvl="0" algn="ctr"/>
+                      <a:r>
+                        <a:rPr lang="it-IT" dirty="0"/>
+                        <a:t>Best</a:t>
+                      </a:r>
+                    </a:p>
+                  </a:txBody>
+                  <a:tcPr anchor="ctr"/>
+                </a:tc>
+                <a:tc>
+                  <a:txBody>
+                    <a:bodyPr/>
+                    <a:lstStyle/>
+                    <a:p>
+                      <a:pPr lvl="0" algn="ctr"/>
+                      <a:r>
+                        <a:rPr lang="it-IT" dirty="0"/>
+                        <a:t>Best</a:t>
+                      </a:r>
+                    </a:p>
+                  </a:txBody>
+                  <a:tcPr anchor="ctr"/>
+                </a:tc>
+                <a:tc>
+                  <a:txBody>
+                    <a:bodyPr/>
+                    <a:lstStyle/>
+                    <a:p>
+                      <a:pPr lvl="0" algn="ctr"/>
+                      <a:r>
+                        <a:rPr lang="it-IT" dirty="0"/>
+                        <a:t>Best</a:t>
+                      </a:r>
+                    </a:p>
+                  </a:txBody>
+                  <a:tcPr anchor="ctr"/>
+                </a:tc>
+                <a:extLst>
+                  <a:ext uri="{0D108BD9-81ED-4DB2-BD59-A6C34878D82A}">
+                    <a16:rowId xmlns:a16="http://schemas.microsoft.com/office/drawing/2014/main" val="2923011995"/>
+                  </a:ext>
+                </a:extLst>
+              </a:tr>
+              <a:tr h="603889">
+                <a:tc>
+                  <a:txBody>
+                    <a:bodyPr/>
+                    <a:lstStyle/>
+                    <a:p>
+                      <a:pPr lvl="0" algn="ctr"/>
+                      <a:r>
+                        <a:rPr lang="it-IT" dirty="0"/>
+                        <a:t>Multi-Patch</a:t>
+                      </a:r>
+                    </a:p>
+                  </a:txBody>
+                  <a:tcPr anchor="ctr"/>
+                </a:tc>
+                <a:tc>
+                  <a:txBody>
+                    <a:bodyPr/>
+                    <a:lstStyle/>
+                    <a:p>
+                      <a:pPr marL="0" marR="0" lvl="0" indent="0" algn="ctr" defTabSz="914400" rtl="0" eaLnBrk="1" fontAlgn="auto" latinLnBrk="0" hangingPunct="1">
+                        <a:lnSpc>
+                          <a:spcPct val="100000"/>
+                        </a:lnSpc>
+                        <a:spcBef>
+                          <a:spcPts val="0"/>
+                        </a:spcBef>
+                        <a:spcAft>
+                          <a:spcPts val="0"/>
+                        </a:spcAft>
+                        <a:buClrTx/>
+                        <a:buSzTx/>
+                        <a:buFontTx/>
+                        <a:buNone/>
+                        <a:tabLst/>
+                        <a:defRPr/>
+                      </a:pPr>
+                      <a:r>
+                        <a:rPr lang="it-IT" dirty="0" err="1"/>
+                        <a:t>Worst</a:t>
+                      </a:r>
+                      <a:endParaRPr lang="it-IT" dirty="0"/>
+                    </a:p>
+                  </a:txBody>
+                  <a:tcPr anchor="ctr"/>
+                </a:tc>
+                <a:tc>
+                  <a:txBody>
+                    <a:bodyPr/>
+                    <a:lstStyle/>
+                    <a:p>
+                      <a:pPr lvl="0" algn="ctr"/>
+                      <a:r>
+                        <a:rPr lang="it-IT" dirty="0"/>
+                        <a:t>Ok (</a:t>
+                      </a:r>
+                      <a:r>
+                        <a:rPr lang="it-IT" dirty="0" err="1"/>
+                        <a:t>slightly</a:t>
+                      </a:r>
+                      <a:r>
+                        <a:rPr lang="it-IT" dirty="0"/>
+                        <a:t> </a:t>
+                      </a:r>
+                      <a:r>
+                        <a:rPr lang="it-IT" dirty="0" err="1"/>
+                        <a:t>better</a:t>
+                      </a:r>
+                      <a:r>
+                        <a:rPr lang="it-IT" dirty="0"/>
+                        <a:t> </a:t>
+                      </a:r>
+                      <a:r>
+                        <a:rPr lang="it-IT" dirty="0" err="1"/>
+                        <a:t>than</a:t>
+                      </a:r>
+                      <a:r>
+                        <a:rPr lang="it-IT" dirty="0"/>
+                        <a:t> Simple </a:t>
+                      </a:r>
+                      <a:r>
+                        <a:rPr lang="it-IT" dirty="0" err="1"/>
+                        <a:t>Graph</a:t>
+                      </a:r>
+                      <a:r>
+                        <a:rPr lang="it-IT" dirty="0"/>
+                        <a:t>)</a:t>
+                      </a:r>
+                    </a:p>
+                  </a:txBody>
+                  <a:tcPr anchor="ctr"/>
+                </a:tc>
+                <a:tc>
+                  <a:txBody>
+                    <a:bodyPr/>
+                    <a:lstStyle/>
+                    <a:p>
+                      <a:pPr lvl="0" algn="ctr"/>
+                      <a:r>
+                        <a:rPr lang="it-IT" dirty="0"/>
+                        <a:t>Ok (</a:t>
+                      </a:r>
+                      <a:r>
+                        <a:rPr lang="it-IT" dirty="0" err="1"/>
+                        <a:t>slightly</a:t>
+                      </a:r>
+                      <a:r>
+                        <a:rPr lang="it-IT" dirty="0"/>
+                        <a:t> </a:t>
+                      </a:r>
+                      <a:r>
+                        <a:rPr lang="it-IT" dirty="0" err="1"/>
+                        <a:t>better</a:t>
+                      </a:r>
+                      <a:r>
+                        <a:rPr lang="it-IT" dirty="0"/>
+                        <a:t> </a:t>
+                      </a:r>
+                      <a:r>
+                        <a:rPr lang="it-IT" dirty="0" err="1"/>
+                        <a:t>than</a:t>
+                      </a:r>
+                      <a:r>
+                        <a:rPr lang="it-IT" dirty="0"/>
+                        <a:t> Simple </a:t>
+                      </a:r>
+                      <a:r>
+                        <a:rPr lang="it-IT" dirty="0" err="1"/>
+                        <a:t>Graph</a:t>
+                      </a:r>
+                      <a:r>
+                        <a:rPr lang="it-IT" dirty="0"/>
+                        <a:t>)</a:t>
+                      </a:r>
+                    </a:p>
+                  </a:txBody>
+                  <a:tcPr anchor="ctr"/>
+                </a:tc>
+                <a:tc>
+                  <a:txBody>
+                    <a:bodyPr/>
+                    <a:lstStyle/>
+                    <a:p>
+                      <a:pPr marL="0" marR="0" lvl="0" indent="0" algn="ctr" defTabSz="914400" rtl="0" eaLnBrk="1" fontAlgn="auto" latinLnBrk="0" hangingPunct="1">
+                        <a:lnSpc>
+                          <a:spcPct val="100000"/>
+                        </a:lnSpc>
+                        <a:spcBef>
+                          <a:spcPts val="0"/>
+                        </a:spcBef>
+                        <a:spcAft>
+                          <a:spcPts val="0"/>
+                        </a:spcAft>
+                        <a:buClrTx/>
+                        <a:buSzTx/>
+                        <a:buFontTx/>
+                        <a:buNone/>
+                        <a:tabLst/>
+                        <a:defRPr/>
+                      </a:pPr>
+                      <a:r>
+                        <a:rPr lang="it-IT" dirty="0"/>
+                        <a:t>Ok</a:t>
+                      </a:r>
+                    </a:p>
+                  </a:txBody>
+                  <a:tcPr anchor="ctr"/>
+                </a:tc>
+                <a:extLst>
+                  <a:ext uri="{0D108BD9-81ED-4DB2-BD59-A6C34878D82A}">
+                    <a16:rowId xmlns:a16="http://schemas.microsoft.com/office/drawing/2014/main" val="2621733972"/>
+                  </a:ext>
+                </a:extLst>
+              </a:tr>
+              <a:tr h="0">
+                <a:tc>
+                  <a:txBody>
+                    <a:bodyPr/>
+                    <a:lstStyle/>
+                    <a:p>
+                      <a:pPr lvl="0" algn="ctr"/>
+                      <a:r>
+                        <a:rPr lang="it-IT" dirty="0"/>
+                        <a:t>Edge-</a:t>
+                      </a:r>
+                      <a:r>
+                        <a:rPr lang="it-IT" dirty="0" err="1"/>
+                        <a:t>Averaging</a:t>
+                      </a:r>
+                      <a:r>
+                        <a:rPr lang="it-IT" dirty="0"/>
+                        <a:t> Patch</a:t>
+                      </a:r>
+                    </a:p>
+                  </a:txBody>
+                  <a:tcPr anchor="ctr"/>
+                </a:tc>
+                <a:tc>
+                  <a:txBody>
+                    <a:bodyPr/>
+                    <a:lstStyle/>
+                    <a:p>
+                      <a:pPr lvl="0" algn="ctr"/>
+                      <a:r>
+                        <a:rPr lang="it-IT" dirty="0"/>
+                        <a:t>Ok</a:t>
+                      </a:r>
+                    </a:p>
+                  </a:txBody>
+                  <a:tcPr anchor="ctr"/>
+                </a:tc>
+                <a:tc>
+                  <a:txBody>
+                    <a:bodyPr/>
+                    <a:lstStyle/>
+                    <a:p>
+                      <a:pPr marL="0" marR="0" lvl="0" indent="0" algn="ctr" defTabSz="914400" rtl="0" eaLnBrk="1" fontAlgn="auto" latinLnBrk="0" hangingPunct="1">
+                        <a:lnSpc>
+                          <a:spcPct val="100000"/>
+                        </a:lnSpc>
+                        <a:spcBef>
+                          <a:spcPts val="0"/>
+                        </a:spcBef>
+                        <a:spcAft>
+                          <a:spcPts val="0"/>
+                        </a:spcAft>
+                        <a:buClrTx/>
+                        <a:buSzTx/>
+                        <a:buFontTx/>
+                        <a:buNone/>
+                        <a:tabLst/>
+                        <a:defRPr/>
+                      </a:pPr>
+                      <a:r>
+                        <a:rPr lang="it-IT" dirty="0"/>
+                        <a:t>Ok (</a:t>
+                      </a:r>
+                      <a:r>
+                        <a:rPr lang="it-IT" dirty="0" err="1"/>
+                        <a:t>same</a:t>
+                      </a:r>
+                      <a:r>
+                        <a:rPr lang="it-IT" dirty="0"/>
+                        <a:t> as Multi-Patch)</a:t>
+                      </a:r>
+                    </a:p>
+                  </a:txBody>
+                  <a:tcPr anchor="ctr"/>
+                </a:tc>
+                <a:tc>
+                  <a:txBody>
+                    <a:bodyPr/>
+                    <a:lstStyle/>
+                    <a:p>
+                      <a:pPr marL="0" marR="0" lvl="0" indent="0" algn="ctr" defTabSz="914400" rtl="0" eaLnBrk="1" fontAlgn="auto" latinLnBrk="0" hangingPunct="1">
+                        <a:lnSpc>
+                          <a:spcPct val="100000"/>
+                        </a:lnSpc>
+                        <a:spcBef>
+                          <a:spcPts val="0"/>
+                        </a:spcBef>
+                        <a:spcAft>
+                          <a:spcPts val="0"/>
+                        </a:spcAft>
+                        <a:buClrTx/>
+                        <a:buSzTx/>
+                        <a:buFontTx/>
+                        <a:buNone/>
+                        <a:tabLst/>
+                        <a:defRPr/>
+                      </a:pPr>
+                      <a:r>
+                        <a:rPr lang="it-IT" dirty="0"/>
+                        <a:t>Ok (</a:t>
+                      </a:r>
+                      <a:r>
+                        <a:rPr lang="it-IT" dirty="0" err="1"/>
+                        <a:t>same</a:t>
+                      </a:r>
+                      <a:r>
+                        <a:rPr lang="it-IT" dirty="0"/>
+                        <a:t> as Multi-Patch)</a:t>
+                      </a:r>
+                    </a:p>
+                  </a:txBody>
+                  <a:tcPr anchor="ctr"/>
+                </a:tc>
+                <a:tc>
+                  <a:txBody>
+                    <a:bodyPr/>
+                    <a:lstStyle/>
+                    <a:p>
+                      <a:pPr marL="0" marR="0" lvl="0" indent="0" algn="ctr" defTabSz="914400" rtl="0" eaLnBrk="1" fontAlgn="auto" latinLnBrk="0" hangingPunct="1">
+                        <a:lnSpc>
+                          <a:spcPct val="100000"/>
+                        </a:lnSpc>
+                        <a:spcBef>
+                          <a:spcPts val="0"/>
+                        </a:spcBef>
+                        <a:spcAft>
+                          <a:spcPts val="0"/>
+                        </a:spcAft>
+                        <a:buClrTx/>
+                        <a:buSzTx/>
+                        <a:buFontTx/>
+                        <a:buNone/>
+                        <a:tabLst/>
+                        <a:defRPr/>
+                      </a:pPr>
+                      <a:r>
+                        <a:rPr lang="it-IT" dirty="0"/>
+                        <a:t>Ok (</a:t>
+                      </a:r>
+                      <a:r>
+                        <a:rPr lang="it-IT" dirty="0" err="1"/>
+                        <a:t>slightly</a:t>
+                      </a:r>
+                      <a:r>
+                        <a:rPr lang="it-IT" dirty="0"/>
+                        <a:t> </a:t>
+                      </a:r>
+                      <a:r>
+                        <a:rPr lang="it-IT" dirty="0" err="1"/>
+                        <a:t>better</a:t>
+                      </a:r>
+                      <a:r>
+                        <a:rPr lang="it-IT" dirty="0"/>
+                        <a:t> </a:t>
+                      </a:r>
+                      <a:r>
+                        <a:rPr lang="it-IT" dirty="0" err="1"/>
+                        <a:t>than</a:t>
+                      </a:r>
+                      <a:r>
+                        <a:rPr lang="it-IT" dirty="0"/>
+                        <a:t> Multi-Patch)</a:t>
+                      </a:r>
+                    </a:p>
+                  </a:txBody>
+                  <a:tcPr anchor="ctr"/>
+                </a:tc>
+                <a:extLst>
+                  <a:ext uri="{0D108BD9-81ED-4DB2-BD59-A6C34878D82A}">
+                    <a16:rowId xmlns:a16="http://schemas.microsoft.com/office/drawing/2014/main" val="1772373388"/>
+                  </a:ext>
+                </a:extLst>
+              </a:tr>
+            </a:tbl>
+          </a:graphicData>
+        </a:graphic>
+      </p:graphicFrame>
+    </p:spTree>
+    <p:extLst>
+      <p:ext uri="{BB962C8B-B14F-4D97-AF65-F5344CB8AC3E}">
+        <p14:creationId xmlns:p14="http://schemas.microsoft.com/office/powerpoint/2010/main" val="2240480514"/>
       </p:ext>
     </p:extLst>
   </p:cSld>
